--- a/presentations/sdc/6-SDC-Extraction.pptx
+++ b/presentations/sdc/6-SDC-Extraction.pptx
@@ -29640,7 +29640,7 @@
             <a:fld id="{1BCE7D1B-E2D6-42EC-A46F-6B8D8AB722EA}" type="datetime1">
               <a:rPr lang="en-US" altLang="en-US"/>
               <a:pPr/>
-              <a:t>1/6/2025</a:t>
+              <a:t>1/13/2025</a:t>
             </a:fld>
             <a:endParaRPr lang="en-US" altLang="en-US"/>
           </a:p>
@@ -29871,7 +29871,7 @@
             <a:fld id="{60D4D74E-7671-46E5-9A5B-14F31A4C0D2E}" type="datetime1">
               <a:rPr lang="en-US" altLang="en-US"/>
               <a:pPr/>
-              <a:t>1/6/2025</a:t>
+              <a:t>1/13/2025</a:t>
             </a:fld>
             <a:endParaRPr lang="en-US" altLang="en-US"/>
           </a:p>
@@ -34870,7 +34870,7 @@
           <a:p>
             <a:fld id="{D83995C2-806B-4997-8C0A-E780F2B14CC7}" type="datetimeFigureOut">
               <a:rPr lang="en-US" smtClean="0"/>
-              <a:t>1/6/2025</a:t>
+              <a:t>1/13/2025</a:t>
             </a:fld>
             <a:endParaRPr lang="en-US"/>
           </a:p>
@@ -40456,7 +40456,7 @@
           <a:p>
             <a:r>
               <a:rPr lang="en-US" altLang="en-US" dirty="0"/>
-              <a:t>Rendering &amp; Behavior</a:t>
+              <a:t>Extraction</a:t>
             </a:r>
           </a:p>
         </p:txBody>
@@ -51136,6 +51136,15 @@
               <a:t>Patient’s most recent blood glucose</a:t>
             </a:r>
           </a:p>
+          <a:p>
+            <a:pPr marL="0" indent="0">
+              <a:buNone/>
+            </a:pPr>
+            <a:r>
+              <a:rPr lang="en-CA" dirty="0"/>
+              <a:t>Repeat the process using template-based extraction</a:t>
+            </a:r>
+          </a:p>
         </p:txBody>
       </p:sp>
       <p:sp>
@@ -51825,7 +51834,15 @@
             <a:pPr lvl="1"/>
             <a:r>
               <a:rPr lang="en-CA" sz="1800" dirty="0"/>
-              <a:t>Be able to design questionnaires using both observation-based and expression-based extraction</a:t>
+              <a:t>Be able to design questionnaires using both observation-based </a:t>
+            </a:r>
+            <a:r>
+              <a:rPr lang="en-CA" sz="1800"/>
+              <a:t>and definition-based </a:t>
+            </a:r>
+            <a:r>
+              <a:rPr lang="en-CA" sz="1800" dirty="0"/>
+              <a:t>extraction</a:t>
             </a:r>
           </a:p>
         </p:txBody>

--- a/presentations/sdc/6-SDC-Extraction.pptx
+++ b/presentations/sdc/6-SDC-Extraction.pptx
@@ -14,7 +14,7 @@
     <p:sldId id="672" r:id="rId5"/>
     <p:sldId id="4905" r:id="rId6"/>
     <p:sldId id="690" r:id="rId7"/>
-    <p:sldId id="665" r:id="rId8"/>
+    <p:sldId id="4906" r:id="rId8"/>
     <p:sldId id="680" r:id="rId9"/>
     <p:sldId id="758" r:id="rId10"/>
     <p:sldId id="313" r:id="rId11"/>
@@ -202,7 +202,7 @@
         <p14:section name="Expressions Introduction" id="{2A578097-FEE4-49B0-858C-B6A0014658D4}">
           <p14:sldIdLst>
             <p14:sldId id="690"/>
-            <p14:sldId id="665"/>
+            <p14:sldId id="4906"/>
             <p14:sldId id="680"/>
             <p14:sldId id="758"/>
             <p14:sldId id="313"/>
@@ -292,6 +292,7 @@
 <file path=ppt/authors.xml><?xml version="1.0" encoding="utf-8"?>
 <p188:authorLst xmlns:a="http://schemas.openxmlformats.org/drawingml/2006/main" xmlns:r="http://schemas.openxmlformats.org/officeDocument/2006/relationships" xmlns:p188="http://schemas.microsoft.com/office/powerpoint/2018/8/main">
   <p188:author id="{E7F7EB04-2042-28C4-7D23-DF347712863D}" name="Forouzi, Sam" initials="SF" userId="S::sam.forouzi@ontariohealth.ca::0b6d262b-2292-43d2-8971-5e6d1ff46381" providerId="AD"/>
+  <p188:author id="{5751DB2D-1468-D17D-AFCF-D0AAF3269F66}" name="Lloyd McKenzie" initials="LM" userId="S::lloyd.mckenzie@dogwoodhealthconsulting.com::4649093d-15d4-474a-b05d-c722cc0d1582" providerId="AD"/>
   <p188:author id="{A35F686D-0653-5C3C-ECC2-1EA5E9BC1567}" name="McKenzie, Lloyd" initials="ML" userId="S::lloyd.mckenzie@ontariohealth.ca::4544ac19-90a7-4bc9-9dda-63119ceabc25" providerId="AD"/>
   <p188:author id="{DB71EC90-ADB7-C55B-20D8-CD2F029B2E3C}" name="Sabljakovic, Sanjin" initials="SS" userId="S::sanjin.sabljakovic@ontariohealth.ca::184e10db-d9ef-4a6d-a899-68e589f56c5f" providerId="AD"/>
 </p188:authorLst>
@@ -1379,7 +1380,7 @@
       <pc:sldMk xmlns:pc="http://schemas.microsoft.com/office/powerpoint/2013/main/command" cId="3544426078" sldId="4876"/>
       <ac:spMk id="3" creationId="{95669DCC-0344-8D7D-F3AE-4A95B3E5DB4A}"/>
       <ac:txMk cp="0" len="24">
-        <ac:context len="203" hash="2761464671"/>
+        <ac:context len="203" hash="1516119695"/>
       </ac:txMk>
     </ac:txMkLst>
     <p188:pos x="3740281" y="179182"/>
@@ -30804,7 +30805,7 @@
             <a:fld id="{1BCE7D1B-E2D6-42EC-A46F-6B8D8AB722EA}" type="datetime1">
               <a:rPr lang="en-US" altLang="en-US"/>
               <a:pPr/>
-              <a:t>2/7/2025</a:t>
+              <a:t>2/24/2025</a:t>
             </a:fld>
             <a:endParaRPr lang="en-US" altLang="en-US"/>
           </a:p>
@@ -31035,7 +31036,7 @@
             <a:fld id="{60D4D74E-7671-46E5-9A5B-14F31A4C0D2E}" type="datetime1">
               <a:rPr lang="en-US" altLang="en-US"/>
               <a:pPr/>
-              <a:t>2/7/2025</a:t>
+              <a:t>2/24/2025</a:t>
             </a:fld>
             <a:endParaRPr lang="en-US" altLang="en-US"/>
           </a:p>
@@ -31456,6 +31457,103 @@
     <p:extLst>
       <p:ext uri="{BB962C8B-B14F-4D97-AF65-F5344CB8AC3E}">
         <p14:creationId xmlns:p14="http://schemas.microsoft.com/office/powerpoint/2010/main" val="3535730783"/>
+      </p:ext>
+    </p:extLst>
+  </p:cSld>
+  <p:clrMapOvr>
+    <a:masterClrMapping/>
+  </p:clrMapOvr>
+</p:notes>
+</file>
+
+<file path=ppt/notesSlides/notesSlide10.xml><?xml version="1.0" encoding="utf-8"?>
+<p:notes xmlns:a="http://schemas.openxmlformats.org/drawingml/2006/main" xmlns:r="http://schemas.openxmlformats.org/officeDocument/2006/relationships" xmlns:p="http://schemas.openxmlformats.org/presentationml/2006/main">
+  <p:cSld>
+    <p:spTree>
+      <p:nvGrpSpPr>
+        <p:cNvPr id="1" name=""/>
+        <p:cNvGrpSpPr/>
+        <p:nvPr/>
+      </p:nvGrpSpPr>
+      <p:grpSpPr>
+        <a:xfrm>
+          <a:off x="0" y="0"/>
+          <a:ext cx="0" cy="0"/>
+          <a:chOff x="0" y="0"/>
+          <a:chExt cx="0" cy="0"/>
+        </a:xfrm>
+      </p:grpSpPr>
+      <p:sp>
+        <p:nvSpPr>
+          <p:cNvPr id="2" name="Slide Image Placeholder 1"/>
+          <p:cNvSpPr>
+            <a:spLocks noGrp="1" noRot="1" noChangeAspect="1"/>
+          </p:cNvSpPr>
+          <p:nvPr>
+            <p:ph type="sldImg"/>
+          </p:nvPr>
+        </p:nvSpPr>
+        <p:spPr/>
+      </p:sp>
+      <p:sp>
+        <p:nvSpPr>
+          <p:cNvPr id="3" name="Notes Placeholder 2"/>
+          <p:cNvSpPr>
+            <a:spLocks noGrp="1"/>
+          </p:cNvSpPr>
+          <p:nvPr>
+            <p:ph type="body" idx="1"/>
+          </p:nvPr>
+        </p:nvSpPr>
+        <p:spPr/>
+        <p:txBody>
+          <a:bodyPr/>
+          <a:lstStyle/>
+          <a:p>
+            <a:r>
+              <a:rPr lang="en-US" dirty="0"/>
+              <a:t>You might want to use Brian’s tool to author for help with </a:t>
+            </a:r>
+            <a:r>
+              <a:rPr lang="en-US" dirty="0" err="1"/>
+              <a:t>FHIRPath</a:t>
+            </a:r>
+            <a:r>
+              <a:rPr lang="en-US"/>
+              <a:t> debugging</a:t>
+            </a:r>
+            <a:endParaRPr lang="en-CA"/>
+          </a:p>
+        </p:txBody>
+      </p:sp>
+      <p:sp>
+        <p:nvSpPr>
+          <p:cNvPr id="4" name="Slide Number Placeholder 3"/>
+          <p:cNvSpPr>
+            <a:spLocks noGrp="1"/>
+          </p:cNvSpPr>
+          <p:nvPr>
+            <p:ph type="sldNum" sz="quarter" idx="5"/>
+          </p:nvPr>
+        </p:nvSpPr>
+        <p:spPr/>
+        <p:txBody>
+          <a:bodyPr/>
+          <a:lstStyle/>
+          <a:p>
+            <a:fld id="{CF4A7F80-F256-4EC8-A9CC-1A842C6C5143}" type="slidenum">
+              <a:rPr lang="en-US" altLang="en-US" smtClean="0"/>
+              <a:pPr/>
+              <a:t>50</a:t>
+            </a:fld>
+            <a:endParaRPr lang="en-US" altLang="en-US"/>
+          </a:p>
+        </p:txBody>
+      </p:sp>
+    </p:spTree>
+    <p:extLst>
+      <p:ext uri="{BB962C8B-B14F-4D97-AF65-F5344CB8AC3E}">
+        <p14:creationId xmlns:p14="http://schemas.microsoft.com/office/powerpoint/2010/main" val="1466153250"/>
       </p:ext>
     </p:extLst>
   </p:cSld>
@@ -31990,6 +32088,95 @@
   <p:cSld>
     <p:spTree>
       <p:nvGrpSpPr>
+        <p:cNvPr id="1" name=""/>
+        <p:cNvGrpSpPr/>
+        <p:nvPr/>
+      </p:nvGrpSpPr>
+      <p:grpSpPr>
+        <a:xfrm>
+          <a:off x="0" y="0"/>
+          <a:ext cx="0" cy="0"/>
+          <a:chOff x="0" y="0"/>
+          <a:chExt cx="0" cy="0"/>
+        </a:xfrm>
+      </p:grpSpPr>
+      <p:sp>
+        <p:nvSpPr>
+          <p:cNvPr id="2" name="Slide Image Placeholder 1"/>
+          <p:cNvSpPr>
+            <a:spLocks noGrp="1" noRot="1" noChangeAspect="1"/>
+          </p:cNvSpPr>
+          <p:nvPr>
+            <p:ph type="sldImg"/>
+          </p:nvPr>
+        </p:nvSpPr>
+        <p:spPr/>
+      </p:sp>
+      <p:sp>
+        <p:nvSpPr>
+          <p:cNvPr id="3" name="Notes Placeholder 2"/>
+          <p:cNvSpPr>
+            <a:spLocks noGrp="1"/>
+          </p:cNvSpPr>
+          <p:nvPr>
+            <p:ph type="body" idx="1"/>
+          </p:nvPr>
+        </p:nvSpPr>
+        <p:spPr/>
+        <p:txBody>
+          <a:bodyPr/>
+          <a:lstStyle/>
+          <a:p>
+            <a:r>
+              <a:rPr lang="en-US" dirty="0"/>
+              <a:t>Template can’t make certain elements dynamic – specifically Element.id, Extension.url</a:t>
+            </a:r>
+            <a:endParaRPr lang="en-CA" dirty="0"/>
+          </a:p>
+        </p:txBody>
+      </p:sp>
+      <p:sp>
+        <p:nvSpPr>
+          <p:cNvPr id="4" name="Slide Number Placeholder 3"/>
+          <p:cNvSpPr>
+            <a:spLocks noGrp="1"/>
+          </p:cNvSpPr>
+          <p:nvPr>
+            <p:ph type="sldNum" sz="quarter" idx="5"/>
+          </p:nvPr>
+        </p:nvSpPr>
+        <p:spPr/>
+        <p:txBody>
+          <a:bodyPr/>
+          <a:lstStyle/>
+          <a:p>
+            <a:fld id="{CF4A7F80-F256-4EC8-A9CC-1A842C6C5143}" type="slidenum">
+              <a:rPr lang="en-US" altLang="en-US" smtClean="0"/>
+              <a:pPr/>
+              <a:t>37</a:t>
+            </a:fld>
+            <a:endParaRPr lang="en-US" altLang="en-US"/>
+          </a:p>
+        </p:txBody>
+      </p:sp>
+    </p:spTree>
+    <p:extLst>
+      <p:ext uri="{BB962C8B-B14F-4D97-AF65-F5344CB8AC3E}">
+        <p14:creationId xmlns:p14="http://schemas.microsoft.com/office/powerpoint/2010/main" val="2645653531"/>
+      </p:ext>
+    </p:extLst>
+  </p:cSld>
+  <p:clrMapOvr>
+    <a:masterClrMapping/>
+  </p:clrMapOvr>
+</p:notes>
+</file>
+
+<file path=ppt/notesSlides/notesSlide8.xml><?xml version="1.0" encoding="utf-8"?>
+<p:notes xmlns:a="http://schemas.openxmlformats.org/drawingml/2006/main" xmlns:r="http://schemas.openxmlformats.org/officeDocument/2006/relationships" xmlns:p="http://schemas.openxmlformats.org/presentationml/2006/main">
+  <p:cSld>
+    <p:spTree>
+      <p:nvGrpSpPr>
         <p:cNvPr id="1" name="">
           <a:extLst>
             <a:ext uri="{FF2B5EF4-FFF2-40B4-BE49-F238E27FC236}">
@@ -32093,7 +32280,7 @@
 </p:notes>
 </file>
 
-<file path=ppt/notesSlides/notesSlide8.xml><?xml version="1.0" encoding="utf-8"?>
+<file path=ppt/notesSlides/notesSlide9.xml><?xml version="1.0" encoding="utf-8"?>
 <p:notes xmlns:a="http://schemas.openxmlformats.org/drawingml/2006/main" xmlns:r="http://schemas.openxmlformats.org/officeDocument/2006/relationships" xmlns:p="http://schemas.openxmlformats.org/presentationml/2006/main">
   <p:cSld>
     <p:spTree>
@@ -36118,7 +36305,7 @@
           <a:p>
             <a:fld id="{D83995C2-806B-4997-8C0A-E780F2B14CC7}" type="datetimeFigureOut">
               <a:rPr lang="en-US" smtClean="0"/>
-              <a:t>2/7/2025</a:t>
+              <a:t>2/24/2025</a:t>
             </a:fld>
             <a:endParaRPr lang="en-US"/>
           </a:p>
@@ -43187,30 +43374,38 @@
           <a:lstStyle/>
           <a:p>
             <a:r>
-              <a:rPr lang="en-US"/>
+              <a:rPr lang="en-US" dirty="0"/>
               <a:t>In general, ‘update’ requires the use of population</a:t>
             </a:r>
           </a:p>
           <a:p>
             <a:pPr lvl="1"/>
             <a:r>
-              <a:rPr lang="en-US"/>
-              <a:t>Need to know the ‘id’ of the resource to update to populate</a:t>
+              <a:rPr lang="en-US" dirty="0"/>
+              <a:t>Need to know the ‘</a:t>
+            </a:r>
+            <a:r>
+              <a:rPr lang="en-US" dirty="0" err="1"/>
+              <a:t>url</a:t>
+            </a:r>
+            <a:r>
+              <a:rPr lang="en-US" dirty="0"/>
+              <a:t>’ of the resource to update to populate</a:t>
             </a:r>
           </a:p>
           <a:p>
             <a:r>
-              <a:rPr lang="en-US"/>
+              <a:rPr lang="en-US" dirty="0"/>
               <a:t>If QuestionnaireResponse is revised post-extraction, it’s theoretically possible to re-extract and update originally extracted resources</a:t>
             </a:r>
           </a:p>
           <a:p>
             <a:pPr lvl="1"/>
             <a:r>
-              <a:rPr lang="en-US"/>
+              <a:rPr lang="en-US" dirty="0"/>
               <a:t>Requires linkage between extracted resources and QuestionnaireResponse</a:t>
             </a:r>
-            <a:endParaRPr lang="en-CA"/>
+            <a:endParaRPr lang="en-CA" dirty="0"/>
           </a:p>
         </p:txBody>
       </p:sp>
@@ -45619,43 +45814,43 @@
           <a:lstStyle/>
           <a:p>
             <a:r>
-              <a:rPr lang="en-AU" sz="1600"/>
+              <a:rPr lang="en-AU" sz="1600" dirty="0"/>
               <a:t>Source</a:t>
             </a:r>
           </a:p>
           <a:p>
             <a:pPr lvl="1"/>
             <a:r>
-              <a:rPr lang="en-AU" sz="1400"/>
+              <a:rPr lang="en-AU" sz="1400" dirty="0"/>
               <a:t>‘Completed’ QuestionnaireResponse</a:t>
             </a:r>
           </a:p>
           <a:p>
             <a:r>
-              <a:rPr lang="en-AU" sz="1600"/>
+              <a:rPr lang="en-AU" sz="1600" dirty="0"/>
               <a:t>Mapping</a:t>
             </a:r>
           </a:p>
           <a:p>
             <a:pPr lvl="1"/>
             <a:r>
-              <a:rPr lang="en-AU" sz="1400" err="1"/>
+              <a:rPr lang="en-AU" sz="1400" dirty="0" err="1"/>
               <a:t>Item.code</a:t>
             </a:r>
             <a:r>
-              <a:rPr lang="en-AU" sz="1400"/>
+              <a:rPr lang="en-AU" sz="1400" dirty="0"/>
               <a:t> for LOINC/SNOMED/other to populate </a:t>
             </a:r>
             <a:r>
-              <a:rPr lang="en-AU" sz="1400" err="1"/>
+              <a:rPr lang="en-AU" sz="1400" dirty="0" err="1"/>
               <a:t>Observation.code</a:t>
             </a:r>
-            <a:endParaRPr lang="en-AU" sz="1400"/>
+            <a:endParaRPr lang="en-AU" sz="1400" dirty="0"/>
           </a:p>
           <a:p>
             <a:pPr lvl="1"/>
             <a:r>
-              <a:rPr lang="en-CA" sz="1200" b="0" i="0" u="none" strike="noStrike">
+              <a:rPr lang="en-CA" sz="1200" b="0" i="0" u="none" strike="noStrike" dirty="0">
                 <a:effectLst/>
                 <a:latin typeface="verdana" panose="020B0604030504040204" pitchFamily="34" charset="0"/>
                 <a:hlinkClick r:id="rId3"/>
@@ -45663,7 +45858,7 @@
               <a:t>questionnaire-</a:t>
             </a:r>
             <a:r>
-              <a:rPr lang="en-CA" sz="1200" b="0" i="0" u="none" strike="noStrike" err="1">
+              <a:rPr lang="en-CA" sz="1200" b="0" i="0" u="none" strike="noStrike" dirty="0" err="1">
                 <a:effectLst/>
                 <a:latin typeface="verdana" panose="020B0604030504040204" pitchFamily="34" charset="0"/>
                 <a:hlinkClick r:id="rId3"/>
@@ -45671,21 +45866,21 @@
               <a:t>observationExtract</a:t>
             </a:r>
             <a:r>
-              <a:rPr lang="en-AU" sz="1400" b="0" i="0" u="none" strike="noStrike">
+              <a:rPr lang="en-AU" sz="1400" b="0" i="0" u="none" strike="noStrike" dirty="0">
                 <a:effectLst/>
                 <a:latin typeface="verdana" panose="020B0604030504040204" pitchFamily="34" charset="0"/>
               </a:rPr>
               <a:t> </a:t>
             </a:r>
             <a:r>
-              <a:rPr lang="en-AU" sz="1400"/>
+              <a:rPr lang="en-AU" sz="1400" dirty="0"/>
               <a:t>to indicate that extraction is needed</a:t>
             </a:r>
           </a:p>
           <a:p>
             <a:pPr lvl="1"/>
             <a:r>
-              <a:rPr lang="en-CA" sz="1200" b="0" i="0" u="sng">
+              <a:rPr lang="en-CA" sz="1200" b="0" i="0" u="sng" dirty="0">
                 <a:effectLst/>
                 <a:latin typeface="verdana" panose="020B0604030504040204" pitchFamily="34" charset="0"/>
                 <a:hlinkClick r:id="rId4"/>
@@ -45693,27 +45888,44 @@
               <a:t>observation-extract-category</a:t>
             </a:r>
             <a:r>
-              <a:rPr lang="en-AU" sz="1400"/>
+              <a:rPr lang="en-AU" sz="1400" dirty="0"/>
               <a:t> can be used to indicate the needed category</a:t>
             </a:r>
           </a:p>
           <a:p>
             <a:pPr lvl="1"/>
             <a:r>
-              <a:rPr lang="en-AU" sz="1400"/>
+              <a:rPr lang="en-AU" sz="1400" dirty="0"/>
               <a:t>Other Observation elements come from subject, encounter, author, authored, answer</a:t>
+            </a:r>
+          </a:p>
+          <a:p>
+            <a:pPr lvl="2"/>
+            <a:r>
+              <a:rPr lang="en-AU" sz="1400" dirty="0"/>
+              <a:t>Watch for </a:t>
+            </a:r>
+            <a:r>
+              <a:rPr lang="en-AU" sz="1400" dirty="0" err="1">
+                <a:hlinkClick r:id="rId5"/>
+              </a:rPr>
+              <a:t>questionnaireresponse-isSubject</a:t>
+            </a:r>
+            <a:r>
+              <a:rPr lang="en-AU" sz="1400" dirty="0"/>
+              <a:t> as the subject of some groups may differ</a:t>
             </a:r>
           </a:p>
           <a:p>
             <a:pPr lvl="1"/>
             <a:r>
-              <a:rPr lang="en-AU" sz="1400"/>
+              <a:rPr lang="en-AU" sz="1400" dirty="0"/>
               <a:t>Groups and questions with child questions can be extracted as components or members</a:t>
             </a:r>
           </a:p>
           <a:p>
             <a:r>
-              <a:rPr lang="en-AU" sz="1800"/>
+              <a:rPr lang="en-AU" sz="1800" dirty="0"/>
               <a:t>Only works with observations</a:t>
             </a:r>
           </a:p>
@@ -45734,7 +45946,7 @@
           <p:nvPr/>
         </p:nvPicPr>
         <p:blipFill>
-          <a:blip r:embed="rId5"/>
+          <a:blip r:embed="rId6"/>
           <a:srcRect t="4132" b="4132"/>
           <a:stretch>
             <a:fillRect/>
@@ -46804,27 +47016,27 @@
           <a:lstStyle/>
           <a:p>
             <a:r>
-              <a:rPr lang="en-AU" sz="1400"/>
+              <a:rPr lang="en-AU" sz="1400" dirty="0"/>
               <a:t>Source</a:t>
             </a:r>
           </a:p>
           <a:p>
             <a:pPr lvl="1"/>
             <a:r>
-              <a:rPr lang="en-AU" sz="1050"/>
+              <a:rPr lang="en-AU" sz="1050" dirty="0"/>
               <a:t>‘Completed’ QuestionnaireResponse</a:t>
             </a:r>
           </a:p>
           <a:p>
             <a:r>
-              <a:rPr lang="en-AU" sz="1400"/>
+              <a:rPr lang="en-AU" sz="1400" dirty="0"/>
               <a:t>Mapping</a:t>
             </a:r>
           </a:p>
           <a:p>
             <a:pPr lvl="1"/>
             <a:r>
-              <a:rPr lang="en-CA" sz="1050" b="0" i="0" u="none" strike="noStrike" err="1">
+              <a:rPr lang="en-CA" sz="1050" b="0" i="0" u="none" strike="noStrike" dirty="0" err="1">
                 <a:effectLst/>
                 <a:latin typeface="verdana" panose="020B0604030504040204" pitchFamily="34" charset="0"/>
                 <a:hlinkClick r:id="rId3"/>
@@ -46832,7 +47044,7 @@
               <a:t>sdc</a:t>
             </a:r>
             <a:r>
-              <a:rPr lang="en-CA" sz="1050" b="0" i="0" u="none" strike="noStrike">
+              <a:rPr lang="en-CA" sz="1050" b="0" i="0" u="none" strike="noStrike" dirty="0">
                 <a:effectLst/>
                 <a:latin typeface="verdana" panose="020B0604030504040204" pitchFamily="34" charset="0"/>
                 <a:hlinkClick r:id="rId3"/>
@@ -46840,7 +47052,7 @@
               <a:t>-questionnaire-</a:t>
             </a:r>
             <a:r>
-              <a:rPr lang="en-CA" sz="1050" b="0" i="0" u="none" strike="noStrike" err="1">
+              <a:rPr lang="en-CA" sz="1050" b="0" i="0" u="none" strike="noStrike" dirty="0" err="1">
                 <a:effectLst/>
                 <a:latin typeface="verdana" panose="020B0604030504040204" pitchFamily="34" charset="0"/>
                 <a:hlinkClick r:id="rId3"/>
@@ -46848,7 +47060,7 @@
               <a:t>definitionExtract</a:t>
             </a:r>
             <a:r>
-              <a:rPr lang="en-CA" sz="1050" b="0" i="0">
+              <a:rPr lang="en-CA" sz="1050" b="0" i="0" dirty="0">
                 <a:solidFill>
                   <a:srgbClr val="333333"/>
                 </a:solidFill>
@@ -46858,22 +47070,22 @@
               <a:t> </a:t>
             </a:r>
             <a:r>
-              <a:rPr lang="en-AU" sz="1200"/>
+              <a:rPr lang="en-AU" sz="1200" dirty="0"/>
               <a:t>– resource to extract, </a:t>
             </a:r>
             <a:r>
-              <a:rPr lang="en-AU" sz="1200" err="1"/>
+              <a:rPr lang="en-AU" sz="1200" dirty="0" err="1"/>
               <a:t>fixedValue</a:t>
             </a:r>
             <a:r>
-              <a:rPr lang="en-AU" sz="1200"/>
+              <a:rPr lang="en-AU" sz="1200" dirty="0"/>
               <a:t>/patterns</a:t>
             </a:r>
           </a:p>
           <a:p>
             <a:pPr lvl="1"/>
             <a:r>
-              <a:rPr lang="en-CA" sz="1050" b="0" i="0" u="sng" err="1">
+              <a:rPr lang="en-CA" sz="1050" b="0" i="0" u="sng" dirty="0" err="1">
                 <a:effectLst/>
                 <a:latin typeface="verdana" panose="020B0604030504040204" pitchFamily="34" charset="0"/>
                 <a:hlinkClick r:id="rId4"/>
@@ -46881,7 +47093,7 @@
               <a:t>sdc</a:t>
             </a:r>
             <a:r>
-              <a:rPr lang="en-CA" sz="1050" b="0" i="0" u="sng">
+              <a:rPr lang="en-CA" sz="1050" b="0" i="0" u="sng" dirty="0">
                 <a:effectLst/>
                 <a:latin typeface="verdana" panose="020B0604030504040204" pitchFamily="34" charset="0"/>
                 <a:hlinkClick r:id="rId4"/>
@@ -46889,7 +47101,7 @@
               <a:t>-questionnaire-</a:t>
             </a:r>
             <a:r>
-              <a:rPr lang="en-CA" sz="1050" b="0" i="0" u="sng" err="1">
+              <a:rPr lang="en-CA" sz="1050" b="0" i="0" u="sng" dirty="0" err="1">
                 <a:effectLst/>
                 <a:latin typeface="verdana" panose="020B0604030504040204" pitchFamily="34" charset="0"/>
                 <a:hlinkClick r:id="rId4"/>
@@ -46897,25 +47109,25 @@
               <a:t>definitionExtractValue</a:t>
             </a:r>
             <a:r>
-              <a:rPr lang="en-AU" sz="1050"/>
+              <a:rPr lang="en-AU" sz="1050" dirty="0"/>
               <a:t> </a:t>
             </a:r>
             <a:r>
-              <a:rPr lang="en-AU" sz="1200"/>
+              <a:rPr lang="en-AU" sz="1200" dirty="0"/>
               <a:t>– element to populate with fixed or </a:t>
             </a:r>
             <a:br>
-              <a:rPr lang="en-AU" sz="1200"/>
+              <a:rPr lang="en-AU" sz="1200" dirty="0"/>
             </a:br>
             <a:r>
-              <a:rPr lang="en-AU" sz="1200"/>
+              <a:rPr lang="en-AU" sz="1200" dirty="0"/>
               <a:t>calculated values</a:t>
             </a:r>
           </a:p>
           <a:p>
             <a:pPr lvl="1"/>
             <a:r>
-              <a:rPr lang="en-CA" sz="1050" b="0" i="0" u="none" strike="noStrike" err="1">
+              <a:rPr lang="en-CA" sz="1050" b="0" i="0" u="none" strike="noStrike" dirty="0" err="1">
                 <a:effectLst/>
                 <a:latin typeface="verdana" panose="020B0604030504040204" pitchFamily="34" charset="0"/>
                 <a:hlinkClick r:id="rId5"/>
@@ -46923,7 +47135,7 @@
               <a:t>sdc</a:t>
             </a:r>
             <a:r>
-              <a:rPr lang="en-CA" sz="1050" b="0" i="0" u="none" strike="noStrike">
+              <a:rPr lang="en-CA" sz="1050" b="0" i="0" u="none" strike="noStrike" dirty="0">
                 <a:effectLst/>
                 <a:latin typeface="verdana" panose="020B0604030504040204" pitchFamily="34" charset="0"/>
                 <a:hlinkClick r:id="rId5"/>
@@ -46931,7 +47143,7 @@
               <a:t>-questionnaire-</a:t>
             </a:r>
             <a:r>
-              <a:rPr lang="en-CA" sz="1050" b="0" i="0" u="none" strike="noStrike" err="1">
+              <a:rPr lang="en-CA" sz="1050" b="0" i="0" u="none" strike="noStrike" dirty="0" err="1">
                 <a:effectLst/>
                 <a:latin typeface="verdana" panose="020B0604030504040204" pitchFamily="34" charset="0"/>
                 <a:hlinkClick r:id="rId5"/>
@@ -46939,7 +47151,7 @@
               <a:t>extractAllocateId</a:t>
             </a:r>
             <a:r>
-              <a:rPr lang="en-CA" sz="1050" b="0" i="0">
+              <a:rPr lang="en-CA" sz="1050" b="0" i="0" dirty="0">
                 <a:solidFill>
                   <a:srgbClr val="333333"/>
                 </a:solidFill>
@@ -46949,26 +47161,26 @@
               <a:t> </a:t>
             </a:r>
             <a:r>
-              <a:rPr lang="en-AU" sz="1200"/>
+              <a:rPr lang="en-AU" sz="1200" dirty="0"/>
               <a:t>– if needed for cross-resource referencing</a:t>
             </a:r>
           </a:p>
           <a:p>
             <a:pPr lvl="1"/>
             <a:r>
-              <a:rPr lang="en-AU" sz="1200"/>
+              <a:rPr lang="en-AU" sz="1200" dirty="0"/>
               <a:t>Answers are mapped into the extracted resource based on </a:t>
             </a:r>
             <a:r>
-              <a:rPr lang="en-AU" sz="1200" err="1"/>
+              <a:rPr lang="en-AU" sz="1200" dirty="0" err="1"/>
               <a:t>item.definition</a:t>
             </a:r>
-            <a:endParaRPr lang="en-AU" sz="1200"/>
+            <a:endParaRPr lang="en-AU" sz="1200" dirty="0"/>
           </a:p>
           <a:p>
             <a:r>
-              <a:rPr lang="en-AU" sz="1400"/>
-              <a:t>Can extract to any resource, but only one set of mappings per profile</a:t>
+              <a:rPr lang="en-AU" sz="1400" dirty="0"/>
+              <a:t>Can extract to any resource, but only one set of mappings per profile within a shared context</a:t>
             </a:r>
           </a:p>
         </p:txBody>
@@ -47207,41 +47419,56 @@
           <a:lstStyle/>
           <a:p>
             <a:r>
-              <a:rPr lang="en-US"/>
+              <a:rPr lang="en-US" dirty="0"/>
               <a:t>On Questionnaire, extracts one resource instance for the QuestionnaireResponse</a:t>
             </a:r>
           </a:p>
           <a:p>
             <a:r>
-              <a:rPr lang="en-US"/>
+              <a:rPr lang="en-US" dirty="0"/>
               <a:t>On a group, extracts one instance for each group repetition</a:t>
             </a:r>
           </a:p>
           <a:p>
             <a:r>
-              <a:rPr lang="en-US"/>
+              <a:rPr lang="en-US" dirty="0"/>
               <a:t>Defines what resource to create (profile base resource)</a:t>
             </a:r>
           </a:p>
           <a:p>
             <a:pPr lvl="1"/>
             <a:r>
-              <a:rPr lang="en-US"/>
+              <a:rPr lang="en-US" dirty="0"/>
               <a:t>URL can just be canonical of the resource</a:t>
             </a:r>
           </a:p>
           <a:p>
             <a:r>
-              <a:rPr lang="en-US"/>
+              <a:rPr lang="en-US" dirty="0"/>
               <a:t>If it’s a profile, we will auto-extract fixed values and patterns</a:t>
             </a:r>
           </a:p>
           <a:p>
             <a:r>
-              <a:rPr lang="en-US"/>
+              <a:rPr lang="en-US" dirty="0"/>
               <a:t>Can allow conditional creation</a:t>
             </a:r>
-            <a:endParaRPr lang="en-CA"/>
+          </a:p>
+          <a:p>
+            <a:pPr lvl="1"/>
+            <a:r>
+              <a:rPr lang="en-US" dirty="0"/>
+              <a:t>using </a:t>
+            </a:r>
+            <a:r>
+              <a:rPr lang="en-US" dirty="0" err="1"/>
+              <a:t>Bundle.entry</a:t>
+            </a:r>
+            <a:r>
+              <a:rPr lang="en-US" dirty="0"/>
+              <a:t> elements</a:t>
+            </a:r>
+            <a:endParaRPr lang="en-CA" dirty="0"/>
           </a:p>
         </p:txBody>
       </p:sp>
@@ -49104,6 +49331,51 @@
                       </p:childTnLst>
                     </p:cTn>
                   </p:par>
+                  <p:par>
+                    <p:cTn id="7" fill="hold">
+                      <p:stCondLst>
+                        <p:cond delay="indefinite"/>
+                      </p:stCondLst>
+                      <p:childTnLst>
+                        <p:par>
+                          <p:cTn id="8" fill="hold">
+                            <p:stCondLst>
+                              <p:cond delay="0"/>
+                            </p:stCondLst>
+                            <p:childTnLst>
+                              <p:par>
+                                <p:cTn id="9" presetID="1" presetClass="entr" presetSubtype="0" fill="hold" nodeType="clickEffect">
+                                  <p:stCondLst>
+                                    <p:cond delay="0"/>
+                                  </p:stCondLst>
+                                  <p:childTnLst>
+                                    <p:set>
+                                      <p:cBhvr>
+                                        <p:cTn id="10" dur="1" fill="hold">
+                                          <p:stCondLst>
+                                            <p:cond delay="0"/>
+                                          </p:stCondLst>
+                                        </p:cTn>
+                                        <p:tgtEl>
+                                          <p:spTgt spid="9"/>
+                                        </p:tgtEl>
+                                        <p:attrNameLst>
+                                          <p:attrName>style.visibility</p:attrName>
+                                        </p:attrNameLst>
+                                      </p:cBhvr>
+                                      <p:to>
+                                        <p:strVal val="visible"/>
+                                      </p:to>
+                                    </p:set>
+                                  </p:childTnLst>
+                                </p:cTn>
+                              </p:par>
+                            </p:childTnLst>
+                          </p:cTn>
+                        </p:par>
+                      </p:childTnLst>
+                    </p:cTn>
+                  </p:par>
                 </p:childTnLst>
               </p:cTn>
               <p:prevCondLst>
@@ -50340,88 +50612,106 @@
               <a:buNone/>
             </a:pPr>
             <a:r>
-              <a:rPr lang="en-US" sz="1800" err="1"/>
+              <a:rPr lang="en-US" sz="1400" dirty="0" err="1"/>
               <a:t>templateExtract</a:t>
             </a:r>
             <a:r>
-              <a:rPr lang="en-US" sz="1800"/>
+              <a:rPr lang="en-US" sz="1400" dirty="0"/>
               <a:t> (0..*)</a:t>
             </a:r>
           </a:p>
           <a:p>
             <a:pPr lvl="1"/>
             <a:r>
-              <a:rPr lang="en-CA" sz="1600"/>
+              <a:rPr lang="en-CA" sz="1200" dirty="0"/>
               <a:t>Points to a resource template (could be Bundle)</a:t>
             </a:r>
           </a:p>
           <a:p>
             <a:pPr lvl="1"/>
             <a:r>
-              <a:rPr lang="en-CA" sz="1600"/>
-              <a:t>Can result in transaction Bundle or single resource</a:t>
+              <a:rPr lang="en-CA" sz="1200" dirty="0"/>
+              <a:t>Results in an entry within a transaction Bundle</a:t>
             </a:r>
           </a:p>
           <a:p>
             <a:pPr lvl="1"/>
             <a:r>
-              <a:rPr lang="en-CA" sz="1600"/>
+              <a:rPr lang="en-CA" sz="1200" dirty="0"/>
               <a:t>Context for extraction determined by location of extension (root or group)</a:t>
             </a:r>
           </a:p>
           <a:p>
             <a:pPr lvl="1"/>
             <a:r>
-              <a:rPr lang="en-CA" sz="1600"/>
+              <a:rPr lang="en-CA" sz="1200" dirty="0"/>
               <a:t>Extension includes all elements to populate a </a:t>
             </a:r>
             <a:r>
-              <a:rPr lang="en-CA" sz="1600" err="1"/>
+              <a:rPr lang="en-CA" sz="1200" dirty="0" err="1"/>
               <a:t>Bundle.entry</a:t>
             </a:r>
-            <a:endParaRPr lang="en-CA" sz="1600"/>
-          </a:p>
-          <a:p>
-            <a:r>
-              <a:rPr lang="en-CA" sz="1800" err="1"/>
-              <a:t>templateExtractBundle</a:t>
-            </a:r>
-            <a:r>
-              <a:rPr lang="en-CA" sz="1800"/>
-              <a:t> (0..1)</a:t>
-            </a:r>
+            <a:endParaRPr lang="en-CA" sz="1200" dirty="0"/>
           </a:p>
           <a:p>
             <a:pPr lvl="1"/>
             <a:r>
-              <a:rPr lang="en-CA" sz="1600"/>
-              <a:t>Points to a transaction Bundle template</a:t>
+              <a:rPr lang="en-CA" sz="1200" dirty="0" err="1"/>
+              <a:t>resourceId</a:t>
+            </a:r>
+            <a:r>
+              <a:rPr lang="en-CA" sz="1200" dirty="0"/>
+              <a:t> can be controlled via parameter</a:t>
+            </a:r>
+          </a:p>
+          <a:p>
+            <a:r>
+              <a:rPr lang="en-CA" sz="1400" dirty="0" err="1"/>
+              <a:t>templateExtractBundle</a:t>
+            </a:r>
+            <a:r>
+              <a:rPr lang="en-CA" sz="1400" dirty="0"/>
+              <a:t> (0..1)</a:t>
             </a:r>
           </a:p>
           <a:p>
             <a:pPr lvl="1"/>
             <a:r>
-              <a:rPr lang="en-CA" sz="1600"/>
-              <a:t>Always results in transaction Bundle</a:t>
+              <a:rPr lang="en-CA" sz="1200" dirty="0"/>
+              <a:t>Points to a transaction Bundle template</a:t>
             </a:r>
           </a:p>
           <a:p>
             <a:pPr lvl="1"/>
             <a:r>
-              <a:rPr lang="en-CA" sz="1600"/>
-              <a:t>Always on root.  Context for extraction handled by </a:t>
-            </a:r>
-            <a:r>
-              <a:rPr lang="en-CA" sz="1600" err="1"/>
-              <a:t>templateExtractContext</a:t>
-            </a:r>
-            <a:endParaRPr lang="en-CA" sz="1600"/>
+              <a:rPr lang="en-CA" sz="1200" dirty="0"/>
+              <a:t>Always results in transaction Bundle</a:t>
+            </a:r>
           </a:p>
           <a:p>
             <a:pPr lvl="1"/>
             <a:r>
-              <a:rPr lang="en-CA" sz="1600"/>
+              <a:rPr lang="en-CA" sz="1200" dirty="0"/>
+              <a:t>Always on root.  Context for extraction handled by </a:t>
+            </a:r>
+            <a:r>
+              <a:rPr lang="en-CA" sz="1200" dirty="0" err="1"/>
+              <a:t>templateExtractContext</a:t>
+            </a:r>
+            <a:endParaRPr lang="en-CA" sz="1200" dirty="0"/>
+          </a:p>
+          <a:p>
+            <a:pPr lvl="1"/>
+            <a:r>
+              <a:rPr lang="en-CA" sz="1200" dirty="0"/>
               <a:t>Bundle entry elements are defined in the template</a:t>
+            </a:r>
+          </a:p>
+          <a:p>
+            <a:pPr lvl="1"/>
+            <a:r>
+              <a:rPr lang="en-CA" sz="1200" dirty="0"/>
+              <a:t>Can set the resource id of each entry</a:t>
             </a:r>
           </a:p>
         </p:txBody>
@@ -50745,10 +51035,10 @@
           <a:lstStyle/>
           <a:p>
             <a:r>
-              <a:rPr lang="en-US"/>
+              <a:rPr lang="en-US" dirty="0"/>
               <a:t>Template extensions (cont’d)</a:t>
             </a:r>
-            <a:endParaRPr lang="en-CA"/>
+            <a:endParaRPr lang="en-CA" dirty="0"/>
           </a:p>
         </p:txBody>
       </p:sp>
@@ -50774,7 +51064,7 @@
           <a:lstStyle/>
           <a:p>
             <a:r>
-              <a:rPr lang="en-CA" b="0" i="0" u="sng" err="1">
+              <a:rPr lang="en-CA" b="0" i="0" u="sng" dirty="0" err="1">
                 <a:effectLst/>
                 <a:latin typeface="verdana" panose="020B0604030504040204" pitchFamily="34" charset="0"/>
                 <a:hlinkClick r:id="rId2"/>
@@ -50782,7 +51072,7 @@
               <a:t>sdc</a:t>
             </a:r>
             <a:r>
-              <a:rPr lang="en-CA" b="0" i="0" u="sng">
+              <a:rPr lang="en-CA" b="0" i="0" u="sng" dirty="0">
                 <a:effectLst/>
                 <a:latin typeface="verdana" panose="020B0604030504040204" pitchFamily="34" charset="0"/>
                 <a:hlinkClick r:id="rId2"/>
@@ -50790,51 +51080,51 @@
               <a:t>-questionnaire-</a:t>
             </a:r>
             <a:r>
-              <a:rPr lang="en-CA" b="0" i="0" u="sng" err="1">
+              <a:rPr lang="en-CA" b="0" i="0" u="sng" dirty="0" err="1">
                 <a:effectLst/>
                 <a:latin typeface="verdana" panose="020B0604030504040204" pitchFamily="34" charset="0"/>
                 <a:hlinkClick r:id="rId2"/>
               </a:rPr>
               <a:t>templateExtractValue</a:t>
             </a:r>
-            <a:endParaRPr lang="en-US"/>
+            <a:endParaRPr lang="en-US" dirty="0"/>
           </a:p>
           <a:p>
             <a:pPr lvl="1"/>
             <a:r>
-              <a:rPr lang="en-CA" err="1"/>
+              <a:rPr lang="en-CA" dirty="0" err="1"/>
               <a:t>FHIRPath</a:t>
             </a:r>
             <a:r>
-              <a:rPr lang="en-CA"/>
+              <a:rPr lang="en-CA" dirty="0"/>
               <a:t> expression referring to a Questionnaire question</a:t>
             </a:r>
           </a:p>
           <a:p>
             <a:pPr lvl="1"/>
             <a:r>
-              <a:rPr lang="en-CA"/>
+              <a:rPr lang="en-CA" dirty="0"/>
               <a:t>If the item has an answer, they become the value for the element</a:t>
             </a:r>
           </a:p>
           <a:p>
             <a:pPr lvl="1"/>
             <a:r>
-              <a:rPr lang="en-CA"/>
+              <a:rPr lang="en-CA" dirty="0"/>
               <a:t>Multiple answers = multiple repetitions of the element</a:t>
             </a:r>
           </a:p>
           <a:p>
             <a:pPr lvl="2"/>
             <a:r>
-              <a:rPr lang="en-CA"/>
+              <a:rPr lang="en-CA" dirty="0"/>
               <a:t>Multiple answers for non-repeating elements is an error</a:t>
             </a:r>
           </a:p>
           <a:p>
             <a:pPr lvl="1"/>
             <a:r>
-              <a:rPr lang="en-CA"/>
+              <a:rPr lang="en-CA" dirty="0"/>
               <a:t>no answer, element will be removed</a:t>
             </a:r>
           </a:p>
@@ -50968,53 +51258,66 @@
           <a:lstStyle/>
           <a:p>
             <a:r>
-              <a:rPr lang="en-US"/>
-              <a:t>Can be downloaded here:</a:t>
+              <a:rPr lang="en-US" dirty="0">
+                <a:ea typeface="ヒラギノ角ゴ Pro W3"/>
+              </a:rPr>
+              <a:t>Can be downloaded from the Ontario Health e-Learning site:</a:t>
             </a:r>
           </a:p>
           <a:p>
             <a:pPr lvl="1"/>
             <a:r>
-              <a:rPr lang="en-CA">
+              <a:rPr lang="en-CA" dirty="0">
+                <a:ea typeface="ヒラギノ角ゴ Pro W3"/>
                 <a:hlinkClick r:id="rId2"/>
               </a:rPr>
-              <a:t>https://github.com/FHIR/documents/tree/master/presentations/sdc</a:t>
-            </a:r>
-            <a:endParaRPr lang="en-CA"/>
+              <a:t>https://elearning.ontariohealth.ca/login/index.php</a:t>
+            </a:r>
+            <a:endParaRPr lang="en-CA" dirty="0">
+              <a:ea typeface="ヒラギノ角ゴ Pro W3"/>
+            </a:endParaRPr>
           </a:p>
           <a:p>
-            <a:pPr lvl="0"/>
-            <a:r>
-              <a:rPr lang="en-US"/>
+            <a:r>
+              <a:rPr lang="en-US" dirty="0">
+                <a:ea typeface="ヒラギノ角ゴ Pro W3"/>
+              </a:rPr>
               <a:t>Is licensed for use under the Creative Commons, specifically:</a:t>
             </a:r>
           </a:p>
           <a:p>
             <a:pPr lvl="1"/>
             <a:r>
-              <a:rPr lang="en-CA">
+              <a:rPr lang="en-CA" dirty="0">
+                <a:ea typeface="ヒラギノ角ゴ Pro W3"/>
                 <a:hlinkClick r:id="rId3"/>
               </a:rPr>
               <a:t>Creative Commons Attribution 3.0 </a:t>
             </a:r>
             <a:r>
-              <a:rPr lang="en-CA" err="1">
+              <a:rPr lang="en-CA" dirty="0" err="1">
+                <a:ea typeface="ヒラギノ角ゴ Pro W3"/>
                 <a:hlinkClick r:id="rId3"/>
               </a:rPr>
               <a:t>Unported</a:t>
             </a:r>
             <a:r>
-              <a:rPr lang="en-CA">
+              <a:rPr lang="en-CA" dirty="0">
+                <a:ea typeface="ヒラギノ角ゴ Pro W3"/>
                 <a:hlinkClick r:id="rId3"/>
               </a:rPr>
               <a:t> License</a:t>
             </a:r>
-            <a:endParaRPr lang="en-CA"/>
+            <a:endParaRPr lang="en-CA" dirty="0">
+              <a:ea typeface="ヒラギノ角ゴ Pro W3"/>
+            </a:endParaRPr>
           </a:p>
           <a:p>
             <a:pPr lvl="1"/>
             <a:r>
-              <a:rPr lang="en-US"/>
+              <a:rPr lang="en-US" dirty="0">
+                <a:ea typeface="ヒラギノ角ゴ Pro W3"/>
+              </a:rPr>
               <a:t>(Do with it as you wish, so long as you give credit</a:t>
             </a:r>
           </a:p>
@@ -51131,7 +51434,7 @@
     </p:spTree>
     <p:extLst>
       <p:ext uri="{BB962C8B-B14F-4D97-AF65-F5344CB8AC3E}">
-        <p14:creationId xmlns:p14="http://schemas.microsoft.com/office/powerpoint/2010/main" val="655917162"/>
+        <p14:creationId xmlns:p14="http://schemas.microsoft.com/office/powerpoint/2010/main" val="3895607693"/>
       </p:ext>
     </p:extLst>
   </p:cSld>
@@ -51186,10 +51489,10 @@
           <a:lstStyle/>
           <a:p>
             <a:r>
-              <a:rPr lang="en-US"/>
-              <a:t>Testing definition-based extraction</a:t>
-            </a:r>
-            <a:endParaRPr lang="en-CA"/>
+              <a:rPr lang="en-US" dirty="0"/>
+              <a:t>Testing template-based extraction</a:t>
+            </a:r>
+            <a:endParaRPr lang="en-CA" dirty="0"/>
           </a:p>
         </p:txBody>
       </p:sp>
@@ -52646,7 +52949,7 @@
           <a:lstStyle/>
           <a:p>
             <a:r>
-              <a:rPr lang="en-US" sz="1800">
+              <a:rPr lang="en-US" sz="1800" dirty="0">
                 <a:ea typeface="ヒラギノ角ゴ Pro W3"/>
               </a:rPr>
               <a:t>Pros</a:t>
@@ -52655,7 +52958,7 @@
           <a:p>
             <a:pPr lvl="1"/>
             <a:r>
-              <a:rPr lang="en-US" sz="1600">
+              <a:rPr lang="en-US" sz="1600" dirty="0">
                 <a:ea typeface="ヒラギノ角ゴ Pro W3"/>
               </a:rPr>
               <a:t>Most capable of all mechanisms</a:t>
@@ -52667,7 +52970,7 @@
               <a:buChar char="§"/>
             </a:pPr>
             <a:r>
-              <a:rPr lang="en-US" sz="1400">
+              <a:rPr lang="en-US" sz="1400" dirty="0">
                 <a:ea typeface="ヒラギノ角ゴ Pro W3"/>
               </a:rPr>
               <a:t>Can invoke operations (such as code translation)</a:t>
@@ -52679,19 +52982,19 @@
               <a:buChar char="§"/>
             </a:pPr>
             <a:r>
-              <a:rPr lang="en-US" sz="1400">
+              <a:rPr lang="en-US" sz="1400" dirty="0">
                 <a:ea typeface="ヒラギノ角ゴ Pro W3"/>
               </a:rPr>
               <a:t>Can perform queries to retrieve data not present in answers (e.g. following </a:t>
             </a:r>
             <a:r>
-              <a:rPr lang="en-US" sz="1400" err="1">
+              <a:rPr lang="en-US" sz="1400" dirty="0" err="1">
                 <a:ea typeface="ヒラギノ角ゴ Pro W3"/>
               </a:rPr>
               <a:t>answer.valueReference</a:t>
             </a:r>
             <a:r>
-              <a:rPr lang="en-US" sz="1400">
+              <a:rPr lang="en-US" sz="1400" dirty="0">
                 <a:ea typeface="ヒラギノ角ゴ Pro W3"/>
               </a:rPr>
               <a:t>) </a:t>
@@ -52703,11 +53006,20 @@
               <a:buChar char="§"/>
             </a:pPr>
             <a:r>
-              <a:rPr lang="en-US" sz="1400">
+              <a:rPr lang="en-US" sz="1400" dirty="0">
                 <a:ea typeface="ヒラギノ角ゴ Pro W3"/>
               </a:rPr>
-              <a:t>Only approach that could conceivably create narrative</a:t>
-            </a:r>
+              <a:t>Only approach that could practically create </a:t>
+            </a:r>
+            <a:r>
+              <a:rPr lang="en-US" sz="1400" dirty="0" err="1">
+                <a:ea typeface="ヒラギノ角ゴ Pro W3"/>
+              </a:rPr>
+              <a:t>rativerative</a:t>
+            </a:r>
+            <a:endParaRPr lang="en-US" sz="1400" dirty="0">
+              <a:ea typeface="ヒラギノ角ゴ Pro W3"/>
+            </a:endParaRPr>
           </a:p>
           <a:p>
             <a:pPr lvl="2">
@@ -52715,7 +53027,7 @@
               <a:buChar char="§"/>
             </a:pPr>
             <a:r>
-              <a:rPr lang="en-US" sz="1400">
+              <a:rPr lang="en-US" sz="1400" dirty="0">
                 <a:ea typeface="ヒラギノ角ゴ Pro W3"/>
               </a:rPr>
               <a:t>Can include complex algorithms and transformations</a:t>
@@ -52727,7 +53039,7 @@
               <a:buChar char="§"/>
             </a:pPr>
             <a:r>
-              <a:rPr lang="en-US" sz="1400">
+              <a:rPr lang="en-US" sz="1400" dirty="0">
                 <a:ea typeface="ヒラギノ角ゴ Pro W3"/>
               </a:rPr>
               <a:t>Can use Libraries to support code re-use</a:t>
@@ -52739,7 +53051,7 @@
               <a:buChar char="§"/>
             </a:pPr>
             <a:r>
-              <a:rPr lang="en-US" sz="1400">
+              <a:rPr lang="en-US" sz="1400" dirty="0">
                 <a:ea typeface="ヒラギノ角ゴ Pro W3"/>
               </a:rPr>
               <a:t>Syntax agnostic and platform-agnostic</a:t>
@@ -52747,7 +53059,7 @@
           </a:p>
           <a:p>
             <a:r>
-              <a:rPr lang="en-CA" sz="1800">
+              <a:rPr lang="en-CA" sz="1800" dirty="0">
                 <a:ea typeface="ヒラギノ角ゴ Pro W3"/>
               </a:rPr>
               <a:t>Cons</a:t>
@@ -52756,7 +53068,7 @@
           <a:p>
             <a:pPr lvl="1"/>
             <a:r>
-              <a:rPr lang="en-CA" sz="1600">
+              <a:rPr lang="en-CA" sz="1600" dirty="0">
                 <a:ea typeface="ヒラギノ角ゴ Pro W3"/>
               </a:rPr>
               <a:t>Requires use of a language not many are familiar with</a:t>
@@ -52765,7 +53077,7 @@
           <a:p>
             <a:pPr lvl="1"/>
             <a:r>
-              <a:rPr lang="en-CA" sz="1600">
+              <a:rPr lang="en-CA" sz="1600" dirty="0">
                 <a:ea typeface="ヒラギノ角ゴ Pro W3"/>
               </a:rPr>
               <a:t>Not sure anyone’s actually done this…</a:t>
@@ -52918,7 +53230,7 @@
           <a:lstStyle/>
           <a:p>
             <a:r>
-              <a:rPr lang="en-CA"/>
+              <a:rPr lang="en-CA" dirty="0"/>
               <a:t>Don’t have one published</a:t>
             </a:r>
           </a:p>
@@ -52927,196 +53239,196 @@
               <a:buNone/>
             </a:pPr>
             <a:r>
-              <a:rPr lang="en-CA">
+              <a:rPr lang="en-CA" dirty="0">
                 <a:latin typeface="Courier New" panose="02070309020205020404" pitchFamily="49" charset="0"/>
                 <a:cs typeface="Courier New" panose="02070309020205020404" pitchFamily="49" charset="0"/>
               </a:rPr>
-              <a:t>define “</a:t>
-            </a:r>
-            <a:r>
-              <a:rPr lang="en-CA" err="1">
+              <a:t>define "</a:t>
+            </a:r>
+            <a:r>
+              <a:rPr lang="en-CA" dirty="0" err="1">
                 <a:latin typeface="Courier New" panose="02070309020205020404" pitchFamily="49" charset="0"/>
                 <a:cs typeface="Courier New" panose="02070309020205020404" pitchFamily="49" charset="0"/>
               </a:rPr>
               <a:t>PatName</a:t>
             </a:r>
             <a:r>
-              <a:rPr lang="en-CA">
+              <a:rPr lang="en-CA" dirty="0">
                 <a:latin typeface="Courier New" panose="02070309020205020404" pitchFamily="49" charset="0"/>
                 <a:cs typeface="Courier New" panose="02070309020205020404" pitchFamily="49" charset="0"/>
               </a:rPr>
-              <a:t>” : </a:t>
-            </a:r>
-            <a:r>
-              <a:rPr lang="en-CA" err="1">
+              <a:t>" : </a:t>
+            </a:r>
+            <a:r>
+              <a:rPr lang="en-CA" dirty="0" err="1">
                 <a:latin typeface="Courier New" panose="02070309020205020404" pitchFamily="49" charset="0"/>
                 <a:cs typeface="Courier New" panose="02070309020205020404" pitchFamily="49" charset="0"/>
               </a:rPr>
               <a:t>HumanName</a:t>
             </a:r>
             <a:r>
-              <a:rPr lang="en-CA">
+              <a:rPr lang="en-CA" dirty="0">
                 <a:latin typeface="Courier New" panose="02070309020205020404" pitchFamily="49" charset="0"/>
                 <a:cs typeface="Courier New" panose="02070309020205020404" pitchFamily="49" charset="0"/>
               </a:rPr>
               <a:t> { </a:t>
             </a:r>
             <a:br>
-              <a:rPr lang="en-CA">
+              <a:rPr lang="en-CA" dirty="0">
                 <a:latin typeface="Courier New" panose="02070309020205020404" pitchFamily="49" charset="0"/>
                 <a:cs typeface="Courier New" panose="02070309020205020404" pitchFamily="49" charset="0"/>
               </a:rPr>
             </a:br>
             <a:r>
-              <a:rPr lang="en-CA">
+              <a:rPr lang="en-CA" dirty="0">
                 <a:latin typeface="Courier New" panose="02070309020205020404" pitchFamily="49" charset="0"/>
                 <a:cs typeface="Courier New" panose="02070309020205020404" pitchFamily="49" charset="0"/>
               </a:rPr>
               <a:t>  family: </a:t>
             </a:r>
             <a:r>
-              <a:rPr lang="en-CA" err="1">
+              <a:rPr lang="en-CA" dirty="0" err="1">
                 <a:latin typeface="Courier New" panose="02070309020205020404" pitchFamily="49" charset="0"/>
                 <a:cs typeface="Courier New" panose="02070309020205020404" pitchFamily="49" charset="0"/>
               </a:rPr>
               <a:t>qr.item.where</a:t>
             </a:r>
             <a:r>
-              <a:rPr lang="en-CA">
+              <a:rPr lang="en-CA" dirty="0">
                 <a:latin typeface="Courier New" panose="02070309020205020404" pitchFamily="49" charset="0"/>
                 <a:cs typeface="Courier New" panose="02070309020205020404" pitchFamily="49" charset="0"/>
               </a:rPr>
               <a:t>(</a:t>
             </a:r>
             <a:r>
-              <a:rPr lang="en-CA" err="1">
+              <a:rPr lang="en-CA" dirty="0" err="1">
                 <a:latin typeface="Courier New" panose="02070309020205020404" pitchFamily="49" charset="0"/>
                 <a:cs typeface="Courier New" panose="02070309020205020404" pitchFamily="49" charset="0"/>
               </a:rPr>
               <a:t>linkId</a:t>
             </a:r>
             <a:r>
-              <a:rPr lang="en-CA">
+              <a:rPr lang="en-CA" dirty="0">
                 <a:latin typeface="Courier New" panose="02070309020205020404" pitchFamily="49" charset="0"/>
                 <a:cs typeface="Courier New" panose="02070309020205020404" pitchFamily="49" charset="0"/>
               </a:rPr>
-              <a:t>=‘5’).</a:t>
-            </a:r>
-            <a:r>
-              <a:rPr lang="en-CA" err="1">
+              <a:t>='5').</a:t>
+            </a:r>
+            <a:r>
+              <a:rPr lang="en-CA" dirty="0" err="1">
                 <a:latin typeface="Courier New" panose="02070309020205020404" pitchFamily="49" charset="0"/>
                 <a:cs typeface="Courier New" panose="02070309020205020404" pitchFamily="49" charset="0"/>
               </a:rPr>
               <a:t>answer.value</a:t>
             </a:r>
             <a:br>
-              <a:rPr lang="en-CA">
+              <a:rPr lang="en-CA" dirty="0">
                 <a:latin typeface="Courier New" panose="02070309020205020404" pitchFamily="49" charset="0"/>
                 <a:cs typeface="Courier New" panose="02070309020205020404" pitchFamily="49" charset="0"/>
               </a:rPr>
             </a:br>
             <a:r>
-              <a:rPr lang="en-CA">
+              <a:rPr lang="en-CA" dirty="0">
                 <a:latin typeface="Courier New" panose="02070309020205020404" pitchFamily="49" charset="0"/>
                 <a:cs typeface="Courier New" panose="02070309020205020404" pitchFamily="49" charset="0"/>
               </a:rPr>
               <a:t>  given: </a:t>
             </a:r>
             <a:r>
-              <a:rPr lang="en-CA" err="1">
+              <a:rPr lang="en-CA" dirty="0" err="1">
                 <a:latin typeface="Courier New" panose="02070309020205020404" pitchFamily="49" charset="0"/>
                 <a:cs typeface="Courier New" panose="02070309020205020404" pitchFamily="49" charset="0"/>
               </a:rPr>
               <a:t>qr.item.where</a:t>
             </a:r>
             <a:r>
-              <a:rPr lang="en-CA">
+              <a:rPr lang="en-CA" dirty="0">
                 <a:latin typeface="Courier New" panose="02070309020205020404" pitchFamily="49" charset="0"/>
                 <a:cs typeface="Courier New" panose="02070309020205020404" pitchFamily="49" charset="0"/>
               </a:rPr>
               <a:t>(</a:t>
             </a:r>
             <a:r>
-              <a:rPr lang="en-CA" err="1">
+              <a:rPr lang="en-CA" dirty="0" err="1">
                 <a:latin typeface="Courier New" panose="02070309020205020404" pitchFamily="49" charset="0"/>
                 <a:cs typeface="Courier New" panose="02070309020205020404" pitchFamily="49" charset="0"/>
               </a:rPr>
               <a:t>linkId</a:t>
             </a:r>
             <a:r>
-              <a:rPr lang="en-CA">
+              <a:rPr lang="en-CA" dirty="0">
                 <a:latin typeface="Courier New" panose="02070309020205020404" pitchFamily="49" charset="0"/>
                 <a:cs typeface="Courier New" panose="02070309020205020404" pitchFamily="49" charset="0"/>
               </a:rPr>
-              <a:t>=‘6’).</a:t>
-            </a:r>
-            <a:r>
-              <a:rPr lang="en-CA" err="1">
+              <a:t>='6').</a:t>
+            </a:r>
+            <a:r>
+              <a:rPr lang="en-CA" dirty="0" err="1">
                 <a:latin typeface="Courier New" panose="02070309020205020404" pitchFamily="49" charset="0"/>
                 <a:cs typeface="Courier New" panose="02070309020205020404" pitchFamily="49" charset="0"/>
               </a:rPr>
               <a:t>answer.value</a:t>
             </a:r>
             <a:br>
-              <a:rPr lang="en-CA">
+              <a:rPr lang="en-CA" dirty="0">
                 <a:latin typeface="Courier New" panose="02070309020205020404" pitchFamily="49" charset="0"/>
                 <a:cs typeface="Courier New" panose="02070309020205020404" pitchFamily="49" charset="0"/>
               </a:rPr>
             </a:br>
             <a:r>
-              <a:rPr lang="en-CA">
+              <a:rPr lang="en-CA" dirty="0">
                 <a:latin typeface="Courier New" panose="02070309020205020404" pitchFamily="49" charset="0"/>
                 <a:cs typeface="Courier New" panose="02070309020205020404" pitchFamily="49" charset="0"/>
               </a:rPr>
               <a:t>}</a:t>
             </a:r>
             <a:br>
-              <a:rPr lang="en-CA">
+              <a:rPr lang="en-CA" dirty="0">
                 <a:latin typeface="Courier New" panose="02070309020205020404" pitchFamily="49" charset="0"/>
                 <a:cs typeface="Courier New" panose="02070309020205020404" pitchFamily="49" charset="0"/>
               </a:rPr>
             </a:br>
             <a:r>
-              <a:rPr lang="en-CA">
+              <a:rPr lang="en-CA" dirty="0">
                 <a:latin typeface="Courier New" panose="02070309020205020404" pitchFamily="49" charset="0"/>
                 <a:cs typeface="Courier New" panose="02070309020205020404" pitchFamily="49" charset="0"/>
               </a:rPr>
-              <a:t>define “Extract” : Patient {</a:t>
+              <a:t>define "Extract" : Patient {</a:t>
             </a:r>
             <a:br>
-              <a:rPr lang="en-CA">
+              <a:rPr lang="en-CA" dirty="0">
                 <a:latin typeface="Courier New" panose="02070309020205020404" pitchFamily="49" charset="0"/>
                 <a:cs typeface="Courier New" panose="02070309020205020404" pitchFamily="49" charset="0"/>
               </a:rPr>
             </a:br>
             <a:r>
-              <a:rPr lang="en-CA">
+              <a:rPr lang="en-CA" dirty="0">
                 <a:latin typeface="Courier New" panose="02070309020205020404" pitchFamily="49" charset="0"/>
                 <a:cs typeface="Courier New" panose="02070309020205020404" pitchFamily="49" charset="0"/>
               </a:rPr>
               <a:t>  name: </a:t>
             </a:r>
             <a:r>
-              <a:rPr lang="en-CA" err="1">
+              <a:rPr lang="en-CA" dirty="0" err="1">
                 <a:latin typeface="Courier New" panose="02070309020205020404" pitchFamily="49" charset="0"/>
                 <a:cs typeface="Courier New" panose="02070309020205020404" pitchFamily="49" charset="0"/>
               </a:rPr>
               <a:t>PatName</a:t>
             </a:r>
             <a:br>
-              <a:rPr lang="en-CA">
+              <a:rPr lang="en-CA" dirty="0">
                 <a:latin typeface="Courier New" panose="02070309020205020404" pitchFamily="49" charset="0"/>
                 <a:cs typeface="Courier New" panose="02070309020205020404" pitchFamily="49" charset="0"/>
               </a:rPr>
             </a:br>
             <a:r>
-              <a:rPr lang="en-CA">
+              <a:rPr lang="en-CA" dirty="0">
                 <a:latin typeface="Courier New" panose="02070309020205020404" pitchFamily="49" charset="0"/>
                 <a:cs typeface="Courier New" panose="02070309020205020404" pitchFamily="49" charset="0"/>
               </a:rPr>
               <a:t>}</a:t>
             </a:r>
-            <a:endParaRPr lang="en-CA"/>
+            <a:endParaRPr lang="en-CA" dirty="0"/>
           </a:p>
         </p:txBody>
       </p:sp>
@@ -53696,7 +54008,7 @@
   </p:clrMapOvr>
   <p:extLst>
     <p:ext uri="{6950BFC3-D8DA-4A85-94F7-54DA5524770B}">
-      <p188:commentRel xmlns:p188="http://schemas.microsoft.com/office/powerpoint/2018/8/main" r:id="rId2"/>
+      <p188:commentRel xmlns:p188="http://schemas.microsoft.com/office/powerpoint/2018/8/main" r:id="rId3"/>
     </p:ext>
   </p:extLst>
 </p:sld>
@@ -53772,38 +54084,44 @@
               <a:buNone/>
             </a:pPr>
             <a:r>
-              <a:rPr lang="en-CA" sz="2000">
+              <a:rPr lang="en-CA" sz="2000" dirty="0">
                 <a:hlinkClick r:id="rId2"/>
               </a:rPr>
               <a:t>lloyd@dogwoodhealthconsulting.com</a:t>
             </a:r>
             <a:r>
-              <a:rPr lang="en-CA" sz="2000"/>
+              <a:rPr lang="en-CA" sz="2000" dirty="0"/>
               <a:t>		</a:t>
             </a:r>
             <a:r>
-              <a:rPr lang="en-CA" sz="2000">
+              <a:rPr lang="en-CA" sz="2000" dirty="0">
                 <a:hlinkClick r:id="rId3"/>
               </a:rPr>
               <a:t>http://hl7.org/fhir/uv/sdc</a:t>
             </a:r>
-            <a:endParaRPr lang="en-CA" sz="2000"/>
+            <a:endParaRPr lang="en-CA" sz="2000" dirty="0"/>
           </a:p>
           <a:p>
-            <a:endParaRPr lang="en-CA"/>
+            <a:pPr marL="0" indent="0">
+              <a:buNone/>
+            </a:pPr>
+            <a:endParaRPr lang="en-CA" sz="2000" dirty="0"/>
           </a:p>
           <a:p>
-            <a:r>
-              <a:rPr lang="en-CA"/>
+            <a:pPr marL="0" indent="0">
+              <a:buNone/>
+            </a:pPr>
+            <a:r>
+              <a:rPr lang="en-CA" dirty="0"/>
               <a:t>Or, better yet, include the community and ask/discuss on </a:t>
             </a:r>
             <a:r>
-              <a:rPr lang="en-CA">
+              <a:rPr lang="en-CA" dirty="0">
                 <a:hlinkClick r:id="rId4"/>
               </a:rPr>
-              <a:t>http://chat.fhir.org</a:t>
-            </a:r>
-            <a:endParaRPr lang="en-CA"/>
+              <a:t>https://chat.fhir.org/#narrow/channel/179255-questionnaire</a:t>
+            </a:r>
+            <a:endParaRPr lang="en-CA" dirty="0"/>
           </a:p>
         </p:txBody>
       </p:sp>
@@ -53821,7 +54139,7 @@
         </p:nvGrpSpPr>
         <p:grpSpPr>
           <a:xfrm>
-            <a:off x="2646128" y="2565307"/>
+            <a:off x="2646128" y="2850117"/>
             <a:ext cx="2572111" cy="2152533"/>
             <a:chOff x="2646128" y="2565307"/>
             <a:chExt cx="2572111" cy="2152533"/>
@@ -55569,21 +55887,12 @@
 </file>
 
 <file path=customXml/item1.xml><?xml version="1.0" encoding="utf-8"?>
-<?mso-contentType ?>
-<FormTemplates xmlns="http://schemas.microsoft.com/sharepoint/v3/contenttype/forms">
-  <Display>DocumentLibraryForm</Display>
-  <Edit>DocumentLibraryForm</Edit>
-  <New>DocumentLibraryForm</New>
-</FormTemplates>
-</file>
-
-<file path=customXml/item2.xml><?xml version="1.0" encoding="utf-8"?>
 <p:properties xmlns:p="http://schemas.microsoft.com/office/2006/metadata/properties" xmlns:xsi="http://www.w3.org/2001/XMLSchema-instance" xmlns:pc="http://schemas.microsoft.com/office/infopath/2007/PartnerControls">
   <documentManagement/>
 </p:properties>
 </file>
 
-<file path=customXml/item3.xml><?xml version="1.0" encoding="utf-8"?>
+<file path=customXml/item2.xml><?xml version="1.0" encoding="utf-8"?>
 <ct:contentTypeSchema xmlns:ct="http://schemas.microsoft.com/office/2006/metadata/contentType" xmlns:ma="http://schemas.microsoft.com/office/2006/metadata/properties/metaAttributes" ct:_="" ma:_="" ma:contentTypeName="Document" ma:contentTypeID="0x01010046B6A228CEBB844FBC6B8633F16E3300" ma:contentTypeVersion="4" ma:contentTypeDescription="Create a new document." ma:contentTypeScope="" ma:versionID="5b56d2be9ea1ecaf21ca08678214dcd0">
   <xsd:schema xmlns:xsd="http://www.w3.org/2001/XMLSchema" xmlns:xs="http://www.w3.org/2001/XMLSchema" xmlns:p="http://schemas.microsoft.com/office/2006/metadata/properties" xmlns:ns2="2371556d-c2f8-4c27-a7c5-4c2acf225d27" targetNamespace="http://schemas.microsoft.com/office/2006/metadata/properties" ma:root="true" ma:fieldsID="e32f1ed78c00c18b31e32be9b8f4ba9c" ns2:_="">
     <xsd:import namespace="2371556d-c2f8-4c27-a7c5-4c2acf225d27"/>
@@ -55727,15 +56036,16 @@
 </ct:contentTypeSchema>
 </file>
 
-<file path=customXml/itemProps1.xml><?xml version="1.0" encoding="utf-8"?>
-<ds:datastoreItem xmlns:ds="http://schemas.openxmlformats.org/officeDocument/2006/customXml" ds:itemID="{EA753085-CB5A-49D6-810E-850CA654C908}">
-  <ds:schemaRefs>
-    <ds:schemaRef ds:uri="http://schemas.microsoft.com/sharepoint/v3/contenttype/forms"/>
-  </ds:schemaRefs>
-</ds:datastoreItem>
+<file path=customXml/item3.xml><?xml version="1.0" encoding="utf-8"?>
+<?mso-contentType ?>
+<FormTemplates xmlns="http://schemas.microsoft.com/sharepoint/v3/contenttype/forms">
+  <Display>DocumentLibraryForm</Display>
+  <Edit>DocumentLibraryForm</Edit>
+  <New>DocumentLibraryForm</New>
+</FormTemplates>
 </file>
 
-<file path=customXml/itemProps2.xml><?xml version="1.0" encoding="utf-8"?>
+<file path=customXml/itemProps1.xml><?xml version="1.0" encoding="utf-8"?>
 <ds:datastoreItem xmlns:ds="http://schemas.openxmlformats.org/officeDocument/2006/customXml" ds:itemID="{8F9FBB84-BBDA-44F5-A5EC-8E8F50B31FAA}">
   <ds:schemaRefs>
     <ds:schemaRef ds:uri="2371556d-c2f8-4c27-a7c5-4c2acf225d27"/>
@@ -55751,7 +56061,7 @@
 </ds:datastoreItem>
 </file>
 
-<file path=customXml/itemProps3.xml><?xml version="1.0" encoding="utf-8"?>
+<file path=customXml/itemProps2.xml><?xml version="1.0" encoding="utf-8"?>
 <ds:datastoreItem xmlns:ds="http://schemas.openxmlformats.org/officeDocument/2006/customXml" ds:itemID="{BFB2428D-DCB8-4150-B29C-8D0C38FC6C6A}">
   <ds:schemaRefs>
     <ds:schemaRef ds:uri="2371556d-c2f8-4c27-a7c5-4c2acf225d27"/>
@@ -55767,4 +56077,12 @@
     <ds:schemaRef ds:uri="http://www.w3.org/2001/XMLSchema"/>
   </ds:schemaRefs>
 </ds:datastoreItem>
+</file>
+
+<file path=customXml/itemProps3.xml><?xml version="1.0" encoding="utf-8"?>
+<ds:datastoreItem xmlns:ds="http://schemas.openxmlformats.org/officeDocument/2006/customXml" ds:itemID="{EA753085-CB5A-49D6-810E-850CA654C908}">
+  <ds:schemaRefs>
+    <ds:schemaRef ds:uri="http://schemas.microsoft.com/sharepoint/v3/contenttype/forms"/>
+  </ds:schemaRefs>
+</ds:datastoreItem>
 </file>
--- a/presentations/sdc/6-SDC-Extraction.pptx
+++ b/presentations/sdc/6-SDC-Extraction.pptx
@@ -61,7 +61,7 @@
     <p:sldId id="4876" r:id="rId52"/>
     <p:sldId id="4885" r:id="rId53"/>
     <p:sldId id="4802" r:id="rId54"/>
-    <p:sldId id="759" r:id="rId55"/>
+    <p:sldId id="4916" r:id="rId55"/>
   </p:sldIdLst>
   <p:sldSz cx="9144000" cy="5143500" type="screen16x9"/>
   <p:notesSz cx="6858000" cy="9144000"/>
@@ -277,7 +277,7 @@
           <p14:sldIdLst>
             <p14:sldId id="4885"/>
             <p14:sldId id="4802"/>
-            <p14:sldId id="759"/>
+            <p14:sldId id="4916"/>
           </p14:sldIdLst>
         </p14:section>
       </p14:sectionLst>
@@ -298,17 +298,91 @@
 </p188:authorLst>
 </file>
 
+<file path=ppt/commentAuthors.xml><?xml version="1.0" encoding="utf-8"?>
+<p:cmAuthorLst xmlns:a="http://schemas.openxmlformats.org/drawingml/2006/main" xmlns:r="http://schemas.openxmlformats.org/officeDocument/2006/relationships" xmlns:p="http://schemas.openxmlformats.org/presentationml/2006/main">
+  <p:cmAuthor id="1" name="Lloyd McKenzie" initials="" lastIdx="0" clrIdx="0"/>
+</p:cmAuthorLst>
+</file>
+
 <file path=ppt/revisionInfo.xml><?xml version="1.0" encoding="utf-8"?>
 <p1510:revInfo xmlns:a="http://schemas.openxmlformats.org/drawingml/2006/main" xmlns:r="http://schemas.openxmlformats.org/officeDocument/2006/relationships" xmlns:p1510="http://schemas.microsoft.com/office/powerpoint/2015/10/main">
   <p1510:revLst>
-    <p1510:client id="{0D3ABECA-ED5B-A3FB-8B4D-8D02B9D36472}" v="66" dt="2025-02-07T18:23:26.019"/>
-    <p1510:client id="{CE6A554C-692A-8308-C30C-1C5079D36165}" v="1" dt="2025-02-07T16:44:50.589"/>
+    <p1510:client id="{55B302B8-D75C-D26B-F729-10B093AF2A3B}" v="16" dt="2025-02-26T20:31:19.311"/>
   </p1510:revLst>
 </p1510:revInfo>
 </file>
 
 <file path=ppt/changesInfos/changesInfo1.xml><?xml version="1.0" encoding="utf-8"?>
 <pc:chgInfo xmlns:a="http://schemas.openxmlformats.org/drawingml/2006/main" xmlns:r="http://schemas.openxmlformats.org/officeDocument/2006/relationships" xmlns:ac="http://schemas.microsoft.com/office/drawing/2013/main/command" xmlns:pc="http://schemas.microsoft.com/office/powerpoint/2013/main/command">
+  <pc:docChgLst>
+    <pc:chgData name="Smith, Travon" userId="S::travon.smith@ontariohealth.ca::7b3aeafc-2903-42e7-a83c-385da38dde87" providerId="AD" clId="Web-{55B302B8-D75C-D26B-F729-10B093AF2A3B}"/>
+    <pc:docChg chg="modSld">
+      <pc:chgData name="Smith, Travon" userId="S::travon.smith@ontariohealth.ca::7b3aeafc-2903-42e7-a83c-385da38dde87" providerId="AD" clId="Web-{55B302B8-D75C-D26B-F729-10B093AF2A3B}" dt="2025-02-26T20:31:19.061" v="11" actId="20577"/>
+      <pc:docMkLst>
+        <pc:docMk/>
+      </pc:docMkLst>
+      <pc:sldChg chg="modSp">
+        <pc:chgData name="Smith, Travon" userId="S::travon.smith@ontariohealth.ca::7b3aeafc-2903-42e7-a83c-385da38dde87" providerId="AD" clId="Web-{55B302B8-D75C-D26B-F729-10B093AF2A3B}" dt="2025-02-26T20:29:59.719" v="5" actId="20577"/>
+        <pc:sldMkLst>
+          <pc:docMk/>
+          <pc:sldMk cId="936024424" sldId="309"/>
+        </pc:sldMkLst>
+        <pc:spChg chg="mod">
+          <ac:chgData name="Smith, Travon" userId="S::travon.smith@ontariohealth.ca::7b3aeafc-2903-42e7-a83c-385da38dde87" providerId="AD" clId="Web-{55B302B8-D75C-D26B-F729-10B093AF2A3B}" dt="2025-02-26T20:29:59.719" v="5" actId="20577"/>
+          <ac:spMkLst>
+            <pc:docMk/>
+            <pc:sldMk cId="936024424" sldId="309"/>
+            <ac:spMk id="3" creationId="{C1BD71FC-8C6C-4E9B-9EB6-73FEE77D9E4A}"/>
+          </ac:spMkLst>
+        </pc:spChg>
+      </pc:sldChg>
+      <pc:sldChg chg="modSp">
+        <pc:chgData name="Smith, Travon" userId="S::travon.smith@ontariohealth.ca::7b3aeafc-2903-42e7-a83c-385da38dde87" providerId="AD" clId="Web-{55B302B8-D75C-D26B-F729-10B093AF2A3B}" dt="2025-02-26T20:29:37.484" v="1" actId="20577"/>
+        <pc:sldMkLst>
+          <pc:docMk/>
+          <pc:sldMk cId="655917162" sldId="665"/>
+        </pc:sldMkLst>
+        <pc:spChg chg="mod">
+          <ac:chgData name="Smith, Travon" userId="S::travon.smith@ontariohealth.ca::7b3aeafc-2903-42e7-a83c-385da38dde87" providerId="AD" clId="Web-{55B302B8-D75C-D26B-F729-10B093AF2A3B}" dt="2025-02-26T20:29:37.484" v="1" actId="20577"/>
+          <ac:spMkLst>
+            <pc:docMk/>
+            <pc:sldMk cId="655917162" sldId="665"/>
+            <ac:spMk id="4" creationId="{00000000-0000-0000-0000-000000000000}"/>
+          </ac:spMkLst>
+        </pc:spChg>
+      </pc:sldChg>
+      <pc:sldChg chg="modSp">
+        <pc:chgData name="Smith, Travon" userId="S::travon.smith@ontariohealth.ca::7b3aeafc-2903-42e7-a83c-385da38dde87" providerId="AD" clId="Web-{55B302B8-D75C-D26B-F729-10B093AF2A3B}" dt="2025-02-26T20:31:12.718" v="8" actId="20577"/>
+        <pc:sldMkLst>
+          <pc:docMk/>
+          <pc:sldMk cId="519757321" sldId="4902"/>
+        </pc:sldMkLst>
+        <pc:spChg chg="mod">
+          <ac:chgData name="Smith, Travon" userId="S::travon.smith@ontariohealth.ca::7b3aeafc-2903-42e7-a83c-385da38dde87" providerId="AD" clId="Web-{55B302B8-D75C-D26B-F729-10B093AF2A3B}" dt="2025-02-26T20:31:12.718" v="8" actId="20577"/>
+          <ac:spMkLst>
+            <pc:docMk/>
+            <pc:sldMk cId="519757321" sldId="4902"/>
+            <ac:spMk id="3" creationId="{A757ED67-E7B3-19C8-9D12-E05CEC5CAD93}"/>
+          </ac:spMkLst>
+        </pc:spChg>
+      </pc:sldChg>
+      <pc:sldChg chg="modSp">
+        <pc:chgData name="Smith, Travon" userId="S::travon.smith@ontariohealth.ca::7b3aeafc-2903-42e7-a83c-385da38dde87" providerId="AD" clId="Web-{55B302B8-D75C-D26B-F729-10B093AF2A3B}" dt="2025-02-26T20:31:19.061" v="11" actId="20577"/>
+        <pc:sldMkLst>
+          <pc:docMk/>
+          <pc:sldMk cId="1395027978" sldId="4903"/>
+        </pc:sldMkLst>
+        <pc:spChg chg="mod">
+          <ac:chgData name="Smith, Travon" userId="S::travon.smith@ontariohealth.ca::7b3aeafc-2903-42e7-a83c-385da38dde87" providerId="AD" clId="Web-{55B302B8-D75C-D26B-F729-10B093AF2A3B}" dt="2025-02-26T20:31:19.061" v="11" actId="20577"/>
+          <ac:spMkLst>
+            <pc:docMk/>
+            <pc:sldMk cId="1395027978" sldId="4903"/>
+            <ac:spMk id="3" creationId="{B295A2F2-0B80-0885-F9C5-E546521184D4}"/>
+          </ac:spMkLst>
+        </pc:spChg>
+      </pc:sldChg>
+    </pc:docChg>
+  </pc:docChgLst>
   <pc:docChgLst>
     <pc:chgData name="McKenzie, Lloyd" userId="S::lloyd.mckenzie@ontariohealth.ca::4544ac19-90a7-4bc9-9dda-63119ceabc25" providerId="AD" clId="Web-{0D3ABECA-ED5B-A3FB-8B4D-8D02B9D36472}"/>
     <pc:docChg chg="mod addSld modSld modMainMaster modSection">
@@ -907,21 +981,6 @@
         <pc:chgData name="McKenzie, Lloyd" userId="S::lloyd.mckenzie@ontariohealth.ca::4544ac19-90a7-4bc9-9dda-63119ceabc25" providerId="AD" clId="Web-{0D3ABECA-ED5B-A3FB-8B4D-8D02B9D36472}" dt="2025-02-07T16:53:37.249" v="42"/>
         <pc:sldMkLst>
           <pc:docMk/>
-          <pc:sldMk cId="1463855339" sldId="4896"/>
-        </pc:sldMkLst>
-        <pc:spChg chg="mod">
-          <ac:chgData name="McKenzie, Lloyd" userId="S::lloyd.mckenzie@ontariohealth.ca::4544ac19-90a7-4bc9-9dda-63119ceabc25" providerId="AD" clId="Web-{0D3ABECA-ED5B-A3FB-8B4D-8D02B9D36472}" dt="2025-02-07T16:53:37.249" v="42"/>
-          <ac:spMkLst>
-            <pc:docMk/>
-            <pc:sldMk cId="1463855339" sldId="4896"/>
-            <ac:spMk id="4" creationId="{E3BDC710-1DD9-BB4C-AAAC-2FFEB58892BF}"/>
-          </ac:spMkLst>
-        </pc:spChg>
-      </pc:sldChg>
-      <pc:sldChg chg="modSp">
-        <pc:chgData name="McKenzie, Lloyd" userId="S::lloyd.mckenzie@ontariohealth.ca::4544ac19-90a7-4bc9-9dda-63119ceabc25" providerId="AD" clId="Web-{0D3ABECA-ED5B-A3FB-8B4D-8D02B9D36472}" dt="2025-02-07T16:53:37.249" v="42"/>
-        <pc:sldMkLst>
-          <pc:docMk/>
           <pc:sldMk cId="1294295329" sldId="4897"/>
         </pc:sldMkLst>
         <pc:spChg chg="mod">
@@ -1050,6 +1109,21 @@
             <pc:docMk/>
             <pc:sldMk cId="2030768388" sldId="4905"/>
             <ac:spMk id="2" creationId="{E265F639-6FEA-A56A-8782-FB04C81D81D5}"/>
+          </ac:spMkLst>
+        </pc:spChg>
+      </pc:sldChg>
+      <pc:sldChg chg="modSp">
+        <pc:chgData name="McKenzie, Lloyd" userId="S::lloyd.mckenzie@ontariohealth.ca::4544ac19-90a7-4bc9-9dda-63119ceabc25" providerId="AD" clId="Web-{0D3ABECA-ED5B-A3FB-8B4D-8D02B9D36472}" dt="2025-02-07T16:53:37.249" v="42"/>
+        <pc:sldMkLst>
+          <pc:docMk/>
+          <pc:sldMk cId="1463855339" sldId="4918"/>
+        </pc:sldMkLst>
+        <pc:spChg chg="mod">
+          <ac:chgData name="McKenzie, Lloyd" userId="S::lloyd.mckenzie@ontariohealth.ca::4544ac19-90a7-4bc9-9dda-63119ceabc25" providerId="AD" clId="Web-{0D3ABECA-ED5B-A3FB-8B4D-8D02B9D36472}" dt="2025-02-07T16:53:37.249" v="42"/>
+          <ac:spMkLst>
+            <pc:docMk/>
+            <pc:sldMk cId="1463855339" sldId="4918"/>
+            <ac:spMk id="4" creationId="{E3BDC710-1DD9-BB4C-AAAC-2FFEB58892BF}"/>
           </ac:spMkLst>
         </pc:spChg>
       </pc:sldChg>
@@ -1305,111 +1379,6 @@
     </pc:docChg>
   </pc:docChgLst>
 </pc:chgInfo>
-</file>
-
-<file path=ppt/comments/modernComment_12C2_A7372370.xml><?xml version="1.0" encoding="utf-8"?>
-<p188:cmLst xmlns:a="http://schemas.openxmlformats.org/drawingml/2006/main" xmlns:r="http://schemas.openxmlformats.org/officeDocument/2006/relationships" xmlns:p188="http://schemas.microsoft.com/office/powerpoint/2018/8/main">
-  <p188:cm id="{8DB76287-ACA4-4D3E-8FD6-4CC7C9B9C55E}" authorId="{E7F7EB04-2042-28C4-7D23-DF347712863D}" created="2025-02-03T18:52:39.263">
-    <pc:sldMkLst xmlns:pc="http://schemas.microsoft.com/office/powerpoint/2013/main/command">
-      <pc:docMk/>
-      <pc:sldMk cId="2805408624" sldId="4802"/>
-    </pc:sldMkLst>
-    <p188:replyLst>
-      <p188:reply id="{458516E1-DF08-4B27-BAA0-675B1CBFA3CC}" authorId="{A35F686D-0653-5C3C-ECC2-1EA5E9BC1567}" created="2025-02-07T16:34:58.658">
-        <p188:txBody>
-          <a:bodyPr/>
-          <a:lstStyle/>
-          <a:p>
-            <a:r>
-              <a:rPr lang="en-US"/>
-              <a:t>Won't be able to do that, but will point to an example available in Github.  (The instance will be far too large to show on a single slide.)</a:t>
-            </a:r>
-          </a:p>
-        </p188:txBody>
-        <p188:extLst>
-          <p:ext xmlns:p="http://schemas.openxmlformats.org/presentationml/2006/main" uri="{57CB4572-C831-44C2-8A1C-0ADB6CCDFE69}">
-            <p223:reactions xmlns:p223="http://schemas.microsoft.com/office/powerpoint/2022/03/main">
-              <p223:rxn type="👍">
-                <p223:instance time="2025-02-07T16:44:50.589" authorId="{E7F7EB04-2042-28C4-7D23-DF347712863D}"/>
-              </p223:rxn>
-            </p223:reactions>
-          </p:ext>
-        </p188:extLst>
-      </p188:reply>
-    </p188:replyLst>
-    <p188:txBody>
-      <a:bodyPr/>
-      <a:lstStyle/>
-      <a:p>
-        <a:r>
-          <a:rPr lang="en-CA"/>
-          <a:t>Please provide the answer in the next slide.</a:t>
-        </a:r>
-      </a:p>
-    </p188:txBody>
-  </p188:cm>
-</p188:cmLst>
-</file>
-
-<file path=ppt/comments/modernComment_130A_83162112.xml><?xml version="1.0" encoding="utf-8"?>
-<p188:cmLst xmlns:a="http://schemas.openxmlformats.org/drawingml/2006/main" xmlns:r="http://schemas.openxmlformats.org/officeDocument/2006/relationships" xmlns:p188="http://schemas.microsoft.com/office/powerpoint/2018/8/main">
-  <p188:cm id="{5FE274FE-CECF-44EC-9B30-B30A98404367}" authorId="{E7F7EB04-2042-28C4-7D23-DF347712863D}" status="resolved" created="2025-02-03T18:50:34.566" complete="100000">
-    <pc:sldMkLst xmlns:pc="http://schemas.microsoft.com/office/powerpoint/2013/main/command">
-      <pc:docMk/>
-      <pc:sldMk cId="2199265554" sldId="4874"/>
-    </pc:sldMkLst>
-    <p188:txBody>
-      <a:bodyPr/>
-      <a:lstStyle/>
-      <a:p>
-        <a:r>
-          <a:rPr lang="en-CA"/>
-          <a:t>Use a consistent format for Pros &amp; Cons, see prior reference on slide 42</a:t>
-        </a:r>
-      </a:p>
-    </p188:txBody>
-  </p188:cm>
-</p188:cmLst>
-</file>
-
-<file path=ppt/comments/modernComment_130C_D343A65E.xml><?xml version="1.0" encoding="utf-8"?>
-<p188:cmLst xmlns:a="http://schemas.openxmlformats.org/drawingml/2006/main" xmlns:r="http://schemas.openxmlformats.org/officeDocument/2006/relationships" xmlns:p188="http://schemas.microsoft.com/office/powerpoint/2018/8/main">
-  <p188:cm id="{0BF65560-4769-4733-A16D-062DE37BA762}" authorId="{E7F7EB04-2042-28C4-7D23-DF347712863D}" status="resolved" created="2025-02-03T18:51:21.762" complete="100000">
-    <ac:txMkLst xmlns:ac="http://schemas.microsoft.com/office/drawing/2013/main/command">
-      <pc:docMk xmlns:pc="http://schemas.microsoft.com/office/powerpoint/2013/main/command"/>
-      <pc:sldMk xmlns:pc="http://schemas.microsoft.com/office/powerpoint/2013/main/command" cId="3544426078" sldId="4876"/>
-      <ac:spMk id="3" creationId="{95669DCC-0344-8D7D-F3AE-4A95B3E5DB4A}"/>
-      <ac:txMk cp="0" len="24">
-        <ac:context len="203" hash="1516119695"/>
-      </ac:txMk>
-    </ac:txMkLst>
-    <p188:pos x="3740281" y="179182"/>
-    <p188:replyLst>
-      <p188:reply id="{56CBA6E0-4117-4356-9CFD-0C06D4C897BB}" authorId="{A35F686D-0653-5C3C-ECC2-1EA5E9BC1567}" created="2025-02-07T16:33:45.640">
-        <p188:txBody>
-          <a:bodyPr/>
-          <a:lstStyle/>
-          <a:p>
-            <a:r>
-              <a:rPr lang="en-US"/>
-              <a:t>There's no CQL example in the SDC guide I can point to, so had to write one here</a:t>
-            </a:r>
-          </a:p>
-        </p188:txBody>
-      </p188:reply>
-    </p188:replyLst>
-    <p188:txBody>
-      <a:bodyPr/>
-      <a:lstStyle/>
-      <a:p>
-        <a:r>
-          <a:rPr lang="en-CA"/>
-          <a:t>What is this mean?</a:t>
-        </a:r>
-      </a:p>
-    </p188:txBody>
-  </p188:cm>
-</p188:cmLst>
 </file>
 
 <file path=ppt/comments/modernComment_1317_B6D462A6.xml><?xml version="1.0" encoding="utf-8"?>
@@ -30805,7 +30774,7 @@
             <a:fld id="{1BCE7D1B-E2D6-42EC-A46F-6B8D8AB722EA}" type="datetime1">
               <a:rPr lang="en-US" altLang="en-US"/>
               <a:pPr/>
-              <a:t>2/24/2025</a:t>
+              <a:t>3/1/2025</a:t>
             </a:fld>
             <a:endParaRPr lang="en-US" altLang="en-US"/>
           </a:p>
@@ -31036,7 +31005,7 @@
             <a:fld id="{60D4D74E-7671-46E5-9A5B-14F31A4C0D2E}" type="datetime1">
               <a:rPr lang="en-US" altLang="en-US"/>
               <a:pPr/>
-              <a:t>2/24/2025</a:t>
+              <a:t>3/1/2025</a:t>
             </a:fld>
             <a:endParaRPr lang="en-US" altLang="en-US"/>
           </a:p>
@@ -31512,15 +31481,11 @@
           <a:p>
             <a:r>
               <a:rPr lang="en-US" dirty="0"/>
-              <a:t>You might want to use Brian’s tool to author for help with </a:t>
-            </a:r>
-            <a:r>
-              <a:rPr lang="en-US" dirty="0" err="1"/>
-              <a:t>FHIRPath</a:t>
+              <a:t>You</a:t>
             </a:r>
             <a:r>
               <a:rPr lang="en-US"/>
-              <a:t> debugging</a:t>
+              <a:t> might want to use Brian’s tool to author for help with FHIRPath debugging</a:t>
             </a:r>
             <a:endParaRPr lang="en-CA"/>
           </a:p>
@@ -31553,7 +31518,7 @@
     </p:spTree>
     <p:extLst>
       <p:ext uri="{BB962C8B-B14F-4D97-AF65-F5344CB8AC3E}">
-        <p14:creationId xmlns:p14="http://schemas.microsoft.com/office/powerpoint/2010/main" val="1466153250"/>
+        <p14:creationId xmlns:p14="http://schemas.microsoft.com/office/powerpoint/2010/main" val="426765339"/>
       </p:ext>
     </p:extLst>
   </p:cSld>
@@ -32129,9 +32094,13 @@
           <a:p>
             <a:r>
               <a:rPr lang="en-US" dirty="0"/>
-              <a:t>Template can’t make certain elements dynamic – specifically Element.id, Extension.url</a:t>
-            </a:r>
-            <a:endParaRPr lang="en-CA" dirty="0"/>
+              <a:t>Template</a:t>
+            </a:r>
+            <a:r>
+              <a:rPr lang="en-US"/>
+              <a:t> can’t make certain elements dynamic – specifically Element.id, Extension.url</a:t>
+            </a:r>
+            <a:endParaRPr lang="en-CA"/>
           </a:p>
         </p:txBody>
       </p:sp>
@@ -32162,7 +32131,7 @@
     </p:spTree>
     <p:extLst>
       <p:ext uri="{BB962C8B-B14F-4D97-AF65-F5344CB8AC3E}">
-        <p14:creationId xmlns:p14="http://schemas.microsoft.com/office/powerpoint/2010/main" val="2645653531"/>
+        <p14:creationId xmlns:p14="http://schemas.microsoft.com/office/powerpoint/2010/main" val="232562910"/>
       </p:ext>
     </p:extLst>
   </p:cSld>
@@ -36305,7 +36274,7 @@
           <a:p>
             <a:fld id="{D83995C2-806B-4997-8C0A-E780F2B14CC7}" type="datetimeFigureOut">
               <a:rPr lang="en-US" smtClean="0"/>
-              <a:t>2/24/2025</a:t>
+              <a:t>3/1/2025</a:t>
             </a:fld>
             <a:endParaRPr lang="en-US"/>
           </a:p>
@@ -42784,42 +42753,42 @@
           <a:lstStyle/>
           <a:p>
             <a:r>
-              <a:rPr lang="en-AU" sz="2800"/>
+              <a:rPr lang="en-AU" sz="2800" dirty="0"/>
               <a:t>Requires:</a:t>
             </a:r>
           </a:p>
           <a:p>
             <a:pPr lvl="1"/>
             <a:r>
-              <a:rPr lang="en-AU" sz="2400"/>
+              <a:rPr lang="en-AU" sz="2400" dirty="0"/>
               <a:t>‘completed’ (and valid) QuestionnaireResponse</a:t>
             </a:r>
           </a:p>
           <a:p>
             <a:pPr lvl="1"/>
             <a:r>
-              <a:rPr lang="en-AU" sz="2400"/>
-              <a:t>mapping</a:t>
+              <a:rPr lang="en-AU" sz="2400" dirty="0"/>
+              <a:t>Mapping</a:t>
             </a:r>
           </a:p>
           <a:p>
             <a:pPr lvl="1"/>
             <a:r>
-              <a:rPr lang="en-AU" sz="2400"/>
-              <a:t>processing engine</a:t>
+              <a:rPr lang="en-AU" sz="2400" dirty="0"/>
+              <a:t>Processing engine</a:t>
             </a:r>
           </a:p>
           <a:p>
             <a:pPr lvl="1"/>
             <a:r>
-              <a:rPr lang="en-AU" sz="2400"/>
+              <a:rPr lang="en-AU" sz="2400" dirty="0"/>
               <a:t>Knowledge of target structures</a:t>
             </a:r>
             <a:br>
-              <a:rPr lang="en-AU" sz="2400"/>
+              <a:rPr lang="en-AU" sz="2400" dirty="0"/>
             </a:br>
             <a:r>
-              <a:rPr lang="en-AU" sz="2400"/>
+              <a:rPr lang="en-AU" sz="2400" dirty="0"/>
               <a:t>(particularly profiled scope)</a:t>
             </a:r>
           </a:p>
@@ -43374,38 +43343,30 @@
           <a:lstStyle/>
           <a:p>
             <a:r>
-              <a:rPr lang="en-US" dirty="0"/>
+              <a:rPr lang="en-US"/>
               <a:t>In general, ‘update’ requires the use of population</a:t>
             </a:r>
           </a:p>
           <a:p>
             <a:pPr lvl="1"/>
             <a:r>
-              <a:rPr lang="en-US" dirty="0"/>
-              <a:t>Need to know the ‘</a:t>
-            </a:r>
-            <a:r>
-              <a:rPr lang="en-US" dirty="0" err="1"/>
-              <a:t>url</a:t>
-            </a:r>
-            <a:r>
-              <a:rPr lang="en-US" dirty="0"/>
-              <a:t>’ of the resource to update to populate</a:t>
+              <a:rPr lang="en-US"/>
+              <a:t>Need to know the ‘url’ of the resource to update to populate</a:t>
             </a:r>
           </a:p>
           <a:p>
             <a:r>
-              <a:rPr lang="en-US" dirty="0"/>
+              <a:rPr lang="en-US"/>
               <a:t>If QuestionnaireResponse is revised post-extraction, it’s theoretically possible to re-extract and update originally extracted resources</a:t>
             </a:r>
           </a:p>
           <a:p>
             <a:pPr lvl="1"/>
             <a:r>
-              <a:rPr lang="en-US" dirty="0"/>
+              <a:rPr lang="en-US"/>
               <a:t>Requires linkage between extracted resources and QuestionnaireResponse</a:t>
             </a:r>
-            <a:endParaRPr lang="en-CA" dirty="0"/>
+            <a:endParaRPr lang="en-CA"/>
           </a:p>
         </p:txBody>
       </p:sp>
@@ -45814,43 +45775,43 @@
           <a:lstStyle/>
           <a:p>
             <a:r>
-              <a:rPr lang="en-AU" sz="1600" dirty="0"/>
+              <a:rPr lang="en-AU" sz="1600"/>
               <a:t>Source</a:t>
             </a:r>
           </a:p>
           <a:p>
             <a:pPr lvl="1"/>
             <a:r>
-              <a:rPr lang="en-AU" sz="1400" dirty="0"/>
+              <a:rPr lang="en-AU" sz="1400"/>
               <a:t>‘Completed’ QuestionnaireResponse</a:t>
             </a:r>
           </a:p>
           <a:p>
             <a:r>
-              <a:rPr lang="en-AU" sz="1600" dirty="0"/>
+              <a:rPr lang="en-AU" sz="1600"/>
               <a:t>Mapping</a:t>
             </a:r>
           </a:p>
           <a:p>
             <a:pPr lvl="1"/>
             <a:r>
-              <a:rPr lang="en-AU" sz="1400" dirty="0" err="1"/>
+              <a:rPr lang="en-AU" sz="1400" err="1"/>
               <a:t>Item.code</a:t>
             </a:r>
             <a:r>
-              <a:rPr lang="en-AU" sz="1400" dirty="0"/>
+              <a:rPr lang="en-AU" sz="1400"/>
               <a:t> for LOINC/SNOMED/other to populate </a:t>
             </a:r>
             <a:r>
-              <a:rPr lang="en-AU" sz="1400" dirty="0" err="1"/>
+              <a:rPr lang="en-AU" sz="1400" err="1"/>
               <a:t>Observation.code</a:t>
             </a:r>
-            <a:endParaRPr lang="en-AU" sz="1400" dirty="0"/>
+            <a:endParaRPr lang="en-AU" sz="1400"/>
           </a:p>
           <a:p>
             <a:pPr lvl="1"/>
             <a:r>
-              <a:rPr lang="en-CA" sz="1200" b="0" i="0" u="none" strike="noStrike" dirty="0">
+              <a:rPr lang="en-CA" sz="1200" b="0" i="0" u="none" strike="noStrike">
                 <a:effectLst/>
                 <a:latin typeface="verdana" panose="020B0604030504040204" pitchFamily="34" charset="0"/>
                 <a:hlinkClick r:id="rId3"/>
@@ -45858,7 +45819,7 @@
               <a:t>questionnaire-</a:t>
             </a:r>
             <a:r>
-              <a:rPr lang="en-CA" sz="1200" b="0" i="0" u="none" strike="noStrike" dirty="0" err="1">
+              <a:rPr lang="en-CA" sz="1200" b="0" i="0" u="none" strike="noStrike" err="1">
                 <a:effectLst/>
                 <a:latin typeface="verdana" panose="020B0604030504040204" pitchFamily="34" charset="0"/>
                 <a:hlinkClick r:id="rId3"/>
@@ -45866,21 +45827,21 @@
               <a:t>observationExtract</a:t>
             </a:r>
             <a:r>
-              <a:rPr lang="en-AU" sz="1400" b="0" i="0" u="none" strike="noStrike" dirty="0">
+              <a:rPr lang="en-AU" sz="1400" b="0" i="0" u="none" strike="noStrike">
                 <a:effectLst/>
                 <a:latin typeface="verdana" panose="020B0604030504040204" pitchFamily="34" charset="0"/>
               </a:rPr>
               <a:t> </a:t>
             </a:r>
             <a:r>
-              <a:rPr lang="en-AU" sz="1400" dirty="0"/>
+              <a:rPr lang="en-AU" sz="1400"/>
               <a:t>to indicate that extraction is needed</a:t>
             </a:r>
           </a:p>
           <a:p>
             <a:pPr lvl="1"/>
             <a:r>
-              <a:rPr lang="en-CA" sz="1200" b="0" i="0" u="sng" dirty="0">
+              <a:rPr lang="en-CA" sz="1200" b="0" i="0" u="sng">
                 <a:effectLst/>
                 <a:latin typeface="verdana" panose="020B0604030504040204" pitchFamily="34" charset="0"/>
                 <a:hlinkClick r:id="rId4"/>
@@ -45888,14 +45849,14 @@
               <a:t>observation-extract-category</a:t>
             </a:r>
             <a:r>
-              <a:rPr lang="en-AU" sz="1400" dirty="0"/>
+              <a:rPr lang="en-AU" sz="1400"/>
               <a:t> can be used to indicate the needed category</a:t>
             </a:r>
           </a:p>
           <a:p>
             <a:pPr lvl="1"/>
             <a:r>
-              <a:rPr lang="en-AU" sz="1400" dirty="0"/>
+              <a:rPr lang="en-AU" sz="1400"/>
               <a:t>Other Observation elements come from subject, encounter, author, authored, answer</a:t>
             </a:r>
           </a:p>
@@ -45903,29 +45864,34 @@
             <a:pPr lvl="2"/>
             <a:r>
               <a:rPr lang="en-AU" sz="1400" dirty="0"/>
-              <a:t>Watch for </a:t>
-            </a:r>
-            <a:r>
-              <a:rPr lang="en-AU" sz="1400" dirty="0" err="1">
+              <a:t>Watch</a:t>
+            </a:r>
+            <a:r>
+              <a:rPr lang="en-AU" sz="1400"/>
+              <a:t> for </a:t>
+            </a:r>
+            <a:r>
+              <a:rPr lang="en-AU" sz="1400">
                 <a:hlinkClick r:id="rId5"/>
               </a:rPr>
               <a:t>questionnaireresponse-isSubject</a:t>
             </a:r>
             <a:r>
-              <a:rPr lang="en-AU" sz="1400" dirty="0"/>
+              <a:rPr lang="en-AU" sz="1400"/>
               <a:t> as the subject of some groups may differ</a:t>
             </a:r>
+            <a:endParaRPr lang="en-AU" sz="1400" dirty="0"/>
           </a:p>
           <a:p>
             <a:pPr lvl="1"/>
             <a:r>
-              <a:rPr lang="en-AU" sz="1400" dirty="0"/>
+              <a:rPr lang="en-AU" sz="1400"/>
               <a:t>Groups and questions with child questions can be extracted as components or members</a:t>
             </a:r>
           </a:p>
           <a:p>
             <a:r>
-              <a:rPr lang="en-AU" sz="1800" dirty="0"/>
+              <a:rPr lang="en-AU" sz="1800"/>
               <a:t>Only works with observations</a:t>
             </a:r>
           </a:p>
@@ -47016,27 +46982,27 @@
           <a:lstStyle/>
           <a:p>
             <a:r>
-              <a:rPr lang="en-AU" sz="1400" dirty="0"/>
+              <a:rPr lang="en-AU" sz="1400"/>
               <a:t>Source</a:t>
             </a:r>
           </a:p>
           <a:p>
             <a:pPr lvl="1"/>
             <a:r>
-              <a:rPr lang="en-AU" sz="1050" dirty="0"/>
+              <a:rPr lang="en-AU" sz="1050"/>
               <a:t>‘Completed’ QuestionnaireResponse</a:t>
             </a:r>
           </a:p>
           <a:p>
             <a:r>
-              <a:rPr lang="en-AU" sz="1400" dirty="0"/>
+              <a:rPr lang="en-AU" sz="1400"/>
               <a:t>Mapping</a:t>
             </a:r>
           </a:p>
           <a:p>
             <a:pPr lvl="1"/>
             <a:r>
-              <a:rPr lang="en-CA" sz="1050" b="0" i="0" u="none" strike="noStrike" dirty="0" err="1">
+              <a:rPr lang="en-CA" sz="1050" b="0" i="0" u="none" strike="noStrike" err="1">
                 <a:effectLst/>
                 <a:latin typeface="verdana" panose="020B0604030504040204" pitchFamily="34" charset="0"/>
                 <a:hlinkClick r:id="rId3"/>
@@ -47044,7 +47010,7 @@
               <a:t>sdc</a:t>
             </a:r>
             <a:r>
-              <a:rPr lang="en-CA" sz="1050" b="0" i="0" u="none" strike="noStrike" dirty="0">
+              <a:rPr lang="en-CA" sz="1050" b="0" i="0" u="none" strike="noStrike">
                 <a:effectLst/>
                 <a:latin typeface="verdana" panose="020B0604030504040204" pitchFamily="34" charset="0"/>
                 <a:hlinkClick r:id="rId3"/>
@@ -47052,7 +47018,7 @@
               <a:t>-questionnaire-</a:t>
             </a:r>
             <a:r>
-              <a:rPr lang="en-CA" sz="1050" b="0" i="0" u="none" strike="noStrike" dirty="0" err="1">
+              <a:rPr lang="en-CA" sz="1050" b="0" i="0" u="none" strike="noStrike" err="1">
                 <a:effectLst/>
                 <a:latin typeface="verdana" panose="020B0604030504040204" pitchFamily="34" charset="0"/>
                 <a:hlinkClick r:id="rId3"/>
@@ -47060,7 +47026,7 @@
               <a:t>definitionExtract</a:t>
             </a:r>
             <a:r>
-              <a:rPr lang="en-CA" sz="1050" b="0" i="0" dirty="0">
+              <a:rPr lang="en-CA" sz="1050" b="0" i="0">
                 <a:solidFill>
                   <a:srgbClr val="333333"/>
                 </a:solidFill>
@@ -47070,22 +47036,22 @@
               <a:t> </a:t>
             </a:r>
             <a:r>
-              <a:rPr lang="en-AU" sz="1200" dirty="0"/>
+              <a:rPr lang="en-AU" sz="1200"/>
               <a:t>– resource to extract, </a:t>
             </a:r>
             <a:r>
-              <a:rPr lang="en-AU" sz="1200" dirty="0" err="1"/>
+              <a:rPr lang="en-AU" sz="1200" err="1"/>
               <a:t>fixedValue</a:t>
             </a:r>
             <a:r>
-              <a:rPr lang="en-AU" sz="1200" dirty="0"/>
+              <a:rPr lang="en-AU" sz="1200"/>
               <a:t>/patterns</a:t>
             </a:r>
           </a:p>
           <a:p>
             <a:pPr lvl="1"/>
             <a:r>
-              <a:rPr lang="en-CA" sz="1050" b="0" i="0" u="sng" dirty="0" err="1">
+              <a:rPr lang="en-CA" sz="1050" b="0" i="0" u="sng" err="1">
                 <a:effectLst/>
                 <a:latin typeface="verdana" panose="020B0604030504040204" pitchFamily="34" charset="0"/>
                 <a:hlinkClick r:id="rId4"/>
@@ -47093,7 +47059,7 @@
               <a:t>sdc</a:t>
             </a:r>
             <a:r>
-              <a:rPr lang="en-CA" sz="1050" b="0" i="0" u="sng" dirty="0">
+              <a:rPr lang="en-CA" sz="1050" b="0" i="0" u="sng">
                 <a:effectLst/>
                 <a:latin typeface="verdana" panose="020B0604030504040204" pitchFamily="34" charset="0"/>
                 <a:hlinkClick r:id="rId4"/>
@@ -47101,7 +47067,7 @@
               <a:t>-questionnaire-</a:t>
             </a:r>
             <a:r>
-              <a:rPr lang="en-CA" sz="1050" b="0" i="0" u="sng" dirty="0" err="1">
+              <a:rPr lang="en-CA" sz="1050" b="0" i="0" u="sng" err="1">
                 <a:effectLst/>
                 <a:latin typeface="verdana" panose="020B0604030504040204" pitchFamily="34" charset="0"/>
                 <a:hlinkClick r:id="rId4"/>
@@ -47109,25 +47075,25 @@
               <a:t>definitionExtractValue</a:t>
             </a:r>
             <a:r>
-              <a:rPr lang="en-AU" sz="1050" dirty="0"/>
+              <a:rPr lang="en-AU" sz="1050"/>
               <a:t> </a:t>
             </a:r>
             <a:r>
-              <a:rPr lang="en-AU" sz="1200" dirty="0"/>
+              <a:rPr lang="en-AU" sz="1200"/>
               <a:t>– element to populate with fixed or </a:t>
             </a:r>
             <a:br>
-              <a:rPr lang="en-AU" sz="1200" dirty="0"/>
+              <a:rPr lang="en-AU" sz="1200"/>
             </a:br>
             <a:r>
-              <a:rPr lang="en-AU" sz="1200" dirty="0"/>
+              <a:rPr lang="en-AU" sz="1200"/>
               <a:t>calculated values</a:t>
             </a:r>
           </a:p>
           <a:p>
             <a:pPr lvl="1"/>
             <a:r>
-              <a:rPr lang="en-CA" sz="1050" b="0" i="0" u="none" strike="noStrike" dirty="0" err="1">
+              <a:rPr lang="en-CA" sz="1050" b="0" i="0" u="none" strike="noStrike" err="1">
                 <a:effectLst/>
                 <a:latin typeface="verdana" panose="020B0604030504040204" pitchFamily="34" charset="0"/>
                 <a:hlinkClick r:id="rId5"/>
@@ -47135,7 +47101,7 @@
               <a:t>sdc</a:t>
             </a:r>
             <a:r>
-              <a:rPr lang="en-CA" sz="1050" b="0" i="0" u="none" strike="noStrike" dirty="0">
+              <a:rPr lang="en-CA" sz="1050" b="0" i="0" u="none" strike="noStrike">
                 <a:effectLst/>
                 <a:latin typeface="verdana" panose="020B0604030504040204" pitchFamily="34" charset="0"/>
                 <a:hlinkClick r:id="rId5"/>
@@ -47143,7 +47109,7 @@
               <a:t>-questionnaire-</a:t>
             </a:r>
             <a:r>
-              <a:rPr lang="en-CA" sz="1050" b="0" i="0" u="none" strike="noStrike" dirty="0" err="1">
+              <a:rPr lang="en-CA" sz="1050" b="0" i="0" u="none" strike="noStrike" err="1">
                 <a:effectLst/>
                 <a:latin typeface="verdana" panose="020B0604030504040204" pitchFamily="34" charset="0"/>
                 <a:hlinkClick r:id="rId5"/>
@@ -47151,7 +47117,7 @@
               <a:t>extractAllocateId</a:t>
             </a:r>
             <a:r>
-              <a:rPr lang="en-CA" sz="1050" b="0" i="0" dirty="0">
+              <a:rPr lang="en-CA" sz="1050" b="0" i="0">
                 <a:solidFill>
                   <a:srgbClr val="333333"/>
                 </a:solidFill>
@@ -47161,25 +47127,25 @@
               <a:t> </a:t>
             </a:r>
             <a:r>
-              <a:rPr lang="en-AU" sz="1200" dirty="0"/>
+              <a:rPr lang="en-AU" sz="1200"/>
               <a:t>– if needed for cross-resource referencing</a:t>
             </a:r>
           </a:p>
           <a:p>
             <a:pPr lvl="1"/>
             <a:r>
-              <a:rPr lang="en-AU" sz="1200" dirty="0"/>
+              <a:rPr lang="en-AU" sz="1200"/>
               <a:t>Answers are mapped into the extracted resource based on </a:t>
             </a:r>
             <a:r>
-              <a:rPr lang="en-AU" sz="1200" dirty="0" err="1"/>
+              <a:rPr lang="en-AU" sz="1200" err="1"/>
               <a:t>item.definition</a:t>
             </a:r>
-            <a:endParaRPr lang="en-AU" sz="1200" dirty="0"/>
+            <a:endParaRPr lang="en-AU" sz="1200"/>
           </a:p>
           <a:p>
             <a:r>
-              <a:rPr lang="en-AU" sz="1400" dirty="0"/>
+              <a:rPr lang="en-AU" sz="1400"/>
               <a:t>Can extract to any resource, but only one set of mappings per profile within a shared context</a:t>
             </a:r>
           </a:p>
@@ -47419,38 +47385,38 @@
           <a:lstStyle/>
           <a:p>
             <a:r>
-              <a:rPr lang="en-US" dirty="0"/>
+              <a:rPr lang="en-US"/>
               <a:t>On Questionnaire, extracts one resource instance for the QuestionnaireResponse</a:t>
             </a:r>
           </a:p>
           <a:p>
             <a:r>
-              <a:rPr lang="en-US" dirty="0"/>
+              <a:rPr lang="en-US"/>
               <a:t>On a group, extracts one instance for each group repetition</a:t>
             </a:r>
           </a:p>
           <a:p>
             <a:r>
-              <a:rPr lang="en-US" dirty="0"/>
+              <a:rPr lang="en-US"/>
               <a:t>Defines what resource to create (profile base resource)</a:t>
             </a:r>
           </a:p>
           <a:p>
             <a:pPr lvl="1"/>
             <a:r>
-              <a:rPr lang="en-US" dirty="0"/>
+              <a:rPr lang="en-US"/>
               <a:t>URL can just be canonical of the resource</a:t>
             </a:r>
           </a:p>
           <a:p>
             <a:r>
-              <a:rPr lang="en-US" dirty="0"/>
+              <a:rPr lang="en-US"/>
               <a:t>If it’s a profile, we will auto-extract fixed values and patterns</a:t>
             </a:r>
           </a:p>
           <a:p>
             <a:r>
-              <a:rPr lang="en-US" dirty="0"/>
+              <a:rPr lang="en-US"/>
               <a:t>Can allow conditional creation</a:t>
             </a:r>
           </a:p>
@@ -47458,15 +47424,11 @@
             <a:pPr lvl="1"/>
             <a:r>
               <a:rPr lang="en-US" dirty="0"/>
-              <a:t>using </a:t>
-            </a:r>
-            <a:r>
-              <a:rPr lang="en-US" dirty="0" err="1"/>
-              <a:t>Bundle.entry</a:t>
-            </a:r>
-            <a:r>
-              <a:rPr lang="en-US" dirty="0"/>
-              <a:t> elements</a:t>
+              <a:t>using</a:t>
+            </a:r>
+            <a:r>
+              <a:rPr lang="en-US"/>
+              <a:t> Bundle.entry elements</a:t>
             </a:r>
             <a:endParaRPr lang="en-CA" dirty="0"/>
           </a:p>
@@ -49271,7 +49233,7 @@
     </p:spTree>
     <p:extLst>
       <p:ext uri="{BB962C8B-B14F-4D97-AF65-F5344CB8AC3E}">
-        <p14:creationId xmlns:p14="http://schemas.microsoft.com/office/powerpoint/2010/main" val="1463855339"/>
+        <p14:creationId xmlns:p14="http://schemas.microsoft.com/office/powerpoint/2010/main" val="151138929"/>
       </p:ext>
     </p:extLst>
   </p:cSld>
@@ -50630,89 +50592,104 @@
           <a:p>
             <a:pPr lvl="1"/>
             <a:r>
+              <a:rPr lang="en-CA" sz="1200"/>
+              <a:t>Results in </a:t>
+            </a:r>
+            <a:r>
               <a:rPr lang="en-CA" sz="1200" dirty="0"/>
-              <a:t>Results in an entry within a transaction Bundle</a:t>
-            </a:r>
-          </a:p>
-          <a:p>
-            <a:pPr lvl="1"/>
-            <a:r>
-              <a:rPr lang="en-CA" sz="1200" dirty="0"/>
-              <a:t>Context for extraction determined by location of extension (root or group)</a:t>
-            </a:r>
-          </a:p>
-          <a:p>
-            <a:pPr lvl="1"/>
-            <a:r>
-              <a:rPr lang="en-CA" sz="1200" dirty="0"/>
-              <a:t>Extension includes all elements to populate a </a:t>
-            </a:r>
-            <a:r>
-              <a:rPr lang="en-CA" sz="1200" dirty="0" err="1"/>
-              <a:t>Bundle.entry</a:t>
+              <a:t>an</a:t>
+            </a:r>
+            <a:r>
+              <a:rPr lang="en-CA" sz="1200"/>
+              <a:t> entry within a transaction Bundle</a:t>
             </a:r>
             <a:endParaRPr lang="en-CA" sz="1200" dirty="0"/>
           </a:p>
           <a:p>
             <a:pPr lvl="1"/>
             <a:r>
-              <a:rPr lang="en-CA" sz="1200" dirty="0" err="1"/>
-              <a:t>resourceId</a:t>
-            </a:r>
-            <a:r>
               <a:rPr lang="en-CA" sz="1200" dirty="0"/>
-              <a:t> can be controlled via parameter</a:t>
-            </a:r>
-          </a:p>
-          <a:p>
-            <a:r>
-              <a:rPr lang="en-CA" sz="1400" dirty="0" err="1"/>
-              <a:t>templateExtractBundle</a:t>
-            </a:r>
-            <a:r>
-              <a:rPr lang="en-CA" sz="1400" dirty="0"/>
-              <a:t> (0..1)</a:t>
+              <a:t>Context for extraction determined by location of extension (root or group)</a:t>
             </a:r>
           </a:p>
           <a:p>
             <a:pPr lvl="1"/>
             <a:r>
               <a:rPr lang="en-CA" sz="1200" dirty="0"/>
-              <a:t>Points to a transaction Bundle template</a:t>
-            </a:r>
-          </a:p>
-          <a:p>
-            <a:pPr lvl="1"/>
-            <a:r>
-              <a:rPr lang="en-CA" sz="1200" dirty="0"/>
-              <a:t>Always results in transaction Bundle</a:t>
-            </a:r>
-          </a:p>
-          <a:p>
-            <a:pPr lvl="1"/>
-            <a:r>
-              <a:rPr lang="en-CA" sz="1200" dirty="0"/>
-              <a:t>Always on root.  Context for extraction handled by </a:t>
+              <a:t>Extension includes all elements to populate a </a:t>
             </a:r>
             <a:r>
               <a:rPr lang="en-CA" sz="1200" dirty="0" err="1"/>
-              <a:t>templateExtractContext</a:t>
+              <a:t>Bundle.entry</a:t>
             </a:r>
             <a:endParaRPr lang="en-CA" sz="1200" dirty="0"/>
           </a:p>
           <a:p>
             <a:pPr lvl="1"/>
             <a:r>
-              <a:rPr lang="en-CA" sz="1200" dirty="0"/>
-              <a:t>Bundle entry elements are defined in the template</a:t>
+              <a:rPr lang="en-CA" sz="1200" dirty="0" err="1"/>
+              <a:t>resourceId</a:t>
+            </a:r>
+            <a:r>
+              <a:rPr lang="en-CA" sz="1200"/>
+              <a:t> can be controlled via parameter</a:t>
+            </a:r>
+            <a:endParaRPr lang="en-CA" sz="1200" dirty="0"/>
+          </a:p>
+          <a:p>
+            <a:r>
+              <a:rPr lang="en-CA" sz="1400"/>
+              <a:t>templateExtractBundle </a:t>
+            </a:r>
+            <a:r>
+              <a:rPr lang="en-CA" sz="1400" dirty="0"/>
+              <a:t>(0..1)</a:t>
             </a:r>
           </a:p>
           <a:p>
             <a:pPr lvl="1"/>
             <a:r>
               <a:rPr lang="en-CA" sz="1200" dirty="0"/>
-              <a:t>Can set the resource id of each entry</a:t>
-            </a:r>
+              <a:t>Points to a transaction Bundle template</a:t>
+            </a:r>
+          </a:p>
+          <a:p>
+            <a:pPr lvl="1"/>
+            <a:r>
+              <a:rPr lang="en-CA" sz="1200" dirty="0"/>
+              <a:t>Always results in transaction Bundle</a:t>
+            </a:r>
+          </a:p>
+          <a:p>
+            <a:pPr lvl="1"/>
+            <a:r>
+              <a:rPr lang="en-CA" sz="1200" dirty="0"/>
+              <a:t>Always on root.  Context for extraction handled by </a:t>
+            </a:r>
+            <a:r>
+              <a:rPr lang="en-CA" sz="1200" dirty="0" err="1"/>
+              <a:t>templateExtractContext</a:t>
+            </a:r>
+            <a:endParaRPr lang="en-CA" sz="1200" dirty="0"/>
+          </a:p>
+          <a:p>
+            <a:pPr lvl="1"/>
+            <a:r>
+              <a:rPr lang="en-CA" sz="1200" dirty="0"/>
+              <a:t>Bundle entry elements are defined in the template</a:t>
+            </a:r>
+          </a:p>
+          <a:p>
+            <a:pPr lvl="1"/>
+            <a:r>
+              <a:rPr lang="en-CA" sz="1200" dirty="0"/>
+              <a:t>Can</a:t>
+            </a:r>
+            <a:r>
+              <a:rPr lang="en-CA" sz="1200"/>
+              <a:t> set the resource id of each entry</a:t>
+            </a:r>
+            <a:endParaRPr lang="en-CA" sz="1200" dirty="0"/>
           </a:p>
         </p:txBody>
       </p:sp>
@@ -50856,69 +50833,80 @@
           <a:lstStyle/>
           <a:p>
             <a:r>
-              <a:rPr lang="en-CA" err="1">
-                <a:latin typeface="verdana" panose="020B0604030504040204" pitchFamily="34" charset="0"/>
+              <a:rPr lang="en-CA" dirty="0">
+                <a:latin typeface="verdana"/>
+                <a:ea typeface="ヒラギノ角ゴ Pro W3"/>
                 <a:hlinkClick r:id="rId2"/>
               </a:rPr>
-              <a:t>sdc</a:t>
-            </a:r>
-            <a:r>
-              <a:rPr lang="en-CA">
-                <a:latin typeface="verdana" panose="020B0604030504040204" pitchFamily="34" charset="0"/>
-                <a:hlinkClick r:id="rId2"/>
+              <a:t>sdc-questionnaire-templateExtractContext</a:t>
+            </a:r>
+            <a:r>
+              <a:rPr lang="en-US" dirty="0">
+                <a:ea typeface="ヒラギノ角ゴ Pro W3"/>
               </a:rPr>
-              <a:t>-questionnaire-</a:t>
-            </a:r>
-            <a:r>
-              <a:rPr lang="en-CA" err="1">
-                <a:latin typeface="verdana" panose="020B0604030504040204" pitchFamily="34" charset="0"/>
-                <a:hlinkClick r:id="rId2"/>
-              </a:rPr>
-              <a:t>templateExtractContext</a:t>
-            </a:r>
-            <a:r>
-              <a:rPr lang="en-US"/>
               <a:t> </a:t>
             </a:r>
           </a:p>
           <a:p>
             <a:pPr lvl="1"/>
             <a:r>
-              <a:rPr lang="en-US"/>
-              <a:t>causes the appearance (and repetition) of the element to drive from a given Questionnaire item</a:t>
+              <a:rPr lang="en-US">
+                <a:ea typeface="ヒラギノ角ゴ Pro W3"/>
+              </a:rPr>
+              <a:t>Causes </a:t>
+            </a:r>
+            <a:r>
+              <a:rPr lang="en-US" dirty="0">
+                <a:ea typeface="ヒラギノ角ゴ Pro W3"/>
+              </a:rPr>
+              <a:t>the appearance (and repetition) of the element to drive from a given Questionnaire item</a:t>
             </a:r>
           </a:p>
           <a:p>
             <a:pPr lvl="1"/>
             <a:r>
-              <a:rPr lang="en-US"/>
+              <a:rPr lang="en-US" dirty="0">
+                <a:ea typeface="ヒラギノ角ゴ Pro W3"/>
+              </a:rPr>
               <a:t>Typically on group, though can also be Questionnaire root</a:t>
             </a:r>
           </a:p>
           <a:p>
             <a:pPr lvl="1"/>
             <a:r>
-              <a:rPr lang="en-US"/>
+              <a:rPr lang="en-US" dirty="0">
+                <a:ea typeface="ヒラギノ角ゴ Pro W3"/>
+              </a:rPr>
               <a:t>Can be plain </a:t>
             </a:r>
             <a:r>
-              <a:rPr lang="en-US" err="1"/>
+              <a:rPr lang="en-US" dirty="0" err="1">
+                <a:ea typeface="ヒラギノ角ゴ Pro W3"/>
+              </a:rPr>
               <a:t>FHIRPath</a:t>
             </a:r>
             <a:r>
-              <a:rPr lang="en-US"/>
+              <a:rPr lang="en-US" dirty="0">
+                <a:ea typeface="ヒラギノ角ゴ Pro W3"/>
+              </a:rPr>
               <a:t> or expression containing </a:t>
             </a:r>
             <a:r>
-              <a:rPr lang="en-US" err="1"/>
+              <a:rPr lang="en-US" dirty="0" err="1">
+                <a:ea typeface="ヒラギノ角ゴ Pro W3"/>
+              </a:rPr>
               <a:t>FHIRPath</a:t>
             </a:r>
-            <a:endParaRPr lang="en-US"/>
+            <a:endParaRPr lang="en-US" dirty="0">
+              <a:ea typeface="ヒラギノ角ゴ Pro W3"/>
+            </a:endParaRPr>
           </a:p>
           <a:p>
             <a:pPr lvl="2"/>
             <a:r>
-              <a:rPr lang="en-US"/>
+              <a:rPr lang="en-US" dirty="0">
+                <a:ea typeface="ヒラギノ角ゴ Pro W3"/>
+              </a:rPr>
               <a:t>Latter allows assigning a name to be used in downstream elements</a:t>
             </a:r>
           </a:p>
@@ -51035,10 +51023,10 @@
           <a:lstStyle/>
           <a:p>
             <a:r>
-              <a:rPr lang="en-US" dirty="0"/>
+              <a:rPr lang="en-US"/>
               <a:t>Template extensions (cont’d)</a:t>
             </a:r>
-            <a:endParaRPr lang="en-CA" dirty="0"/>
+            <a:endParaRPr lang="en-CA"/>
           </a:p>
         </p:txBody>
       </p:sp>
@@ -51064,68 +51052,73 @@
           <a:lstStyle/>
           <a:p>
             <a:r>
-              <a:rPr lang="en-CA" b="0" i="0" u="sng" dirty="0" err="1">
-                <a:effectLst/>
-                <a:latin typeface="verdana" panose="020B0604030504040204" pitchFamily="34" charset="0"/>
+              <a:rPr lang="en-CA" u="sng" dirty="0">
+                <a:latin typeface="verdana"/>
+                <a:ea typeface="ヒラギノ角ゴ Pro W3"/>
                 <a:hlinkClick r:id="rId2"/>
               </a:rPr>
-              <a:t>sdc</a:t>
-            </a:r>
-            <a:r>
-              <a:rPr lang="en-CA" b="0" i="0" u="sng" dirty="0">
-                <a:effectLst/>
-                <a:latin typeface="verdana" panose="020B0604030504040204" pitchFamily="34" charset="0"/>
-                <a:hlinkClick r:id="rId2"/>
-              </a:rPr>
-              <a:t>-questionnaire-</a:t>
-            </a:r>
-            <a:r>
-              <a:rPr lang="en-CA" b="0" i="0" u="sng" dirty="0" err="1">
-                <a:effectLst/>
-                <a:latin typeface="verdana" panose="020B0604030504040204" pitchFamily="34" charset="0"/>
-                <a:hlinkClick r:id="rId2"/>
-              </a:rPr>
-              <a:t>templateExtractValue</a:t>
-            </a:r>
-            <a:endParaRPr lang="en-US" dirty="0"/>
+              <a:t>sdc-questionnaire-templateExtractValue</a:t>
+            </a:r>
+            <a:endParaRPr lang="en-US" dirty="0">
+              <a:latin typeface="verdana"/>
+              <a:ea typeface="ヒラギノ角ゴ Pro W3"/>
+            </a:endParaRPr>
           </a:p>
           <a:p>
             <a:pPr lvl="1"/>
             <a:r>
-              <a:rPr lang="en-CA" dirty="0" err="1"/>
+              <a:rPr lang="en-CA" dirty="0" err="1">
+                <a:ea typeface="ヒラギノ角ゴ Pro W3"/>
+              </a:rPr>
               <a:t>FHIRPath</a:t>
             </a:r>
             <a:r>
-              <a:rPr lang="en-CA" dirty="0"/>
+              <a:rPr lang="en-CA" dirty="0">
+                <a:ea typeface="ヒラギノ角ゴ Pro W3"/>
+              </a:rPr>
               <a:t> expression referring to a Questionnaire question</a:t>
             </a:r>
           </a:p>
           <a:p>
             <a:pPr lvl="1"/>
             <a:r>
-              <a:rPr lang="en-CA" dirty="0"/>
+              <a:rPr lang="en-CA" dirty="0">
+                <a:ea typeface="ヒラギノ角ゴ Pro W3"/>
+              </a:rPr>
               <a:t>If the item has an answer, they become the value for the element</a:t>
             </a:r>
           </a:p>
           <a:p>
             <a:pPr lvl="1"/>
             <a:r>
-              <a:rPr lang="en-CA" dirty="0"/>
+              <a:rPr lang="en-CA" dirty="0">
+                <a:ea typeface="ヒラギノ角ゴ Pro W3"/>
+              </a:rPr>
               <a:t>Multiple answers = multiple repetitions of the element</a:t>
             </a:r>
           </a:p>
           <a:p>
             <a:pPr lvl="2"/>
             <a:r>
-              <a:rPr lang="en-CA" dirty="0"/>
+              <a:rPr lang="en-CA" dirty="0">
+                <a:ea typeface="ヒラギノ角ゴ Pro W3"/>
+              </a:rPr>
               <a:t>Multiple answers for non-repeating elements is an error</a:t>
             </a:r>
           </a:p>
           <a:p>
             <a:pPr lvl="1"/>
             <a:r>
-              <a:rPr lang="en-CA" dirty="0"/>
-              <a:t>no answer, element will be removed</a:t>
+              <a:rPr lang="en-CA">
+                <a:ea typeface="ヒラギノ角ゴ Pro W3"/>
+              </a:rPr>
+              <a:t>No </a:t>
+            </a:r>
+            <a:r>
+              <a:rPr lang="en-CA" dirty="0">
+                <a:ea typeface="ヒラギノ角ゴ Pro W3"/>
+              </a:rPr>
+              <a:t>answer, element will be removed</a:t>
             </a:r>
           </a:p>
         </p:txBody>
@@ -51489,10 +51482,10 @@
           <a:lstStyle/>
           <a:p>
             <a:r>
-              <a:rPr lang="en-US" dirty="0"/>
+              <a:rPr lang="en-US"/>
               <a:t>Testing template-based extraction</a:t>
             </a:r>
-            <a:endParaRPr lang="en-CA" dirty="0"/>
+            <a:endParaRPr lang="en-CA"/>
           </a:p>
         </p:txBody>
       </p:sp>
@@ -53009,17 +53002,8 @@
               <a:rPr lang="en-US" sz="1400" dirty="0">
                 <a:ea typeface="ヒラギノ角ゴ Pro W3"/>
               </a:rPr>
-              <a:t>Only approach that could practically create </a:t>
-            </a:r>
-            <a:r>
-              <a:rPr lang="en-US" sz="1400" dirty="0" err="1">
-                <a:ea typeface="ヒラギノ角ゴ Pro W3"/>
-              </a:rPr>
-              <a:t>rativerative</a:t>
-            </a:r>
-            <a:endParaRPr lang="en-US" sz="1400" dirty="0">
-              <a:ea typeface="ヒラギノ角ゴ Pro W3"/>
-            </a:endParaRPr>
+              <a:t>Only approach that could practically create narrative</a:t>
+            </a:r>
           </a:p>
           <a:p>
             <a:pPr lvl="2">
@@ -53154,11 +53138,6 @@
   <p:clrMapOvr>
     <a:masterClrMapping/>
   </p:clrMapOvr>
-  <p:extLst>
-    <p:ext uri="{6950BFC3-D8DA-4A85-94F7-54DA5524770B}">
-      <p188:commentRel xmlns:p188="http://schemas.microsoft.com/office/powerpoint/2018/8/main" r:id="rId2"/>
-    </p:ext>
-  </p:extLst>
 </p:sld>
 </file>
 
@@ -53501,11 +53480,6 @@
   <p:clrMapOvr>
     <a:masterClrMapping/>
   </p:clrMapOvr>
-  <p:extLst>
-    <p:ext uri="{6950BFC3-D8DA-4A85-94F7-54DA5524770B}">
-      <p188:commentRel xmlns:p188="http://schemas.microsoft.com/office/powerpoint/2018/8/main" r:id="rId2"/>
-    </p:ext>
-  </p:extLst>
 </p:sld>
 </file>
 
@@ -54006,11 +53980,6 @@
   <p:clrMapOvr>
     <a:masterClrMapping/>
   </p:clrMapOvr>
-  <p:extLst>
-    <p:ext uri="{6950BFC3-D8DA-4A85-94F7-54DA5524770B}">
-      <p188:commentRel xmlns:p188="http://schemas.microsoft.com/office/powerpoint/2018/8/main" r:id="rId3"/>
-    </p:ext>
-  </p:extLst>
 </p:sld>
 </file>
 
@@ -54291,7 +54260,7 @@
     </p:spTree>
     <p:extLst>
       <p:ext uri="{BB962C8B-B14F-4D97-AF65-F5344CB8AC3E}">
-        <p14:creationId xmlns:p14="http://schemas.microsoft.com/office/powerpoint/2010/main" val="2712066723"/>
+        <p14:creationId xmlns:p14="http://schemas.microsoft.com/office/powerpoint/2010/main" val="4226712616"/>
       </p:ext>
     </p:extLst>
   </p:cSld>

--- a/presentations/sdc/6-SDC-Extraction.pptx
+++ b/presentations/sdc/6-SDC-Extraction.pptx
@@ -11,56 +11,56 @@
     <p:handoutMasterId r:id="rId57"/>
   </p:handoutMasterIdLst>
   <p:sldIdLst>
-    <p:sldId id="672" r:id="rId5"/>
-    <p:sldId id="4905" r:id="rId6"/>
-    <p:sldId id="690" r:id="rId7"/>
-    <p:sldId id="4906" r:id="rId8"/>
-    <p:sldId id="680" r:id="rId9"/>
-    <p:sldId id="758" r:id="rId10"/>
-    <p:sldId id="313" r:id="rId11"/>
-    <p:sldId id="4850" r:id="rId12"/>
-    <p:sldId id="4880" r:id="rId13"/>
-    <p:sldId id="4817" r:id="rId14"/>
-    <p:sldId id="309" r:id="rId15"/>
-    <p:sldId id="4887" r:id="rId16"/>
-    <p:sldId id="4890" r:id="rId17"/>
-    <p:sldId id="4888" r:id="rId18"/>
-    <p:sldId id="4891" r:id="rId19"/>
-    <p:sldId id="4889" r:id="rId20"/>
-    <p:sldId id="4886" r:id="rId21"/>
-    <p:sldId id="740" r:id="rId22"/>
-    <p:sldId id="4861" r:id="rId23"/>
-    <p:sldId id="4881" r:id="rId24"/>
-    <p:sldId id="4843" r:id="rId25"/>
-    <p:sldId id="4844" r:id="rId26"/>
-    <p:sldId id="4858" r:id="rId27"/>
-    <p:sldId id="4860" r:id="rId28"/>
-    <p:sldId id="4882" r:id="rId29"/>
-    <p:sldId id="4845" r:id="rId30"/>
-    <p:sldId id="4894" r:id="rId31"/>
-    <p:sldId id="4895" r:id="rId32"/>
-    <p:sldId id="4897" r:id="rId33"/>
-    <p:sldId id="4893" r:id="rId34"/>
-    <p:sldId id="4896" r:id="rId35"/>
-    <p:sldId id="4899" r:id="rId36"/>
-    <p:sldId id="4898" r:id="rId37"/>
-    <p:sldId id="4868" r:id="rId38"/>
-    <p:sldId id="4892" r:id="rId39"/>
-    <p:sldId id="4900" r:id="rId40"/>
-    <p:sldId id="4901" r:id="rId41"/>
-    <p:sldId id="4902" r:id="rId42"/>
-    <p:sldId id="4903" r:id="rId43"/>
-    <p:sldId id="4904" r:id="rId44"/>
-    <p:sldId id="4883" r:id="rId45"/>
-    <p:sldId id="4869" r:id="rId46"/>
-    <p:sldId id="4871" r:id="rId47"/>
-    <p:sldId id="4872" r:id="rId48"/>
-    <p:sldId id="4884" r:id="rId49"/>
-    <p:sldId id="4873" r:id="rId50"/>
-    <p:sldId id="4874" r:id="rId51"/>
-    <p:sldId id="4876" r:id="rId52"/>
-    <p:sldId id="4885" r:id="rId53"/>
-    <p:sldId id="4802" r:id="rId54"/>
+    <p:sldId id="4905" r:id="rId5"/>
+    <p:sldId id="690" r:id="rId6"/>
+    <p:sldId id="4906" r:id="rId7"/>
+    <p:sldId id="680" r:id="rId8"/>
+    <p:sldId id="758" r:id="rId9"/>
+    <p:sldId id="313" r:id="rId10"/>
+    <p:sldId id="4850" r:id="rId11"/>
+    <p:sldId id="4880" r:id="rId12"/>
+    <p:sldId id="4817" r:id="rId13"/>
+    <p:sldId id="309" r:id="rId14"/>
+    <p:sldId id="4887" r:id="rId15"/>
+    <p:sldId id="4890" r:id="rId16"/>
+    <p:sldId id="4888" r:id="rId17"/>
+    <p:sldId id="4891" r:id="rId18"/>
+    <p:sldId id="4889" r:id="rId19"/>
+    <p:sldId id="4886" r:id="rId20"/>
+    <p:sldId id="740" r:id="rId21"/>
+    <p:sldId id="4861" r:id="rId22"/>
+    <p:sldId id="4881" r:id="rId23"/>
+    <p:sldId id="4843" r:id="rId24"/>
+    <p:sldId id="4844" r:id="rId25"/>
+    <p:sldId id="4858" r:id="rId26"/>
+    <p:sldId id="4860" r:id="rId27"/>
+    <p:sldId id="4882" r:id="rId28"/>
+    <p:sldId id="4845" r:id="rId29"/>
+    <p:sldId id="4894" r:id="rId30"/>
+    <p:sldId id="4895" r:id="rId31"/>
+    <p:sldId id="4897" r:id="rId32"/>
+    <p:sldId id="4893" r:id="rId33"/>
+    <p:sldId id="4896" r:id="rId34"/>
+    <p:sldId id="4899" r:id="rId35"/>
+    <p:sldId id="4898" r:id="rId36"/>
+    <p:sldId id="4868" r:id="rId37"/>
+    <p:sldId id="4892" r:id="rId38"/>
+    <p:sldId id="4900" r:id="rId39"/>
+    <p:sldId id="4901" r:id="rId40"/>
+    <p:sldId id="4902" r:id="rId41"/>
+    <p:sldId id="4903" r:id="rId42"/>
+    <p:sldId id="4904" r:id="rId43"/>
+    <p:sldId id="4883" r:id="rId44"/>
+    <p:sldId id="4869" r:id="rId45"/>
+    <p:sldId id="4871" r:id="rId46"/>
+    <p:sldId id="4872" r:id="rId47"/>
+    <p:sldId id="4884" r:id="rId48"/>
+    <p:sldId id="4873" r:id="rId49"/>
+    <p:sldId id="4874" r:id="rId50"/>
+    <p:sldId id="4876" r:id="rId51"/>
+    <p:sldId id="4885" r:id="rId52"/>
+    <p:sldId id="4802" r:id="rId53"/>
+    <p:sldId id="4917" r:id="rId54"/>
     <p:sldId id="4916" r:id="rId55"/>
   </p:sldIdLst>
   <p:sldSz cx="9144000" cy="5143500" type="screen16x9"/>
@@ -195,7 +195,6 @@
       <p14:sectionLst xmlns:p14="http://schemas.microsoft.com/office/powerpoint/2010/main">
         <p14:section name="Default Section" id="{A3B7BF1A-48CE-4925-8F93-96FAB591DFC7}">
           <p14:sldIdLst>
-            <p14:sldId id="672"/>
             <p14:sldId id="4905"/>
           </p14:sldIdLst>
         </p14:section>
@@ -277,6 +276,7 @@
           <p14:sldIdLst>
             <p14:sldId id="4885"/>
             <p14:sldId id="4802"/>
+            <p14:sldId id="4917"/>
             <p14:sldId id="4916"/>
           </p14:sldIdLst>
         </p14:section>
@@ -8005,10 +8005,10 @@
         <a:lstStyle/>
         <a:p>
           <a:r>
-            <a:rPr lang="en-US"/>
+            <a:rPr lang="en-US" b="1"/>
             <a:t>Extraction Overview</a:t>
           </a:r>
-          <a:endParaRPr lang="en-CA"/>
+          <a:endParaRPr lang="en-CA" b="1"/>
         </a:p>
       </dgm:t>
     </dgm:pt>
@@ -8591,10 +8591,10 @@
         <a:lstStyle/>
         <a:p>
           <a:r>
-            <a:rPr lang="en-US"/>
+            <a:rPr lang="en-US" b="1"/>
             <a:t>Observation-based</a:t>
           </a:r>
-          <a:endParaRPr lang="en-CA"/>
+          <a:endParaRPr lang="en-CA" b="1"/>
         </a:p>
       </dgm:t>
     </dgm:pt>
@@ -9177,10 +9177,10 @@
         <a:lstStyle/>
         <a:p>
           <a:r>
-            <a:rPr lang="en-US"/>
+            <a:rPr lang="en-US" b="1"/>
             <a:t>Definition-based</a:t>
           </a:r>
-          <a:endParaRPr lang="en-CA"/>
+          <a:endParaRPr lang="en-CA" b="1"/>
         </a:p>
       </dgm:t>
     </dgm:pt>
@@ -9895,10 +9895,10 @@
         <a:lstStyle/>
         <a:p>
           <a:r>
-            <a:rPr lang="en-US"/>
+            <a:rPr lang="en-US" b="1"/>
             <a:t>Template-based</a:t>
           </a:r>
-          <a:endParaRPr lang="en-CA"/>
+          <a:endParaRPr lang="en-CA" b="1"/>
         </a:p>
       </dgm:t>
     </dgm:pt>
@@ -10303,14 +10303,14 @@
         <a:lstStyle/>
         <a:p>
           <a:r>
-            <a:rPr lang="en-US" err="1"/>
+            <a:rPr lang="en-US" b="1" err="1"/>
             <a:t>StructureMap</a:t>
           </a:r>
           <a:r>
-            <a:rPr lang="en-US"/>
+            <a:rPr lang="en-US" b="1"/>
             <a:t>-based</a:t>
           </a:r>
-          <a:endParaRPr lang="en-CA"/>
+          <a:endParaRPr lang="en-CA" b="1"/>
         </a:p>
       </dgm:t>
     </dgm:pt>
@@ -10878,7 +10878,13 @@
     </dgm:pt>
     <dgm:pt modelId="{F7804CF8-A785-466F-9482-3D191ABFD207}">
       <dgm:prSet phldrT="[Text]"/>
-      <dgm:spPr/>
+      <dgm:spPr>
+        <a:ln>
+          <a:solidFill>
+            <a:srgbClr val="6591C5"/>
+          </a:solidFill>
+        </a:ln>
+      </dgm:spPr>
       <dgm:t>
         <a:bodyPr/>
         <a:lstStyle/>
@@ -10929,10 +10935,10 @@
         <a:lstStyle/>
         <a:p>
           <a:r>
-            <a:rPr lang="en-US"/>
+            <a:rPr lang="en-US" b="1"/>
             <a:t>CQL</a:t>
           </a:r>
-          <a:endParaRPr lang="en-CA"/>
+          <a:endParaRPr lang="en-CA" b="1"/>
         </a:p>
       </dgm:t>
     </dgm:pt>
@@ -11168,7 +11174,13 @@
     <dgm:cxn modelId="{13839D05-E643-4FF4-A509-EFADD64DB638}" type="presParOf" srcId="{7E1F6895-DF2C-4347-A034-6956F318B73D}" destId="{30E969A7-3C44-469D-AE9B-C9DFCD9F079E}" srcOrd="13" destOrd="0" presId="urn:microsoft.com/office/officeart/2005/8/layout/hierarchy3"/>
   </dgm:cxnLst>
   <dgm:bg/>
-  <dgm:whole/>
+  <dgm:whole>
+    <a:ln>
+      <a:solidFill>
+        <a:srgbClr val="789FCC"/>
+      </a:solidFill>
+    </a:ln>
+  </dgm:whole>
   <dgm:extLst>
     <a:ext uri="http://schemas.microsoft.com/office/drawing/2008/diagram">
       <dsp:dataModelExt xmlns:dsp="http://schemas.microsoft.com/office/drawing/2008/diagram" relId="rId6" minVer="http://schemas.openxmlformats.org/drawingml/2006/diagram"/>
@@ -11419,17 +11431,21 @@
     <dgm:pt modelId="{F7804CF8-A785-466F-9482-3D191ABFD207}">
       <dgm:prSet phldrT="[Text]"/>
       <dgm:spPr>
-        <a:ln w="57150"/>
+        <a:ln w="57150">
+          <a:solidFill>
+            <a:srgbClr val="789FCC"/>
+          </a:solidFill>
+        </a:ln>
       </dgm:spPr>
       <dgm:t>
         <a:bodyPr/>
         <a:lstStyle/>
         <a:p>
           <a:r>
-            <a:rPr lang="en-US"/>
+            <a:rPr lang="en-US" b="1"/>
             <a:t>Extraction Exercises</a:t>
           </a:r>
-          <a:endParaRPr lang="en-CA"/>
+          <a:endParaRPr lang="en-CA" b="1"/>
         </a:p>
       </dgm:t>
     </dgm:pt>
@@ -12955,12 +12971,12 @@
         <a:fontRef idx="minor"/>
       </dsp:style>
       <dsp:txBody>
-        <a:bodyPr spcFirstLastPara="0" vert="horz" wrap="square" lIns="32385" tIns="21590" rIns="32385" bIns="21590" numCol="1" spcCol="1270" anchor="ctr" anchorCtr="0">
+        <a:bodyPr spcFirstLastPara="0" vert="horz" wrap="square" lIns="30480" tIns="20320" rIns="30480" bIns="20320" numCol="1" spcCol="1270" anchor="ctr" anchorCtr="0">
           <a:noAutofit/>
         </a:bodyPr>
         <a:lstStyle/>
         <a:p>
-          <a:pPr marL="0" lvl="0" indent="0" algn="ctr" defTabSz="755650">
+          <a:pPr marL="0" lvl="0" indent="0" algn="ctr" defTabSz="711200">
             <a:lnSpc>
               <a:spcPct val="90000"/>
             </a:lnSpc>
@@ -12973,10 +12989,10 @@
             <a:buNone/>
           </a:pPr>
           <a:r>
-            <a:rPr lang="en-US" sz="1700" kern="1200"/>
+            <a:rPr lang="en-US" sz="1600" b="1" kern="1200"/>
             <a:t>Extraction Overview</a:t>
           </a:r>
-          <a:endParaRPr lang="en-CA" sz="1700" kern="1200"/>
+          <a:endParaRPr lang="en-CA" sz="1600" b="1" kern="1200"/>
         </a:p>
       </dsp:txBody>
       <dsp:txXfrm>
@@ -13090,12 +13106,12 @@
         <a:fontRef idx="minor"/>
       </dsp:style>
       <dsp:txBody>
-        <a:bodyPr spcFirstLastPara="0" vert="horz" wrap="square" lIns="32385" tIns="21590" rIns="32385" bIns="21590" numCol="1" spcCol="1270" anchor="ctr" anchorCtr="0">
+        <a:bodyPr spcFirstLastPara="0" vert="horz" wrap="square" lIns="30480" tIns="20320" rIns="30480" bIns="20320" numCol="1" spcCol="1270" anchor="ctr" anchorCtr="0">
           <a:noAutofit/>
         </a:bodyPr>
         <a:lstStyle/>
         <a:p>
-          <a:pPr marL="0" lvl="0" indent="0" algn="ctr" defTabSz="755650">
+          <a:pPr marL="0" lvl="0" indent="0" algn="ctr" defTabSz="711200">
             <a:lnSpc>
               <a:spcPct val="90000"/>
             </a:lnSpc>
@@ -13108,10 +13124,10 @@
             <a:buNone/>
           </a:pPr>
           <a:r>
-            <a:rPr lang="en-US" sz="1700" kern="1200"/>
+            <a:rPr lang="en-US" sz="1600" kern="1200"/>
             <a:t>Observation-based</a:t>
           </a:r>
-          <a:endParaRPr lang="en-CA" sz="1700" kern="1200"/>
+          <a:endParaRPr lang="en-CA" sz="1600" kern="1200"/>
         </a:p>
       </dsp:txBody>
       <dsp:txXfrm>
@@ -13225,12 +13241,12 @@
         <a:fontRef idx="minor"/>
       </dsp:style>
       <dsp:txBody>
-        <a:bodyPr spcFirstLastPara="0" vert="horz" wrap="square" lIns="32385" tIns="21590" rIns="32385" bIns="21590" numCol="1" spcCol="1270" anchor="ctr" anchorCtr="0">
+        <a:bodyPr spcFirstLastPara="0" vert="horz" wrap="square" lIns="30480" tIns="20320" rIns="30480" bIns="20320" numCol="1" spcCol="1270" anchor="ctr" anchorCtr="0">
           <a:noAutofit/>
         </a:bodyPr>
         <a:lstStyle/>
         <a:p>
-          <a:pPr marL="0" lvl="0" indent="0" algn="ctr" defTabSz="755650">
+          <a:pPr marL="0" lvl="0" indent="0" algn="ctr" defTabSz="711200">
             <a:lnSpc>
               <a:spcPct val="90000"/>
             </a:lnSpc>
@@ -13243,10 +13259,10 @@
             <a:buNone/>
           </a:pPr>
           <a:r>
-            <a:rPr lang="en-US" sz="1700" kern="1200"/>
+            <a:rPr lang="en-US" sz="1600" kern="1200"/>
             <a:t>Definition-based</a:t>
           </a:r>
-          <a:endParaRPr lang="en-CA" sz="1700" kern="1200"/>
+          <a:endParaRPr lang="en-CA" sz="1600" kern="1200"/>
         </a:p>
       </dsp:txBody>
       <dsp:txXfrm>
@@ -13360,12 +13376,12 @@
         <a:fontRef idx="minor"/>
       </dsp:style>
       <dsp:txBody>
-        <a:bodyPr spcFirstLastPara="0" vert="horz" wrap="square" lIns="32385" tIns="21590" rIns="32385" bIns="21590" numCol="1" spcCol="1270" anchor="ctr" anchorCtr="0">
+        <a:bodyPr spcFirstLastPara="0" vert="horz" wrap="square" lIns="30480" tIns="20320" rIns="30480" bIns="20320" numCol="1" spcCol="1270" anchor="ctr" anchorCtr="0">
           <a:noAutofit/>
         </a:bodyPr>
         <a:lstStyle/>
         <a:p>
-          <a:pPr marL="0" lvl="0" indent="0" algn="ctr" defTabSz="755650">
+          <a:pPr marL="0" lvl="0" indent="0" algn="ctr" defTabSz="711200">
             <a:lnSpc>
               <a:spcPct val="90000"/>
             </a:lnSpc>
@@ -13378,10 +13394,10 @@
             <a:buNone/>
           </a:pPr>
           <a:r>
-            <a:rPr lang="en-US" sz="1700" kern="1200"/>
+            <a:rPr lang="en-US" sz="1600" kern="1200"/>
             <a:t>Template-based</a:t>
           </a:r>
-          <a:endParaRPr lang="en-CA" sz="1700" kern="1200"/>
+          <a:endParaRPr lang="en-CA" sz="1600" kern="1200"/>
         </a:p>
       </dsp:txBody>
       <dsp:txXfrm>
@@ -13495,12 +13511,12 @@
         <a:fontRef idx="minor"/>
       </dsp:style>
       <dsp:txBody>
-        <a:bodyPr spcFirstLastPara="0" vert="horz" wrap="square" lIns="32385" tIns="21590" rIns="32385" bIns="21590" numCol="1" spcCol="1270" anchor="ctr" anchorCtr="0">
+        <a:bodyPr spcFirstLastPara="0" vert="horz" wrap="square" lIns="30480" tIns="20320" rIns="30480" bIns="20320" numCol="1" spcCol="1270" anchor="ctr" anchorCtr="0">
           <a:noAutofit/>
         </a:bodyPr>
         <a:lstStyle/>
         <a:p>
-          <a:pPr marL="0" lvl="0" indent="0" algn="ctr" defTabSz="755650">
+          <a:pPr marL="0" lvl="0" indent="0" algn="ctr" defTabSz="711200">
             <a:lnSpc>
               <a:spcPct val="90000"/>
             </a:lnSpc>
@@ -13513,14 +13529,14 @@
             <a:buNone/>
           </a:pPr>
           <a:r>
-            <a:rPr lang="en-US" sz="1700" kern="1200" err="1"/>
+            <a:rPr lang="en-US" sz="1600" kern="1200" err="1"/>
             <a:t>StructureMap</a:t>
           </a:r>
           <a:r>
-            <a:rPr lang="en-US" sz="1700" kern="1200"/>
+            <a:rPr lang="en-US" sz="1600" kern="1200"/>
             <a:t>-based</a:t>
           </a:r>
-          <a:endParaRPr lang="en-CA" sz="1700" kern="1200"/>
+          <a:endParaRPr lang="en-CA" sz="1600" kern="1200"/>
         </a:p>
       </dsp:txBody>
       <dsp:txXfrm>
@@ -13633,12 +13649,12 @@
         <a:fontRef idx="minor"/>
       </dsp:style>
       <dsp:txBody>
-        <a:bodyPr spcFirstLastPara="0" vert="horz" wrap="square" lIns="32385" tIns="21590" rIns="32385" bIns="21590" numCol="1" spcCol="1270" anchor="ctr" anchorCtr="0">
+        <a:bodyPr spcFirstLastPara="0" vert="horz" wrap="square" lIns="30480" tIns="20320" rIns="30480" bIns="20320" numCol="1" spcCol="1270" anchor="ctr" anchorCtr="0">
           <a:noAutofit/>
         </a:bodyPr>
         <a:lstStyle/>
         <a:p>
-          <a:pPr marL="0" lvl="0" indent="0" algn="ctr" defTabSz="755650">
+          <a:pPr marL="0" lvl="0" indent="0" algn="ctr" defTabSz="711200">
             <a:lnSpc>
               <a:spcPct val="90000"/>
             </a:lnSpc>
@@ -13651,10 +13667,10 @@
             <a:buNone/>
           </a:pPr>
           <a:r>
-            <a:rPr lang="en-US" sz="1700" kern="1200"/>
+            <a:rPr lang="en-US" sz="1600" kern="1200"/>
             <a:t>CQL</a:t>
           </a:r>
-          <a:endParaRPr lang="en-CA" sz="1700" kern="1200"/>
+          <a:endParaRPr lang="en-CA" sz="1600" kern="1200"/>
         </a:p>
       </dsp:txBody>
       <dsp:txXfrm>
@@ -13770,12 +13786,12 @@
         <a:fontRef idx="minor"/>
       </dsp:style>
       <dsp:txBody>
-        <a:bodyPr spcFirstLastPara="0" vert="horz" wrap="square" lIns="32385" tIns="21590" rIns="32385" bIns="21590" numCol="1" spcCol="1270" anchor="ctr" anchorCtr="0">
+        <a:bodyPr spcFirstLastPara="0" vert="horz" wrap="square" lIns="30480" tIns="20320" rIns="30480" bIns="20320" numCol="1" spcCol="1270" anchor="ctr" anchorCtr="0">
           <a:noAutofit/>
         </a:bodyPr>
         <a:lstStyle/>
         <a:p>
-          <a:pPr marL="0" lvl="0" indent="0" algn="ctr" defTabSz="755650">
+          <a:pPr marL="0" lvl="0" indent="0" algn="ctr" defTabSz="711200">
             <a:lnSpc>
               <a:spcPct val="90000"/>
             </a:lnSpc>
@@ -13788,10 +13804,10 @@
             <a:buNone/>
           </a:pPr>
           <a:r>
-            <a:rPr lang="en-US" sz="1700" kern="1200"/>
+            <a:rPr lang="en-US" sz="1600" kern="1200"/>
             <a:t>Extraction Exercises</a:t>
           </a:r>
-          <a:endParaRPr lang="en-CA" sz="1700" kern="1200"/>
+          <a:endParaRPr lang="en-CA" sz="1600" kern="1200"/>
         </a:p>
       </dsp:txBody>
       <dsp:txXfrm>
@@ -14150,10 +14166,10 @@
             <a:buNone/>
           </a:pPr>
           <a:r>
-            <a:rPr lang="en-US" sz="1700" kern="1200"/>
+            <a:rPr lang="en-US" sz="1700" b="1" kern="1200"/>
             <a:t>Observation-based</a:t>
           </a:r>
-          <a:endParaRPr lang="en-CA" sz="1700" kern="1200"/>
+          <a:endParaRPr lang="en-CA" sz="1700" b="1" kern="1200"/>
         </a:p>
       </dsp:txBody>
       <dsp:txXfrm>
@@ -15327,10 +15343,10 @@
             <a:buNone/>
           </a:pPr>
           <a:r>
-            <a:rPr lang="en-US" sz="1700" kern="1200"/>
+            <a:rPr lang="en-US" sz="1700" b="1" kern="1200"/>
             <a:t>Definition-based</a:t>
           </a:r>
-          <a:endParaRPr lang="en-CA" sz="1700" kern="1200"/>
+          <a:endParaRPr lang="en-CA" sz="1700" b="1" kern="1200"/>
         </a:p>
       </dsp:txBody>
       <dsp:txXfrm>
@@ -16504,10 +16520,10 @@
             <a:buNone/>
           </a:pPr>
           <a:r>
-            <a:rPr lang="en-US" sz="1700" kern="1200"/>
+            <a:rPr lang="en-US" sz="1700" b="1" kern="1200"/>
             <a:t>Template-based</a:t>
           </a:r>
-          <a:endParaRPr lang="en-CA" sz="1700" kern="1200"/>
+          <a:endParaRPr lang="en-CA" sz="1700" b="1" kern="1200"/>
         </a:p>
       </dsp:txBody>
       <dsp:txXfrm>
@@ -17123,12 +17139,12 @@
         <a:fontRef idx="minor"/>
       </dsp:style>
       <dsp:txBody>
-        <a:bodyPr spcFirstLastPara="0" vert="horz" wrap="square" lIns="32385" tIns="21590" rIns="32385" bIns="21590" numCol="1" spcCol="1270" anchor="ctr" anchorCtr="0">
+        <a:bodyPr spcFirstLastPara="0" vert="horz" wrap="square" lIns="30480" tIns="20320" rIns="30480" bIns="20320" numCol="1" spcCol="1270" anchor="ctr" anchorCtr="0">
           <a:noAutofit/>
         </a:bodyPr>
         <a:lstStyle/>
         <a:p>
-          <a:pPr marL="0" lvl="0" indent="0" algn="ctr" defTabSz="755650">
+          <a:pPr marL="0" lvl="0" indent="0" algn="ctr" defTabSz="711200">
             <a:lnSpc>
               <a:spcPct val="90000"/>
             </a:lnSpc>
@@ -17141,10 +17157,10 @@
             <a:buNone/>
           </a:pPr>
           <a:r>
-            <a:rPr lang="en-US" sz="1700" kern="1200"/>
+            <a:rPr lang="en-US" sz="1600" kern="1200"/>
             <a:t>Extraction Overview</a:t>
           </a:r>
-          <a:endParaRPr lang="en-CA" sz="1700" kern="1200"/>
+          <a:endParaRPr lang="en-CA" sz="1600" kern="1200"/>
         </a:p>
       </dsp:txBody>
       <dsp:txXfrm>
@@ -17258,12 +17274,12 @@
         <a:fontRef idx="minor"/>
       </dsp:style>
       <dsp:txBody>
-        <a:bodyPr spcFirstLastPara="0" vert="horz" wrap="square" lIns="32385" tIns="21590" rIns="32385" bIns="21590" numCol="1" spcCol="1270" anchor="ctr" anchorCtr="0">
+        <a:bodyPr spcFirstLastPara="0" vert="horz" wrap="square" lIns="30480" tIns="20320" rIns="30480" bIns="20320" numCol="1" spcCol="1270" anchor="ctr" anchorCtr="0">
           <a:noAutofit/>
         </a:bodyPr>
         <a:lstStyle/>
         <a:p>
-          <a:pPr marL="0" lvl="0" indent="0" algn="ctr" defTabSz="755650">
+          <a:pPr marL="0" lvl="0" indent="0" algn="ctr" defTabSz="711200">
             <a:lnSpc>
               <a:spcPct val="90000"/>
             </a:lnSpc>
@@ -17276,10 +17292,10 @@
             <a:buNone/>
           </a:pPr>
           <a:r>
-            <a:rPr lang="en-US" sz="1700" kern="1200"/>
+            <a:rPr lang="en-US" sz="1600" kern="1200"/>
             <a:t>Observation-based</a:t>
           </a:r>
-          <a:endParaRPr lang="en-CA" sz="1700" kern="1200"/>
+          <a:endParaRPr lang="en-CA" sz="1600" kern="1200"/>
         </a:p>
       </dsp:txBody>
       <dsp:txXfrm>
@@ -17393,12 +17409,12 @@
         <a:fontRef idx="minor"/>
       </dsp:style>
       <dsp:txBody>
-        <a:bodyPr spcFirstLastPara="0" vert="horz" wrap="square" lIns="32385" tIns="21590" rIns="32385" bIns="21590" numCol="1" spcCol="1270" anchor="ctr" anchorCtr="0">
+        <a:bodyPr spcFirstLastPara="0" vert="horz" wrap="square" lIns="30480" tIns="20320" rIns="30480" bIns="20320" numCol="1" spcCol="1270" anchor="ctr" anchorCtr="0">
           <a:noAutofit/>
         </a:bodyPr>
         <a:lstStyle/>
         <a:p>
-          <a:pPr marL="0" lvl="0" indent="0" algn="ctr" defTabSz="755650">
+          <a:pPr marL="0" lvl="0" indent="0" algn="ctr" defTabSz="711200">
             <a:lnSpc>
               <a:spcPct val="90000"/>
             </a:lnSpc>
@@ -17411,10 +17427,10 @@
             <a:buNone/>
           </a:pPr>
           <a:r>
-            <a:rPr lang="en-US" sz="1700" kern="1200"/>
+            <a:rPr lang="en-US" sz="1600" kern="1200"/>
             <a:t>Definition-based</a:t>
           </a:r>
-          <a:endParaRPr lang="en-CA" sz="1700" kern="1200"/>
+          <a:endParaRPr lang="en-CA" sz="1600" kern="1200"/>
         </a:p>
       </dsp:txBody>
       <dsp:txXfrm>
@@ -17528,12 +17544,12 @@
         <a:fontRef idx="minor"/>
       </dsp:style>
       <dsp:txBody>
-        <a:bodyPr spcFirstLastPara="0" vert="horz" wrap="square" lIns="32385" tIns="21590" rIns="32385" bIns="21590" numCol="1" spcCol="1270" anchor="ctr" anchorCtr="0">
+        <a:bodyPr spcFirstLastPara="0" vert="horz" wrap="square" lIns="30480" tIns="20320" rIns="30480" bIns="20320" numCol="1" spcCol="1270" anchor="ctr" anchorCtr="0">
           <a:noAutofit/>
         </a:bodyPr>
         <a:lstStyle/>
         <a:p>
-          <a:pPr marL="0" lvl="0" indent="0" algn="ctr" defTabSz="755650">
+          <a:pPr marL="0" lvl="0" indent="0" algn="ctr" defTabSz="711200">
             <a:lnSpc>
               <a:spcPct val="90000"/>
             </a:lnSpc>
@@ -17546,10 +17562,10 @@
             <a:buNone/>
           </a:pPr>
           <a:r>
-            <a:rPr lang="en-US" sz="1700" kern="1200"/>
+            <a:rPr lang="en-US" sz="1600" kern="1200"/>
             <a:t>Template-based</a:t>
           </a:r>
-          <a:endParaRPr lang="en-CA" sz="1700" kern="1200"/>
+          <a:endParaRPr lang="en-CA" sz="1600" kern="1200"/>
         </a:p>
       </dsp:txBody>
       <dsp:txXfrm>
@@ -17663,12 +17679,12 @@
         <a:fontRef idx="minor"/>
       </dsp:style>
       <dsp:txBody>
-        <a:bodyPr spcFirstLastPara="0" vert="horz" wrap="square" lIns="32385" tIns="21590" rIns="32385" bIns="21590" numCol="1" spcCol="1270" anchor="ctr" anchorCtr="0">
+        <a:bodyPr spcFirstLastPara="0" vert="horz" wrap="square" lIns="30480" tIns="20320" rIns="30480" bIns="20320" numCol="1" spcCol="1270" anchor="ctr" anchorCtr="0">
           <a:noAutofit/>
         </a:bodyPr>
         <a:lstStyle/>
         <a:p>
-          <a:pPr marL="0" lvl="0" indent="0" algn="ctr" defTabSz="755650">
+          <a:pPr marL="0" lvl="0" indent="0" algn="ctr" defTabSz="711200">
             <a:lnSpc>
               <a:spcPct val="90000"/>
             </a:lnSpc>
@@ -17681,14 +17697,14 @@
             <a:buNone/>
           </a:pPr>
           <a:r>
-            <a:rPr lang="en-US" sz="1700" kern="1200" err="1"/>
+            <a:rPr lang="en-US" sz="1600" b="1" kern="1200" err="1"/>
             <a:t>StructureMap</a:t>
           </a:r>
           <a:r>
-            <a:rPr lang="en-US" sz="1700" kern="1200"/>
+            <a:rPr lang="en-US" sz="1600" b="1" kern="1200"/>
             <a:t>-based</a:t>
           </a:r>
-          <a:endParaRPr lang="en-CA" sz="1700" kern="1200"/>
+          <a:endParaRPr lang="en-CA" sz="1600" b="1" kern="1200"/>
         </a:p>
       </dsp:txBody>
       <dsp:txXfrm>
@@ -17801,12 +17817,12 @@
         <a:fontRef idx="minor"/>
       </dsp:style>
       <dsp:txBody>
-        <a:bodyPr spcFirstLastPara="0" vert="horz" wrap="square" lIns="32385" tIns="21590" rIns="32385" bIns="21590" numCol="1" spcCol="1270" anchor="ctr" anchorCtr="0">
+        <a:bodyPr spcFirstLastPara="0" vert="horz" wrap="square" lIns="30480" tIns="20320" rIns="30480" bIns="20320" numCol="1" spcCol="1270" anchor="ctr" anchorCtr="0">
           <a:noAutofit/>
         </a:bodyPr>
         <a:lstStyle/>
         <a:p>
-          <a:pPr marL="0" lvl="0" indent="0" algn="ctr" defTabSz="755650">
+          <a:pPr marL="0" lvl="0" indent="0" algn="ctr" defTabSz="711200">
             <a:lnSpc>
               <a:spcPct val="90000"/>
             </a:lnSpc>
@@ -17819,10 +17835,10 @@
             <a:buNone/>
           </a:pPr>
           <a:r>
-            <a:rPr lang="en-US" sz="1700" kern="1200"/>
+            <a:rPr lang="en-US" sz="1600" kern="1200"/>
             <a:t>CQL</a:t>
           </a:r>
-          <a:endParaRPr lang="en-CA" sz="1700" kern="1200"/>
+          <a:endParaRPr lang="en-CA" sz="1600" kern="1200"/>
         </a:p>
       </dsp:txBody>
       <dsp:txXfrm>
@@ -17938,12 +17954,12 @@
         <a:fontRef idx="minor"/>
       </dsp:style>
       <dsp:txBody>
-        <a:bodyPr spcFirstLastPara="0" vert="horz" wrap="square" lIns="32385" tIns="21590" rIns="32385" bIns="21590" numCol="1" spcCol="1270" anchor="ctr" anchorCtr="0">
+        <a:bodyPr spcFirstLastPara="0" vert="horz" wrap="square" lIns="30480" tIns="20320" rIns="30480" bIns="20320" numCol="1" spcCol="1270" anchor="ctr" anchorCtr="0">
           <a:noAutofit/>
         </a:bodyPr>
         <a:lstStyle/>
         <a:p>
-          <a:pPr marL="0" lvl="0" indent="0" algn="ctr" defTabSz="755650">
+          <a:pPr marL="0" lvl="0" indent="0" algn="ctr" defTabSz="711200">
             <a:lnSpc>
               <a:spcPct val="90000"/>
             </a:lnSpc>
@@ -17956,10 +17972,10 @@
             <a:buNone/>
           </a:pPr>
           <a:r>
-            <a:rPr lang="en-US" sz="1700" kern="1200"/>
+            <a:rPr lang="en-US" sz="1600" kern="1200"/>
             <a:t>Extraction Exercises</a:t>
           </a:r>
-          <a:endParaRPr lang="en-CA" sz="1700" kern="1200"/>
+          <a:endParaRPr lang="en-CA" sz="1600" kern="1200"/>
         </a:p>
       </dsp:txBody>
       <dsp:txXfrm>
@@ -18861,10 +18877,10 @@
             <a:buNone/>
           </a:pPr>
           <a:r>
-            <a:rPr lang="en-US" sz="1700" kern="1200"/>
+            <a:rPr lang="en-US" sz="1700" b="1" kern="1200"/>
             <a:t>CQL</a:t>
           </a:r>
-          <a:endParaRPr lang="en-CA" sz="1700" kern="1200"/>
+          <a:endParaRPr lang="en-CA" sz="1700" b="1" kern="1200"/>
         </a:p>
       </dsp:txBody>
       <dsp:txXfrm>
@@ -18956,12 +18972,7 @@
         </a:solidFill>
         <a:ln w="25400" cap="flat" cmpd="sng" algn="ctr">
           <a:solidFill>
-            <a:schemeClr val="accent1">
-              <a:hueOff val="0"/>
-              <a:satOff val="0"/>
-              <a:lumOff val="0"/>
-              <a:alphaOff val="0"/>
-            </a:schemeClr>
+            <a:srgbClr val="6591C5"/>
           </a:solidFill>
           <a:prstDash val="solid"/>
         </a:ln>
@@ -19207,12 +19218,12 @@
         <a:fontRef idx="minor"/>
       </dsp:style>
       <dsp:txBody>
-        <a:bodyPr spcFirstLastPara="0" vert="horz" wrap="square" lIns="32385" tIns="21590" rIns="32385" bIns="21590" numCol="1" spcCol="1270" anchor="ctr" anchorCtr="0">
+        <a:bodyPr spcFirstLastPara="0" vert="horz" wrap="square" lIns="30480" tIns="20320" rIns="30480" bIns="20320" numCol="1" spcCol="1270" anchor="ctr" anchorCtr="0">
           <a:noAutofit/>
         </a:bodyPr>
         <a:lstStyle/>
         <a:p>
-          <a:pPr marL="0" lvl="0" indent="0" algn="ctr" defTabSz="755650">
+          <a:pPr marL="0" lvl="0" indent="0" algn="ctr" defTabSz="711200">
             <a:lnSpc>
               <a:spcPct val="90000"/>
             </a:lnSpc>
@@ -19225,10 +19236,10 @@
             <a:buNone/>
           </a:pPr>
           <a:r>
-            <a:rPr lang="en-US" sz="1700" kern="1200"/>
+            <a:rPr lang="en-US" sz="1600" kern="1200"/>
             <a:t>Extraction Overview</a:t>
           </a:r>
-          <a:endParaRPr lang="en-CA" sz="1700" kern="1200"/>
+          <a:endParaRPr lang="en-CA" sz="1600" kern="1200"/>
         </a:p>
       </dsp:txBody>
       <dsp:txXfrm>
@@ -19342,12 +19353,12 @@
         <a:fontRef idx="minor"/>
       </dsp:style>
       <dsp:txBody>
-        <a:bodyPr spcFirstLastPara="0" vert="horz" wrap="square" lIns="32385" tIns="21590" rIns="32385" bIns="21590" numCol="1" spcCol="1270" anchor="ctr" anchorCtr="0">
+        <a:bodyPr spcFirstLastPara="0" vert="horz" wrap="square" lIns="30480" tIns="20320" rIns="30480" bIns="20320" numCol="1" spcCol="1270" anchor="ctr" anchorCtr="0">
           <a:noAutofit/>
         </a:bodyPr>
         <a:lstStyle/>
         <a:p>
-          <a:pPr marL="0" lvl="0" indent="0" algn="ctr" defTabSz="755650">
+          <a:pPr marL="0" lvl="0" indent="0" algn="ctr" defTabSz="711200">
             <a:lnSpc>
               <a:spcPct val="90000"/>
             </a:lnSpc>
@@ -19360,10 +19371,10 @@
             <a:buNone/>
           </a:pPr>
           <a:r>
-            <a:rPr lang="en-US" sz="1700" kern="1200"/>
+            <a:rPr lang="en-US" sz="1600" kern="1200"/>
             <a:t>Observation-based</a:t>
           </a:r>
-          <a:endParaRPr lang="en-CA" sz="1700" kern="1200"/>
+          <a:endParaRPr lang="en-CA" sz="1600" kern="1200"/>
         </a:p>
       </dsp:txBody>
       <dsp:txXfrm>
@@ -19477,12 +19488,12 @@
         <a:fontRef idx="minor"/>
       </dsp:style>
       <dsp:txBody>
-        <a:bodyPr spcFirstLastPara="0" vert="horz" wrap="square" lIns="32385" tIns="21590" rIns="32385" bIns="21590" numCol="1" spcCol="1270" anchor="ctr" anchorCtr="0">
+        <a:bodyPr spcFirstLastPara="0" vert="horz" wrap="square" lIns="30480" tIns="20320" rIns="30480" bIns="20320" numCol="1" spcCol="1270" anchor="ctr" anchorCtr="0">
           <a:noAutofit/>
         </a:bodyPr>
         <a:lstStyle/>
         <a:p>
-          <a:pPr marL="0" lvl="0" indent="0" algn="ctr" defTabSz="755650">
+          <a:pPr marL="0" lvl="0" indent="0" algn="ctr" defTabSz="711200">
             <a:lnSpc>
               <a:spcPct val="90000"/>
             </a:lnSpc>
@@ -19495,10 +19506,10 @@
             <a:buNone/>
           </a:pPr>
           <a:r>
-            <a:rPr lang="en-US" sz="1700" kern="1200"/>
+            <a:rPr lang="en-US" sz="1600" kern="1200"/>
             <a:t>Definition-based</a:t>
           </a:r>
-          <a:endParaRPr lang="en-CA" sz="1700" kern="1200"/>
+          <a:endParaRPr lang="en-CA" sz="1600" kern="1200"/>
         </a:p>
       </dsp:txBody>
       <dsp:txXfrm>
@@ -19612,12 +19623,12 @@
         <a:fontRef idx="minor"/>
       </dsp:style>
       <dsp:txBody>
-        <a:bodyPr spcFirstLastPara="0" vert="horz" wrap="square" lIns="32385" tIns="21590" rIns="32385" bIns="21590" numCol="1" spcCol="1270" anchor="ctr" anchorCtr="0">
+        <a:bodyPr spcFirstLastPara="0" vert="horz" wrap="square" lIns="30480" tIns="20320" rIns="30480" bIns="20320" numCol="1" spcCol="1270" anchor="ctr" anchorCtr="0">
           <a:noAutofit/>
         </a:bodyPr>
         <a:lstStyle/>
         <a:p>
-          <a:pPr marL="0" lvl="0" indent="0" algn="ctr" defTabSz="755650">
+          <a:pPr marL="0" lvl="0" indent="0" algn="ctr" defTabSz="711200">
             <a:lnSpc>
               <a:spcPct val="90000"/>
             </a:lnSpc>
@@ -19630,10 +19641,10 @@
             <a:buNone/>
           </a:pPr>
           <a:r>
-            <a:rPr lang="en-US" sz="1700" kern="1200"/>
+            <a:rPr lang="en-US" sz="1600" kern="1200"/>
             <a:t>Template-based</a:t>
           </a:r>
-          <a:endParaRPr lang="en-CA" sz="1700" kern="1200"/>
+          <a:endParaRPr lang="en-CA" sz="1600" kern="1200"/>
         </a:p>
       </dsp:txBody>
       <dsp:txXfrm>
@@ -19747,12 +19758,12 @@
         <a:fontRef idx="minor"/>
       </dsp:style>
       <dsp:txBody>
-        <a:bodyPr spcFirstLastPara="0" vert="horz" wrap="square" lIns="32385" tIns="21590" rIns="32385" bIns="21590" numCol="1" spcCol="1270" anchor="ctr" anchorCtr="0">
+        <a:bodyPr spcFirstLastPara="0" vert="horz" wrap="square" lIns="30480" tIns="20320" rIns="30480" bIns="20320" numCol="1" spcCol="1270" anchor="ctr" anchorCtr="0">
           <a:noAutofit/>
         </a:bodyPr>
         <a:lstStyle/>
         <a:p>
-          <a:pPr marL="0" lvl="0" indent="0" algn="ctr" defTabSz="755650">
+          <a:pPr marL="0" lvl="0" indent="0" algn="ctr" defTabSz="711200">
             <a:lnSpc>
               <a:spcPct val="90000"/>
             </a:lnSpc>
@@ -19765,14 +19776,14 @@
             <a:buNone/>
           </a:pPr>
           <a:r>
-            <a:rPr lang="en-US" sz="1700" kern="1200" err="1"/>
+            <a:rPr lang="en-US" sz="1600" kern="1200" err="1"/>
             <a:t>StructureMap</a:t>
           </a:r>
           <a:r>
-            <a:rPr lang="en-US" sz="1700" kern="1200"/>
+            <a:rPr lang="en-US" sz="1600" kern="1200"/>
             <a:t>-based</a:t>
           </a:r>
-          <a:endParaRPr lang="en-CA" sz="1700" kern="1200"/>
+          <a:endParaRPr lang="en-CA" sz="1600" kern="1200"/>
         </a:p>
       </dsp:txBody>
       <dsp:txXfrm>
@@ -19885,12 +19896,12 @@
         <a:fontRef idx="minor"/>
       </dsp:style>
       <dsp:txBody>
-        <a:bodyPr spcFirstLastPara="0" vert="horz" wrap="square" lIns="32385" tIns="21590" rIns="32385" bIns="21590" numCol="1" spcCol="1270" anchor="ctr" anchorCtr="0">
+        <a:bodyPr spcFirstLastPara="0" vert="horz" wrap="square" lIns="30480" tIns="20320" rIns="30480" bIns="20320" numCol="1" spcCol="1270" anchor="ctr" anchorCtr="0">
           <a:noAutofit/>
         </a:bodyPr>
         <a:lstStyle/>
         <a:p>
-          <a:pPr marL="0" lvl="0" indent="0" algn="ctr" defTabSz="755650">
+          <a:pPr marL="0" lvl="0" indent="0" algn="ctr" defTabSz="711200">
             <a:lnSpc>
               <a:spcPct val="90000"/>
             </a:lnSpc>
@@ -19903,10 +19914,10 @@
             <a:buNone/>
           </a:pPr>
           <a:r>
-            <a:rPr lang="en-US" sz="1700" kern="1200"/>
+            <a:rPr lang="en-US" sz="1600" kern="1200"/>
             <a:t>CQL</a:t>
           </a:r>
-          <a:endParaRPr lang="en-CA" sz="1700" kern="1200"/>
+          <a:endParaRPr lang="en-CA" sz="1600" kern="1200"/>
         </a:p>
       </dsp:txBody>
       <dsp:txXfrm>
@@ -19998,7 +20009,7 @@
         </a:solidFill>
         <a:ln w="57150" cap="flat" cmpd="sng" algn="ctr">
           <a:solidFill>
-            <a:scrgbClr r="0" g="0" b="0"/>
+            <a:srgbClr val="789FCC"/>
           </a:solidFill>
           <a:prstDash val="solid"/>
         </a:ln>
@@ -20017,12 +20028,12 @@
         <a:fontRef idx="minor"/>
       </dsp:style>
       <dsp:txBody>
-        <a:bodyPr spcFirstLastPara="0" vert="horz" wrap="square" lIns="32385" tIns="21590" rIns="32385" bIns="21590" numCol="1" spcCol="1270" anchor="ctr" anchorCtr="0">
+        <a:bodyPr spcFirstLastPara="0" vert="horz" wrap="square" lIns="30480" tIns="20320" rIns="30480" bIns="20320" numCol="1" spcCol="1270" anchor="ctr" anchorCtr="0">
           <a:noAutofit/>
         </a:bodyPr>
         <a:lstStyle/>
         <a:p>
-          <a:pPr marL="0" lvl="0" indent="0" algn="ctr" defTabSz="755650">
+          <a:pPr marL="0" lvl="0" indent="0" algn="ctr" defTabSz="711200">
             <a:lnSpc>
               <a:spcPct val="90000"/>
             </a:lnSpc>
@@ -20035,10 +20046,10 @@
             <a:buNone/>
           </a:pPr>
           <a:r>
-            <a:rPr lang="en-US" sz="1700" kern="1200"/>
+            <a:rPr lang="en-US" sz="1600" b="1" kern="1200"/>
             <a:t>Extraction Exercises</a:t>
           </a:r>
-          <a:endParaRPr lang="en-CA" sz="1700" kern="1200"/>
+          <a:endParaRPr lang="en-CA" sz="1600" b="1" kern="1200"/>
         </a:p>
       </dsp:txBody>
       <dsp:txXfrm>
@@ -30774,7 +30785,7 @@
             <a:fld id="{1BCE7D1B-E2D6-42EC-A46F-6B8D8AB722EA}" type="datetime1">
               <a:rPr lang="en-US" altLang="en-US"/>
               <a:pPr/>
-              <a:t>3/1/2025</a:t>
+              <a:t>3/6/2025</a:t>
             </a:fld>
             <a:endParaRPr lang="en-US" altLang="en-US"/>
           </a:p>
@@ -31005,7 +31016,7 @@
             <a:fld id="{60D4D74E-7671-46E5-9A5B-14F31A4C0D2E}" type="datetime1">
               <a:rPr lang="en-US" altLang="en-US"/>
               <a:pPr/>
-              <a:t>3/1/2025</a:t>
+              <a:t>3/6/2025</a:t>
             </a:fld>
             <a:endParaRPr lang="en-US" altLang="en-US"/>
           </a:p>
@@ -31361,192 +31372,6 @@
       </p:grpSpPr>
       <p:sp>
         <p:nvSpPr>
-          <p:cNvPr id="7" name="Rectangle 7"/>
-          <p:cNvSpPr>
-            <a:spLocks noGrp="1" noChangeArrowheads="1"/>
-          </p:cNvSpPr>
-          <p:nvPr>
-            <p:ph type="sldNum" sz="quarter" idx="5"/>
-          </p:nvPr>
-        </p:nvSpPr>
-        <p:spPr>
-          <a:ln/>
-        </p:spPr>
-        <p:txBody>
-          <a:bodyPr/>
-          <a:lstStyle/>
-          <a:p>
-            <a:fld id="{38EFF599-57A5-464D-BBDE-DD73E3C700F9}" type="slidenum">
-              <a:rPr lang="en-US"/>
-              <a:pPr/>
-              <a:t>1</a:t>
-            </a:fld>
-            <a:endParaRPr lang="en-US"/>
-          </a:p>
-        </p:txBody>
-      </p:sp>
-      <p:sp>
-        <p:nvSpPr>
-          <p:cNvPr id="5122" name="Rectangle 2"/>
-          <p:cNvSpPr>
-            <a:spLocks noGrp="1" noRot="1" noChangeAspect="1" noChangeArrowheads="1" noTextEdit="1"/>
-          </p:cNvSpPr>
-          <p:nvPr>
-            <p:ph type="sldImg"/>
-          </p:nvPr>
-        </p:nvSpPr>
-        <p:spPr>
-          <a:xfrm>
-            <a:off x="381000" y="685800"/>
-            <a:ext cx="6096000" cy="3429000"/>
-          </a:xfrm>
-          <a:ln/>
-        </p:spPr>
-      </p:sp>
-      <p:sp>
-        <p:nvSpPr>
-          <p:cNvPr id="5123" name="Rectangle 3"/>
-          <p:cNvSpPr>
-            <a:spLocks noGrp="1" noChangeArrowheads="1"/>
-          </p:cNvSpPr>
-          <p:nvPr>
-            <p:ph type="body" idx="1"/>
-          </p:nvPr>
-        </p:nvSpPr>
-        <p:spPr/>
-        <p:txBody>
-          <a:bodyPr/>
-          <a:lstStyle/>
-          <a:p>
-            <a:endParaRPr lang="en-US"/>
-          </a:p>
-        </p:txBody>
-      </p:sp>
-    </p:spTree>
-    <p:extLst>
-      <p:ext uri="{BB962C8B-B14F-4D97-AF65-F5344CB8AC3E}">
-        <p14:creationId xmlns:p14="http://schemas.microsoft.com/office/powerpoint/2010/main" val="3535730783"/>
-      </p:ext>
-    </p:extLst>
-  </p:cSld>
-  <p:clrMapOvr>
-    <a:masterClrMapping/>
-  </p:clrMapOvr>
-</p:notes>
-</file>
-
-<file path=ppt/notesSlides/notesSlide10.xml><?xml version="1.0" encoding="utf-8"?>
-<p:notes xmlns:a="http://schemas.openxmlformats.org/drawingml/2006/main" xmlns:r="http://schemas.openxmlformats.org/officeDocument/2006/relationships" xmlns:p="http://schemas.openxmlformats.org/presentationml/2006/main">
-  <p:cSld>
-    <p:spTree>
-      <p:nvGrpSpPr>
-        <p:cNvPr id="1" name=""/>
-        <p:cNvGrpSpPr/>
-        <p:nvPr/>
-      </p:nvGrpSpPr>
-      <p:grpSpPr>
-        <a:xfrm>
-          <a:off x="0" y="0"/>
-          <a:ext cx="0" cy="0"/>
-          <a:chOff x="0" y="0"/>
-          <a:chExt cx="0" cy="0"/>
-        </a:xfrm>
-      </p:grpSpPr>
-      <p:sp>
-        <p:nvSpPr>
-          <p:cNvPr id="2" name="Slide Image Placeholder 1"/>
-          <p:cNvSpPr>
-            <a:spLocks noGrp="1" noRot="1" noChangeAspect="1"/>
-          </p:cNvSpPr>
-          <p:nvPr>
-            <p:ph type="sldImg"/>
-          </p:nvPr>
-        </p:nvSpPr>
-        <p:spPr/>
-      </p:sp>
-      <p:sp>
-        <p:nvSpPr>
-          <p:cNvPr id="3" name="Notes Placeholder 2"/>
-          <p:cNvSpPr>
-            <a:spLocks noGrp="1"/>
-          </p:cNvSpPr>
-          <p:nvPr>
-            <p:ph type="body" idx="1"/>
-          </p:nvPr>
-        </p:nvSpPr>
-        <p:spPr/>
-        <p:txBody>
-          <a:bodyPr/>
-          <a:lstStyle/>
-          <a:p>
-            <a:r>
-              <a:rPr lang="en-US" dirty="0"/>
-              <a:t>You</a:t>
-            </a:r>
-            <a:r>
-              <a:rPr lang="en-US"/>
-              <a:t> might want to use Brian’s tool to author for help with FHIRPath debugging</a:t>
-            </a:r>
-            <a:endParaRPr lang="en-CA"/>
-          </a:p>
-        </p:txBody>
-      </p:sp>
-      <p:sp>
-        <p:nvSpPr>
-          <p:cNvPr id="4" name="Slide Number Placeholder 3"/>
-          <p:cNvSpPr>
-            <a:spLocks noGrp="1"/>
-          </p:cNvSpPr>
-          <p:nvPr>
-            <p:ph type="sldNum" sz="quarter" idx="5"/>
-          </p:nvPr>
-        </p:nvSpPr>
-        <p:spPr/>
-        <p:txBody>
-          <a:bodyPr/>
-          <a:lstStyle/>
-          <a:p>
-            <a:fld id="{CF4A7F80-F256-4EC8-A9CC-1A842C6C5143}" type="slidenum">
-              <a:rPr lang="en-US" altLang="en-US" smtClean="0"/>
-              <a:pPr/>
-              <a:t>50</a:t>
-            </a:fld>
-            <a:endParaRPr lang="en-US" altLang="en-US"/>
-          </a:p>
-        </p:txBody>
-      </p:sp>
-    </p:spTree>
-    <p:extLst>
-      <p:ext uri="{BB962C8B-B14F-4D97-AF65-F5344CB8AC3E}">
-        <p14:creationId xmlns:p14="http://schemas.microsoft.com/office/powerpoint/2010/main" val="426765339"/>
-      </p:ext>
-    </p:extLst>
-  </p:cSld>
-  <p:clrMapOvr>
-    <a:masterClrMapping/>
-  </p:clrMapOvr>
-</p:notes>
-</file>
-
-<file path=ppt/notesSlides/notesSlide2.xml><?xml version="1.0" encoding="utf-8"?>
-<p:notes xmlns:a="http://schemas.openxmlformats.org/drawingml/2006/main" xmlns:r="http://schemas.openxmlformats.org/officeDocument/2006/relationships" xmlns:p="http://schemas.openxmlformats.org/presentationml/2006/main">
-  <p:cSld>
-    <p:spTree>
-      <p:nvGrpSpPr>
-        <p:cNvPr id="1" name=""/>
-        <p:cNvGrpSpPr/>
-        <p:nvPr/>
-      </p:nvGrpSpPr>
-      <p:grpSpPr>
-        <a:xfrm>
-          <a:off x="0" y="0"/>
-          <a:ext cx="0" cy="0"/>
-          <a:chOff x="0" y="0"/>
-          <a:chExt cx="0" cy="0"/>
-        </a:xfrm>
-      </p:grpSpPr>
-      <p:sp>
-        <p:nvSpPr>
           <p:cNvPr id="2" name="Slide Image Placeholder 1"/>
           <p:cNvSpPr>
             <a:spLocks noGrp="1" noRot="1" noChangeAspect="1"/>
@@ -31594,7 +31419,7 @@
             <a:fld id="{CF4A7F80-F256-4EC8-A9CC-1A842C6C5143}" type="slidenum">
               <a:rPr lang="en-US" altLang="en-US" smtClean="0"/>
               <a:pPr/>
-              <a:t>11</a:t>
+              <a:t>10</a:t>
             </a:fld>
             <a:endParaRPr lang="en-US" altLang="en-US"/>
           </a:p>
@@ -31613,7 +31438,7 @@
 </p:notes>
 </file>
 
-<file path=ppt/notesSlides/notesSlide3.xml><?xml version="1.0" encoding="utf-8"?>
+<file path=ppt/notesSlides/notesSlide2.xml><?xml version="1.0" encoding="utf-8"?>
 <p:notes xmlns:a="http://schemas.openxmlformats.org/drawingml/2006/main" xmlns:r="http://schemas.openxmlformats.org/officeDocument/2006/relationships" xmlns:p="http://schemas.openxmlformats.org/presentationml/2006/main">
   <p:cSld>
     <p:spTree>
@@ -31705,7 +31530,7 @@
           <a:p>
             <a:fld id="{A69C946F-C9B2-9B49-8DCA-D38D97C43A2F}" type="slidenum">
               <a:rPr lang="en-US" smtClean="0"/>
-              <a:t>21</a:t>
+              <a:t>20</a:t>
             </a:fld>
             <a:endParaRPr lang="en-US"/>
           </a:p>
@@ -31724,7 +31549,7 @@
 </p:notes>
 </file>
 
-<file path=ppt/notesSlides/notesSlide4.xml><?xml version="1.0" encoding="utf-8"?>
+<file path=ppt/notesSlides/notesSlide3.xml><?xml version="1.0" encoding="utf-8"?>
 <p:notes xmlns:a="http://schemas.openxmlformats.org/drawingml/2006/main" xmlns:r="http://schemas.openxmlformats.org/officeDocument/2006/relationships" xmlns:p="http://schemas.openxmlformats.org/presentationml/2006/main">
   <p:cSld>
     <p:spTree>
@@ -31813,7 +31638,7 @@
           <a:p>
             <a:fld id="{A69C946F-C9B2-9B49-8DCA-D38D97C43A2F}" type="slidenum">
               <a:rPr lang="en-US" smtClean="0"/>
-              <a:t>22</a:t>
+              <a:t>21</a:t>
             </a:fld>
             <a:endParaRPr lang="en-US"/>
           </a:p>
@@ -31832,7 +31657,7 @@
 </p:notes>
 </file>
 
-<file path=ppt/notesSlides/notesSlide5.xml><?xml version="1.0" encoding="utf-8"?>
+<file path=ppt/notesSlides/notesSlide4.xml><?xml version="1.0" encoding="utf-8"?>
 <p:notes xmlns:a="http://schemas.openxmlformats.org/drawingml/2006/main" xmlns:r="http://schemas.openxmlformats.org/officeDocument/2006/relationships" xmlns:p="http://schemas.openxmlformats.org/presentationml/2006/main">
   <p:cSld>
     <p:spTree>
@@ -31921,7 +31746,7 @@
           <a:p>
             <a:fld id="{A69C946F-C9B2-9B49-8DCA-D38D97C43A2F}" type="slidenum">
               <a:rPr lang="en-US" smtClean="0"/>
-              <a:t>26</a:t>
+              <a:t>25</a:t>
             </a:fld>
             <a:endParaRPr lang="en-US"/>
           </a:p>
@@ -31940,7 +31765,7 @@
 </p:notes>
 </file>
 
-<file path=ppt/notesSlides/notesSlide6.xml><?xml version="1.0" encoding="utf-8"?>
+<file path=ppt/notesSlides/notesSlide5.xml><?xml version="1.0" encoding="utf-8"?>
 <p:notes xmlns:a="http://schemas.openxmlformats.org/drawingml/2006/main" xmlns:r="http://schemas.openxmlformats.org/officeDocument/2006/relationships" xmlns:p="http://schemas.openxmlformats.org/presentationml/2006/main">
   <p:cSld>
     <p:spTree>
@@ -32029,7 +31854,7 @@
           <a:p>
             <a:fld id="{A69C946F-C9B2-9B49-8DCA-D38D97C43A2F}" type="slidenum">
               <a:rPr lang="en-US" smtClean="0"/>
-              <a:t>36</a:t>
+              <a:t>35</a:t>
             </a:fld>
             <a:endParaRPr lang="en-US"/>
           </a:p>
@@ -32048,7 +31873,7 @@
 </p:notes>
 </file>
 
-<file path=ppt/notesSlides/notesSlide7.xml><?xml version="1.0" encoding="utf-8"?>
+<file path=ppt/notesSlides/notesSlide6.xml><?xml version="1.0" encoding="utf-8"?>
 <p:notes xmlns:a="http://schemas.openxmlformats.org/drawingml/2006/main" xmlns:r="http://schemas.openxmlformats.org/officeDocument/2006/relationships" xmlns:p="http://schemas.openxmlformats.org/presentationml/2006/main">
   <p:cSld>
     <p:spTree>
@@ -32122,7 +31947,7 @@
             <a:fld id="{CF4A7F80-F256-4EC8-A9CC-1A842C6C5143}" type="slidenum">
               <a:rPr lang="en-US" altLang="en-US" smtClean="0"/>
               <a:pPr/>
-              <a:t>37</a:t>
+              <a:t>36</a:t>
             </a:fld>
             <a:endParaRPr lang="en-US" altLang="en-US"/>
           </a:p>
@@ -32141,7 +31966,7 @@
 </p:notes>
 </file>
 
-<file path=ppt/notesSlides/notesSlide8.xml><?xml version="1.0" encoding="utf-8"?>
+<file path=ppt/notesSlides/notesSlide7.xml><?xml version="1.0" encoding="utf-8"?>
 <p:notes xmlns:a="http://schemas.openxmlformats.org/drawingml/2006/main" xmlns:r="http://schemas.openxmlformats.org/officeDocument/2006/relationships" xmlns:p="http://schemas.openxmlformats.org/presentationml/2006/main">
   <p:cSld>
     <p:spTree>
@@ -32230,7 +32055,7 @@
           <a:p>
             <a:fld id="{A69C946F-C9B2-9B49-8DCA-D38D97C43A2F}" type="slidenum">
               <a:rPr lang="en-US" smtClean="0"/>
-              <a:t>42</a:t>
+              <a:t>41</a:t>
             </a:fld>
             <a:endParaRPr lang="en-US"/>
           </a:p>
@@ -32249,7 +32074,7 @@
 </p:notes>
 </file>
 
-<file path=ppt/notesSlides/notesSlide9.xml><?xml version="1.0" encoding="utf-8"?>
+<file path=ppt/notesSlides/notesSlide8.xml><?xml version="1.0" encoding="utf-8"?>
 <p:notes xmlns:a="http://schemas.openxmlformats.org/drawingml/2006/main" xmlns:r="http://schemas.openxmlformats.org/officeDocument/2006/relationships" xmlns:p="http://schemas.openxmlformats.org/presentationml/2006/main">
   <p:cSld>
     <p:spTree>
@@ -32338,7 +32163,7 @@
           <a:p>
             <a:fld id="{A69C946F-C9B2-9B49-8DCA-D38D97C43A2F}" type="slidenum">
               <a:rPr lang="en-US" smtClean="0"/>
-              <a:t>46</a:t>
+              <a:t>45</a:t>
             </a:fld>
             <a:endParaRPr lang="en-US"/>
           </a:p>
@@ -32348,6 +32173,99 @@
     <p:extLst>
       <p:ext uri="{BB962C8B-B14F-4D97-AF65-F5344CB8AC3E}">
         <p14:creationId xmlns:p14="http://schemas.microsoft.com/office/powerpoint/2010/main" val="550155257"/>
+      </p:ext>
+    </p:extLst>
+  </p:cSld>
+  <p:clrMapOvr>
+    <a:masterClrMapping/>
+  </p:clrMapOvr>
+</p:notes>
+</file>
+
+<file path=ppt/notesSlides/notesSlide9.xml><?xml version="1.0" encoding="utf-8"?>
+<p:notes xmlns:a="http://schemas.openxmlformats.org/drawingml/2006/main" xmlns:r="http://schemas.openxmlformats.org/officeDocument/2006/relationships" xmlns:p="http://schemas.openxmlformats.org/presentationml/2006/main">
+  <p:cSld>
+    <p:spTree>
+      <p:nvGrpSpPr>
+        <p:cNvPr id="1" name=""/>
+        <p:cNvGrpSpPr/>
+        <p:nvPr/>
+      </p:nvGrpSpPr>
+      <p:grpSpPr>
+        <a:xfrm>
+          <a:off x="0" y="0"/>
+          <a:ext cx="0" cy="0"/>
+          <a:chOff x="0" y="0"/>
+          <a:chExt cx="0" cy="0"/>
+        </a:xfrm>
+      </p:grpSpPr>
+      <p:sp>
+        <p:nvSpPr>
+          <p:cNvPr id="2" name="Slide Image Placeholder 1"/>
+          <p:cNvSpPr>
+            <a:spLocks noGrp="1" noRot="1" noChangeAspect="1"/>
+          </p:cNvSpPr>
+          <p:nvPr>
+            <p:ph type="sldImg"/>
+          </p:nvPr>
+        </p:nvSpPr>
+        <p:spPr/>
+      </p:sp>
+      <p:sp>
+        <p:nvSpPr>
+          <p:cNvPr id="3" name="Notes Placeholder 2"/>
+          <p:cNvSpPr>
+            <a:spLocks noGrp="1"/>
+          </p:cNvSpPr>
+          <p:nvPr>
+            <p:ph type="body" idx="1"/>
+          </p:nvPr>
+        </p:nvSpPr>
+        <p:spPr/>
+        <p:txBody>
+          <a:bodyPr/>
+          <a:lstStyle/>
+          <a:p>
+            <a:r>
+              <a:rPr lang="en-US" dirty="0"/>
+              <a:t>You</a:t>
+            </a:r>
+            <a:r>
+              <a:rPr lang="en-US"/>
+              <a:t> might want to use Brian’s tool to author for help with FHIRPath debugging</a:t>
+            </a:r>
+            <a:endParaRPr lang="en-CA"/>
+          </a:p>
+        </p:txBody>
+      </p:sp>
+      <p:sp>
+        <p:nvSpPr>
+          <p:cNvPr id="4" name="Slide Number Placeholder 3"/>
+          <p:cNvSpPr>
+            <a:spLocks noGrp="1"/>
+          </p:cNvSpPr>
+          <p:nvPr>
+            <p:ph type="sldNum" sz="quarter" idx="5"/>
+          </p:nvPr>
+        </p:nvSpPr>
+        <p:spPr/>
+        <p:txBody>
+          <a:bodyPr/>
+          <a:lstStyle/>
+          <a:p>
+            <a:fld id="{CF4A7F80-F256-4EC8-A9CC-1A842C6C5143}" type="slidenum">
+              <a:rPr lang="en-US" altLang="en-US" smtClean="0"/>
+              <a:pPr/>
+              <a:t>49</a:t>
+            </a:fld>
+            <a:endParaRPr lang="en-US" altLang="en-US"/>
+          </a:p>
+        </p:txBody>
+      </p:sp>
+    </p:spTree>
+    <p:extLst>
+      <p:ext uri="{BB962C8B-B14F-4D97-AF65-F5344CB8AC3E}">
+        <p14:creationId xmlns:p14="http://schemas.microsoft.com/office/powerpoint/2010/main" val="426765339"/>
       </p:ext>
     </p:extLst>
   </p:cSld>
@@ -36274,7 +36192,7 @@
           <a:p>
             <a:fld id="{D83995C2-806B-4997-8C0A-E780F2B14CC7}" type="datetimeFigureOut">
               <a:rPr lang="en-US" smtClean="0"/>
-              <a:t>3/1/2025</a:t>
+              <a:t>3/6/2025</a:t>
             </a:fld>
             <a:endParaRPr lang="en-US"/>
           </a:p>
@@ -42302,6 +42220,20 @@
 <file path=ppt/slides/slide1.xml><?xml version="1.0" encoding="utf-8"?>
 <p:sld xmlns:a="http://schemas.openxmlformats.org/drawingml/2006/main" xmlns:r="http://schemas.openxmlformats.org/officeDocument/2006/relationships" xmlns:p="http://schemas.openxmlformats.org/presentationml/2006/main">
   <p:cSld>
+    <p:bg>
+      <p:bgPr>
+        <a:blipFill dpi="0" rotWithShape="1">
+          <a:blip r:embed="rId2">
+            <a:lum/>
+          </a:blip>
+          <a:srcRect/>
+          <a:stretch>
+            <a:fillRect/>
+          </a:stretch>
+        </a:blipFill>
+        <a:effectLst/>
+      </p:bgPr>
+    </p:bg>
     <p:spTree>
       <p:nvGrpSpPr>
         <p:cNvPr id="1" name=""/>
@@ -42318,55 +42250,10 @@
       </p:grpSpPr>
       <p:sp>
         <p:nvSpPr>
-          <p:cNvPr id="3" name="Title 2"/>
-          <p:cNvSpPr>
-            <a:spLocks noGrp="1"/>
-          </p:cNvSpPr>
-          <p:nvPr>
-            <p:ph type="ctrTitle"/>
-          </p:nvPr>
-        </p:nvSpPr>
-        <p:spPr/>
-        <p:txBody>
-          <a:bodyPr/>
-          <a:lstStyle/>
-          <a:p>
-            <a:r>
-              <a:rPr lang="en-AU"/>
-              <a:t>Structured Data Capture</a:t>
-            </a:r>
-            <a:endParaRPr lang="en-US"/>
-          </a:p>
-        </p:txBody>
-      </p:sp>
-      <p:sp>
-        <p:nvSpPr>
-          <p:cNvPr id="4" name="Subtitle 3"/>
-          <p:cNvSpPr>
-            <a:spLocks noGrp="1"/>
-          </p:cNvSpPr>
-          <p:nvPr>
-            <p:ph type="subTitle" idx="1"/>
-          </p:nvPr>
-        </p:nvSpPr>
-        <p:spPr/>
-        <p:txBody>
-          <a:bodyPr/>
-          <a:lstStyle/>
-          <a:p>
-            <a:r>
-              <a:rPr lang="en-US" altLang="en-US"/>
-              <a:t>Rendering &amp; Behavior</a:t>
-            </a:r>
-          </a:p>
-        </p:txBody>
-      </p:sp>
-      <p:sp>
-        <p:nvSpPr>
-          <p:cNvPr id="8" name="Text Placeholder 7">
+          <p:cNvPr id="6" name="Text Placeholder 5">
             <a:extLst>
               <a:ext uri="{FF2B5EF4-FFF2-40B4-BE49-F238E27FC236}">
-                <a16:creationId xmlns:a16="http://schemas.microsoft.com/office/drawing/2014/main" id="{62EAEE4D-DFDC-4EFC-B01D-4E1EAA084740}"/>
+                <a16:creationId xmlns:a16="http://schemas.microsoft.com/office/drawing/2014/main" id="{32A55B74-6F49-9F22-9178-DE37CD82D03E}"/>
               </a:ext>
             </a:extLst>
           </p:cNvPr>
@@ -42374,33 +42261,129 @@
             <a:spLocks noGrp="1"/>
           </p:cNvSpPr>
           <p:nvPr>
-            <p:ph type="body" sz="quarter" idx="10"/>
+            <p:ph type="body" sz="quarter" idx="16"/>
           </p:nvPr>
         </p:nvSpPr>
-        <p:spPr/>
+        <p:spPr>
+          <a:xfrm>
+            <a:off x="534075" y="4603166"/>
+            <a:ext cx="4057650" cy="207749"/>
+          </a:xfrm>
+        </p:spPr>
         <p:txBody>
           <a:bodyPr/>
-          <a:lstStyle/>
+          <a:lstStyle>
+            <a:defPPr>
+              <a:defRPr lang="en-US"/>
+            </a:defPPr>
+            <a:lvl1pPr marL="0" algn="l" defTabSz="685800" rtl="0" eaLnBrk="1" latinLnBrk="0" hangingPunct="1">
+              <a:defRPr sz="1350" kern="1200">
+                <a:solidFill>
+                  <a:schemeClr val="tx1"/>
+                </a:solidFill>
+                <a:latin typeface="+mn-lt"/>
+                <a:ea typeface="+mn-ea"/>
+                <a:cs typeface="+mn-cs"/>
+              </a:defRPr>
+            </a:lvl1pPr>
+            <a:lvl2pPr marL="342900" algn="l" defTabSz="685800" rtl="0" eaLnBrk="1" latinLnBrk="0" hangingPunct="1">
+              <a:defRPr sz="1350" kern="1200">
+                <a:solidFill>
+                  <a:schemeClr val="tx1"/>
+                </a:solidFill>
+                <a:latin typeface="+mn-lt"/>
+                <a:ea typeface="+mn-ea"/>
+                <a:cs typeface="+mn-cs"/>
+              </a:defRPr>
+            </a:lvl2pPr>
+            <a:lvl3pPr marL="685800" algn="l" defTabSz="685800" rtl="0" eaLnBrk="1" latinLnBrk="0" hangingPunct="1">
+              <a:defRPr sz="1350" kern="1200">
+                <a:solidFill>
+                  <a:schemeClr val="tx1"/>
+                </a:solidFill>
+                <a:latin typeface="+mn-lt"/>
+                <a:ea typeface="+mn-ea"/>
+                <a:cs typeface="+mn-cs"/>
+              </a:defRPr>
+            </a:lvl3pPr>
+            <a:lvl4pPr marL="1028700" algn="l" defTabSz="685800" rtl="0" eaLnBrk="1" latinLnBrk="0" hangingPunct="1">
+              <a:defRPr sz="1350" kern="1200">
+                <a:solidFill>
+                  <a:schemeClr val="tx1"/>
+                </a:solidFill>
+                <a:latin typeface="+mn-lt"/>
+                <a:ea typeface="+mn-ea"/>
+                <a:cs typeface="+mn-cs"/>
+              </a:defRPr>
+            </a:lvl4pPr>
+            <a:lvl5pPr marL="1371600" algn="l" defTabSz="685800" rtl="0" eaLnBrk="1" latinLnBrk="0" hangingPunct="1">
+              <a:defRPr sz="1350" kern="1200">
+                <a:solidFill>
+                  <a:schemeClr val="tx1"/>
+                </a:solidFill>
+                <a:latin typeface="+mn-lt"/>
+                <a:ea typeface="+mn-ea"/>
+                <a:cs typeface="+mn-cs"/>
+              </a:defRPr>
+            </a:lvl5pPr>
+            <a:lvl6pPr marL="1714500" algn="l" defTabSz="685800" rtl="0" eaLnBrk="1" latinLnBrk="0" hangingPunct="1">
+              <a:defRPr sz="1350" kern="1200">
+                <a:solidFill>
+                  <a:schemeClr val="tx1"/>
+                </a:solidFill>
+                <a:latin typeface="+mn-lt"/>
+                <a:ea typeface="+mn-ea"/>
+                <a:cs typeface="+mn-cs"/>
+              </a:defRPr>
+            </a:lvl6pPr>
+            <a:lvl7pPr marL="2057400" algn="l" defTabSz="685800" rtl="0" eaLnBrk="1" latinLnBrk="0" hangingPunct="1">
+              <a:defRPr sz="1350" kern="1200">
+                <a:solidFill>
+                  <a:schemeClr val="tx1"/>
+                </a:solidFill>
+                <a:latin typeface="+mn-lt"/>
+                <a:ea typeface="+mn-ea"/>
+                <a:cs typeface="+mn-cs"/>
+              </a:defRPr>
+            </a:lvl7pPr>
+            <a:lvl8pPr marL="2400300" algn="l" defTabSz="685800" rtl="0" eaLnBrk="1" latinLnBrk="0" hangingPunct="1">
+              <a:defRPr sz="1350" kern="1200">
+                <a:solidFill>
+                  <a:schemeClr val="tx1"/>
+                </a:solidFill>
+                <a:latin typeface="+mn-lt"/>
+                <a:ea typeface="+mn-ea"/>
+                <a:cs typeface="+mn-cs"/>
+              </a:defRPr>
+            </a:lvl8pPr>
+            <a:lvl9pPr marL="2743200" algn="l" defTabSz="685800" rtl="0" eaLnBrk="1" latinLnBrk="0" hangingPunct="1">
+              <a:defRPr sz="1350" kern="1200">
+                <a:solidFill>
+                  <a:schemeClr val="tx1"/>
+                </a:solidFill>
+                <a:latin typeface="+mn-lt"/>
+                <a:ea typeface="+mn-ea"/>
+                <a:cs typeface="+mn-cs"/>
+              </a:defRPr>
+            </a:lvl9pPr>
+          </a:lstStyle>
           <a:p>
             <a:r>
-              <a:rPr lang="en-US"/>
-              <a:t>Lloyd McKenzie</a:t>
-            </a:r>
-          </a:p>
-          <a:p>
-            <a:r>
-              <a:rPr lang="en-US"/>
-              <a:t>February 2025</a:t>
-            </a:r>
+              <a:rPr lang="en-US" dirty="0">
+                <a:cs typeface="Arial"/>
+              </a:rPr>
+              <a:t>Lloyd McKenzie | February 2025</a:t>
+            </a:r>
+            <a:endParaRPr lang="en-US" dirty="0"/>
           </a:p>
         </p:txBody>
       </p:sp>
       <p:sp>
         <p:nvSpPr>
-          <p:cNvPr id="2" name="Footer Placeholder 1">
+          <p:cNvPr id="2" name="Text Placeholder 1">
             <a:extLst>
               <a:ext uri="{FF2B5EF4-FFF2-40B4-BE49-F238E27FC236}">
-                <a16:creationId xmlns:a16="http://schemas.microsoft.com/office/drawing/2014/main" id="{2DB8BFEF-A591-4AA8-9418-E34A204D637F}"/>
+                <a16:creationId xmlns:a16="http://schemas.microsoft.com/office/drawing/2014/main" id="{E265F639-6FEA-A56A-8782-FB04C81D81D5}"/>
               </a:ext>
             </a:extLst>
           </p:cNvPr>
@@ -42408,36 +42391,129 @@
             <a:spLocks noGrp="1"/>
           </p:cNvSpPr>
           <p:nvPr>
-            <p:ph type="ftr" sz="quarter" idx="11"/>
+            <p:ph type="body" sz="quarter" idx="14"/>
           </p:nvPr>
         </p:nvSpPr>
-        <p:spPr/>
+        <p:spPr>
+          <a:xfrm>
+            <a:off x="534075" y="2756496"/>
+            <a:ext cx="4057650" cy="207749"/>
+          </a:xfrm>
+        </p:spPr>
         <p:txBody>
           <a:bodyPr/>
-          <a:lstStyle/>
+          <a:lstStyle>
+            <a:defPPr>
+              <a:defRPr lang="en-US"/>
+            </a:defPPr>
+            <a:lvl1pPr marL="0" algn="l" defTabSz="685800" rtl="0" eaLnBrk="1" latinLnBrk="0" hangingPunct="1">
+              <a:defRPr sz="1350" kern="1200">
+                <a:solidFill>
+                  <a:schemeClr val="tx1"/>
+                </a:solidFill>
+                <a:latin typeface="+mn-lt"/>
+                <a:ea typeface="+mn-ea"/>
+                <a:cs typeface="+mn-cs"/>
+              </a:defRPr>
+            </a:lvl1pPr>
+            <a:lvl2pPr marL="342900" algn="l" defTabSz="685800" rtl="0" eaLnBrk="1" latinLnBrk="0" hangingPunct="1">
+              <a:defRPr sz="1350" kern="1200">
+                <a:solidFill>
+                  <a:schemeClr val="tx1"/>
+                </a:solidFill>
+                <a:latin typeface="+mn-lt"/>
+                <a:ea typeface="+mn-ea"/>
+                <a:cs typeface="+mn-cs"/>
+              </a:defRPr>
+            </a:lvl2pPr>
+            <a:lvl3pPr marL="685800" algn="l" defTabSz="685800" rtl="0" eaLnBrk="1" latinLnBrk="0" hangingPunct="1">
+              <a:defRPr sz="1350" kern="1200">
+                <a:solidFill>
+                  <a:schemeClr val="tx1"/>
+                </a:solidFill>
+                <a:latin typeface="+mn-lt"/>
+                <a:ea typeface="+mn-ea"/>
+                <a:cs typeface="+mn-cs"/>
+              </a:defRPr>
+            </a:lvl3pPr>
+            <a:lvl4pPr marL="1028700" algn="l" defTabSz="685800" rtl="0" eaLnBrk="1" latinLnBrk="0" hangingPunct="1">
+              <a:defRPr sz="1350" kern="1200">
+                <a:solidFill>
+                  <a:schemeClr val="tx1"/>
+                </a:solidFill>
+                <a:latin typeface="+mn-lt"/>
+                <a:ea typeface="+mn-ea"/>
+                <a:cs typeface="+mn-cs"/>
+              </a:defRPr>
+            </a:lvl4pPr>
+            <a:lvl5pPr marL="1371600" algn="l" defTabSz="685800" rtl="0" eaLnBrk="1" latinLnBrk="0" hangingPunct="1">
+              <a:defRPr sz="1350" kern="1200">
+                <a:solidFill>
+                  <a:schemeClr val="tx1"/>
+                </a:solidFill>
+                <a:latin typeface="+mn-lt"/>
+                <a:ea typeface="+mn-ea"/>
+                <a:cs typeface="+mn-cs"/>
+              </a:defRPr>
+            </a:lvl5pPr>
+            <a:lvl6pPr marL="1714500" algn="l" defTabSz="685800" rtl="0" eaLnBrk="1" latinLnBrk="0" hangingPunct="1">
+              <a:defRPr sz="1350" kern="1200">
+                <a:solidFill>
+                  <a:schemeClr val="tx1"/>
+                </a:solidFill>
+                <a:latin typeface="+mn-lt"/>
+                <a:ea typeface="+mn-ea"/>
+                <a:cs typeface="+mn-cs"/>
+              </a:defRPr>
+            </a:lvl6pPr>
+            <a:lvl7pPr marL="2057400" algn="l" defTabSz="685800" rtl="0" eaLnBrk="1" latinLnBrk="0" hangingPunct="1">
+              <a:defRPr sz="1350" kern="1200">
+                <a:solidFill>
+                  <a:schemeClr val="tx1"/>
+                </a:solidFill>
+                <a:latin typeface="+mn-lt"/>
+                <a:ea typeface="+mn-ea"/>
+                <a:cs typeface="+mn-cs"/>
+              </a:defRPr>
+            </a:lvl7pPr>
+            <a:lvl8pPr marL="2400300" algn="l" defTabSz="685800" rtl="0" eaLnBrk="1" latinLnBrk="0" hangingPunct="1">
+              <a:defRPr sz="1350" kern="1200">
+                <a:solidFill>
+                  <a:schemeClr val="tx1"/>
+                </a:solidFill>
+                <a:latin typeface="+mn-lt"/>
+                <a:ea typeface="+mn-ea"/>
+                <a:cs typeface="+mn-cs"/>
+              </a:defRPr>
+            </a:lvl8pPr>
+            <a:lvl9pPr marL="2743200" algn="l" defTabSz="685800" rtl="0" eaLnBrk="1" latinLnBrk="0" hangingPunct="1">
+              <a:defRPr sz="1350" kern="1200">
+                <a:solidFill>
+                  <a:schemeClr val="tx1"/>
+                </a:solidFill>
+                <a:latin typeface="+mn-lt"/>
+                <a:ea typeface="+mn-ea"/>
+                <a:cs typeface="+mn-cs"/>
+              </a:defRPr>
+            </a:lvl9pPr>
+          </a:lstStyle>
           <a:p>
             <a:r>
-              <a:rPr lang="en-CA"/>
-              <a:t>© 2025 Health Level Seven ® International. All Rights Reserved. Published under the Creative Commons 3.0 Attribution </a:t>
-            </a:r>
-            <a:r>
-              <a:rPr lang="en-CA" err="1"/>
-              <a:t>Unported</a:t>
-            </a:r>
-            <a:r>
-              <a:rPr lang="en-CA"/>
-              <a:t> license</a:t>
-            </a:r>
-            <a:endParaRPr lang="en-US"/>
+              <a:rPr lang="en-US" dirty="0">
+                <a:cs typeface="Arial"/>
+              </a:rPr>
+              <a:t>Extraction</a:t>
+            </a:r>
+            <a:endParaRPr lang="en-US" dirty="0"/>
           </a:p>
         </p:txBody>
       </p:sp>
       <p:sp>
         <p:nvSpPr>
-          <p:cNvPr id="7" name="Slide Number Placeholder 6">
+          <p:cNvPr id="7" name="Text Placeholder 6">
             <a:extLst>
               <a:ext uri="{FF2B5EF4-FFF2-40B4-BE49-F238E27FC236}">
-                <a16:creationId xmlns:a16="http://schemas.microsoft.com/office/drawing/2014/main" id="{03B02A91-314E-47EE-9F6F-3A18A2FFF0EC}"/>
+                <a16:creationId xmlns:a16="http://schemas.microsoft.com/office/drawing/2014/main" id="{4F7F09CA-AAA3-4BE6-D1C9-77D304F05A8A}"/>
               </a:ext>
             </a:extLst>
           </p:cNvPr>
@@ -42445,32 +42521,157 @@
             <a:spLocks noGrp="1"/>
           </p:cNvSpPr>
           <p:nvPr>
-            <p:ph type="sldNum" sz="quarter" idx="4294967295"/>
+            <p:ph type="body" sz="quarter" idx="17"/>
           </p:nvPr>
         </p:nvSpPr>
         <p:spPr>
           <a:xfrm>
-            <a:off x="8872538" y="4792663"/>
-            <a:ext cx="271462" cy="158750"/>
+            <a:off x="534075" y="2263771"/>
+            <a:ext cx="4383157" cy="182807"/>
           </a:xfrm>
         </p:spPr>
         <p:txBody>
           <a:bodyPr/>
-          <a:lstStyle/>
+          <a:lstStyle>
+            <a:defPPr>
+              <a:defRPr lang="en-US"/>
+            </a:defPPr>
+            <a:lvl1pPr marL="0" algn="l" defTabSz="685800" rtl="0" eaLnBrk="1" latinLnBrk="0" hangingPunct="1">
+              <a:defRPr sz="1350" kern="1200">
+                <a:solidFill>
+                  <a:schemeClr val="tx1"/>
+                </a:solidFill>
+                <a:latin typeface="+mn-lt"/>
+                <a:ea typeface="+mn-ea"/>
+                <a:cs typeface="+mn-cs"/>
+              </a:defRPr>
+            </a:lvl1pPr>
+            <a:lvl2pPr marL="342900" algn="l" defTabSz="685800" rtl="0" eaLnBrk="1" latinLnBrk="0" hangingPunct="1">
+              <a:defRPr sz="1350" kern="1200">
+                <a:solidFill>
+                  <a:schemeClr val="tx1"/>
+                </a:solidFill>
+                <a:latin typeface="+mn-lt"/>
+                <a:ea typeface="+mn-ea"/>
+                <a:cs typeface="+mn-cs"/>
+              </a:defRPr>
+            </a:lvl2pPr>
+            <a:lvl3pPr marL="685800" algn="l" defTabSz="685800" rtl="0" eaLnBrk="1" latinLnBrk="0" hangingPunct="1">
+              <a:defRPr sz="1350" kern="1200">
+                <a:solidFill>
+                  <a:schemeClr val="tx1"/>
+                </a:solidFill>
+                <a:latin typeface="+mn-lt"/>
+                <a:ea typeface="+mn-ea"/>
+                <a:cs typeface="+mn-cs"/>
+              </a:defRPr>
+            </a:lvl3pPr>
+            <a:lvl4pPr marL="1028700" algn="l" defTabSz="685800" rtl="0" eaLnBrk="1" latinLnBrk="0" hangingPunct="1">
+              <a:defRPr sz="1350" kern="1200">
+                <a:solidFill>
+                  <a:schemeClr val="tx1"/>
+                </a:solidFill>
+                <a:latin typeface="+mn-lt"/>
+                <a:ea typeface="+mn-ea"/>
+                <a:cs typeface="+mn-cs"/>
+              </a:defRPr>
+            </a:lvl4pPr>
+            <a:lvl5pPr marL="1371600" algn="l" defTabSz="685800" rtl="0" eaLnBrk="1" latinLnBrk="0" hangingPunct="1">
+              <a:defRPr sz="1350" kern="1200">
+                <a:solidFill>
+                  <a:schemeClr val="tx1"/>
+                </a:solidFill>
+                <a:latin typeface="+mn-lt"/>
+                <a:ea typeface="+mn-ea"/>
+                <a:cs typeface="+mn-cs"/>
+              </a:defRPr>
+            </a:lvl5pPr>
+            <a:lvl6pPr marL="1714500" algn="l" defTabSz="685800" rtl="0" eaLnBrk="1" latinLnBrk="0" hangingPunct="1">
+              <a:defRPr sz="1350" kern="1200">
+                <a:solidFill>
+                  <a:schemeClr val="tx1"/>
+                </a:solidFill>
+                <a:latin typeface="+mn-lt"/>
+                <a:ea typeface="+mn-ea"/>
+                <a:cs typeface="+mn-cs"/>
+              </a:defRPr>
+            </a:lvl6pPr>
+            <a:lvl7pPr marL="2057400" algn="l" defTabSz="685800" rtl="0" eaLnBrk="1" latinLnBrk="0" hangingPunct="1">
+              <a:defRPr sz="1350" kern="1200">
+                <a:solidFill>
+                  <a:schemeClr val="tx1"/>
+                </a:solidFill>
+                <a:latin typeface="+mn-lt"/>
+                <a:ea typeface="+mn-ea"/>
+                <a:cs typeface="+mn-cs"/>
+              </a:defRPr>
+            </a:lvl7pPr>
+            <a:lvl8pPr marL="2400300" algn="l" defTabSz="685800" rtl="0" eaLnBrk="1" latinLnBrk="0" hangingPunct="1">
+              <a:defRPr sz="1350" kern="1200">
+                <a:solidFill>
+                  <a:schemeClr val="tx1"/>
+                </a:solidFill>
+                <a:latin typeface="+mn-lt"/>
+                <a:ea typeface="+mn-ea"/>
+                <a:cs typeface="+mn-cs"/>
+              </a:defRPr>
+            </a:lvl8pPr>
+            <a:lvl9pPr marL="2743200" algn="l" defTabSz="685800" rtl="0" eaLnBrk="1" latinLnBrk="0" hangingPunct="1">
+              <a:defRPr sz="1350" kern="1200">
+                <a:solidFill>
+                  <a:schemeClr val="tx1"/>
+                </a:solidFill>
+                <a:latin typeface="+mn-lt"/>
+                <a:ea typeface="+mn-ea"/>
+                <a:cs typeface="+mn-cs"/>
+              </a:defRPr>
+            </a:lvl9pPr>
+          </a:lstStyle>
           <a:p>
-            <a:fld id="{DD8FDF0E-2772-4D89-9F72-F3CB15D8B8AB}" type="slidenum">
-              <a:rPr lang="en-US" smtClean="0"/>
-              <a:pPr/>
-              <a:t>1</a:t>
-            </a:fld>
-            <a:endParaRPr lang="en-US"/>
+            <a:r>
+              <a:rPr lang="en-US" dirty="0">
+                <a:cs typeface="Arial"/>
+              </a:rPr>
+              <a:t>Structured Data Capture (SDC)</a:t>
+            </a:r>
+            <a:endParaRPr lang="en-US" dirty="0"/>
           </a:p>
         </p:txBody>
       </p:sp>
+      <p:pic>
+        <p:nvPicPr>
+          <p:cNvPr id="3" name="Picture 2">
+            <a:extLst>
+              <a:ext uri="{FF2B5EF4-FFF2-40B4-BE49-F238E27FC236}">
+                <a16:creationId xmlns:a16="http://schemas.microsoft.com/office/drawing/2014/main" id="{D757EB45-C247-3B54-4921-3BF1D56F9D38}"/>
+              </a:ext>
+            </a:extLst>
+          </p:cNvPr>
+          <p:cNvPicPr>
+            <a:picLocks noChangeAspect="1"/>
+          </p:cNvPicPr>
+          <p:nvPr/>
+        </p:nvPicPr>
+        <p:blipFill>
+          <a:blip r:embed="rId3"/>
+          <a:stretch>
+            <a:fillRect/>
+          </a:stretch>
+        </p:blipFill>
+        <p:spPr>
+          <a:xfrm>
+            <a:off x="3375580" y="4601608"/>
+            <a:ext cx="1304925" cy="457200"/>
+          </a:xfrm>
+          <a:prstGeom prst="rect">
+            <a:avLst/>
+          </a:prstGeom>
+        </p:spPr>
+      </p:pic>
     </p:spTree>
     <p:extLst>
       <p:ext uri="{BB962C8B-B14F-4D97-AF65-F5344CB8AC3E}">
-        <p14:creationId xmlns:p14="http://schemas.microsoft.com/office/powerpoint/2010/main" val="1226924551"/>
+        <p14:creationId xmlns:p14="http://schemas.microsoft.com/office/powerpoint/2010/main" val="2030768388"/>
       </p:ext>
     </p:extLst>
   </p:cSld>
@@ -42481,206 +42682,6 @@
 </file>
 
 <file path=ppt/slides/slide10.xml><?xml version="1.0" encoding="utf-8"?>
-<p:sld xmlns:a="http://schemas.openxmlformats.org/drawingml/2006/main" xmlns:r="http://schemas.openxmlformats.org/officeDocument/2006/relationships" xmlns:p="http://schemas.openxmlformats.org/presentationml/2006/main">
-  <p:cSld>
-    <p:spTree>
-      <p:nvGrpSpPr>
-        <p:cNvPr id="1" name=""/>
-        <p:cNvGrpSpPr/>
-        <p:nvPr/>
-      </p:nvGrpSpPr>
-      <p:grpSpPr>
-        <a:xfrm>
-          <a:off x="0" y="0"/>
-          <a:ext cx="0" cy="0"/>
-          <a:chOff x="0" y="0"/>
-          <a:chExt cx="0" cy="0"/>
-        </a:xfrm>
-      </p:grpSpPr>
-      <p:sp>
-        <p:nvSpPr>
-          <p:cNvPr id="5" name="Title 4">
-            <a:extLst>
-              <a:ext uri="{FF2B5EF4-FFF2-40B4-BE49-F238E27FC236}">
-                <a16:creationId xmlns:a16="http://schemas.microsoft.com/office/drawing/2014/main" id="{7445A3EF-F95F-1ADA-66F9-800ADE9B40C6}"/>
-              </a:ext>
-            </a:extLst>
-          </p:cNvPr>
-          <p:cNvSpPr>
-            <a:spLocks noGrp="1"/>
-          </p:cNvSpPr>
-          <p:nvPr>
-            <p:ph type="title"/>
-          </p:nvPr>
-        </p:nvSpPr>
-        <p:spPr/>
-        <p:txBody>
-          <a:bodyPr/>
-          <a:lstStyle/>
-          <a:p>
-            <a:r>
-              <a:rPr lang="en-US"/>
-              <a:t>Rationale for extraction</a:t>
-            </a:r>
-            <a:endParaRPr lang="en-CA"/>
-          </a:p>
-        </p:txBody>
-      </p:sp>
-      <p:sp>
-        <p:nvSpPr>
-          <p:cNvPr id="6" name="Text Placeholder 5">
-            <a:extLst>
-              <a:ext uri="{FF2B5EF4-FFF2-40B4-BE49-F238E27FC236}">
-                <a16:creationId xmlns:a16="http://schemas.microsoft.com/office/drawing/2014/main" id="{D845FD7C-AA28-D0B4-33C4-A9DDAD29160A}"/>
-              </a:ext>
-            </a:extLst>
-          </p:cNvPr>
-          <p:cNvSpPr>
-            <a:spLocks noGrp="1"/>
-          </p:cNvSpPr>
-          <p:nvPr>
-            <p:ph type="body" sz="quarter" idx="13"/>
-          </p:nvPr>
-        </p:nvSpPr>
-        <p:spPr>
-          <a:xfrm>
-            <a:off x="614362" y="1357310"/>
-            <a:ext cx="4779759" cy="3098780"/>
-          </a:xfrm>
-        </p:spPr>
-        <p:txBody>
-          <a:bodyPr/>
-          <a:lstStyle/>
-          <a:p>
-            <a:r>
-              <a:rPr lang="en-US"/>
-              <a:t>Questionnaires aren’t ‘standard’ / interoperable</a:t>
-            </a:r>
-          </a:p>
-          <a:p>
-            <a:r>
-              <a:rPr lang="en-US"/>
-              <a:t>QuestionnaireResponses aren’t very searchable</a:t>
-            </a:r>
-          </a:p>
-          <a:p>
-            <a:r>
-              <a:rPr lang="en-US"/>
-              <a:t>Relevant data should appear in ‘one’ place</a:t>
-            </a:r>
-            <a:endParaRPr lang="en-CA"/>
-          </a:p>
-        </p:txBody>
-      </p:sp>
-      <p:sp>
-        <p:nvSpPr>
-          <p:cNvPr id="3" name="Footer Placeholder 2">
-            <a:extLst>
-              <a:ext uri="{FF2B5EF4-FFF2-40B4-BE49-F238E27FC236}">
-                <a16:creationId xmlns:a16="http://schemas.microsoft.com/office/drawing/2014/main" id="{D8136FED-0229-CDD8-8100-DABD768C7D44}"/>
-              </a:ext>
-            </a:extLst>
-          </p:cNvPr>
-          <p:cNvSpPr>
-            <a:spLocks noGrp="1"/>
-          </p:cNvSpPr>
-          <p:nvPr>
-            <p:ph type="ftr" sz="quarter" idx="10"/>
-          </p:nvPr>
-        </p:nvSpPr>
-        <p:spPr/>
-        <p:txBody>
-          <a:bodyPr/>
-          <a:lstStyle/>
-          <a:p>
-            <a:r>
-              <a:rPr lang="en-CA" b="1"/>
-              <a:t>© 2025 Health Level Seven ® International. All Rights Reserved. Published under the Creative Commons 3.0 Attribution Unported license</a:t>
-            </a:r>
-            <a:endParaRPr lang="en-US" b="1"/>
-          </a:p>
-        </p:txBody>
-      </p:sp>
-      <p:sp>
-        <p:nvSpPr>
-          <p:cNvPr id="4" name="Slide Number Placeholder 3">
-            <a:extLst>
-              <a:ext uri="{FF2B5EF4-FFF2-40B4-BE49-F238E27FC236}">
-                <a16:creationId xmlns:a16="http://schemas.microsoft.com/office/drawing/2014/main" id="{9C24CF50-A2AB-9E57-631F-D717DB7B4C6C}"/>
-              </a:ext>
-            </a:extLst>
-          </p:cNvPr>
-          <p:cNvSpPr>
-            <a:spLocks noGrp="1"/>
-          </p:cNvSpPr>
-          <p:nvPr>
-            <p:ph type="sldNum" sz="quarter" idx="11"/>
-          </p:nvPr>
-        </p:nvSpPr>
-        <p:spPr/>
-        <p:txBody>
-          <a:bodyPr/>
-          <a:lstStyle/>
-          <a:p>
-            <a:fld id="{6CACE926-AEF5-4BFE-8BD7-24414108CB7B}" type="slidenum">
-              <a:rPr lang="en-US" altLang="en-US" smtClean="0"/>
-              <a:pPr/>
-              <a:t>10</a:t>
-            </a:fld>
-            <a:endParaRPr lang="en-US" altLang="en-US"/>
-          </a:p>
-        </p:txBody>
-      </p:sp>
-      <p:pic>
-        <p:nvPicPr>
-          <p:cNvPr id="8" name="Picture 7" descr="A hand holding a yellow paper with black text&#10;&#10;Description automatically generated">
-            <a:extLst>
-              <a:ext uri="{FF2B5EF4-FFF2-40B4-BE49-F238E27FC236}">
-                <a16:creationId xmlns:a16="http://schemas.microsoft.com/office/drawing/2014/main" id="{609A5118-F888-EB8B-E4FB-A7DC35D2673C}"/>
-              </a:ext>
-            </a:extLst>
-          </p:cNvPr>
-          <p:cNvPicPr>
-            <a:picLocks noChangeAspect="1"/>
-          </p:cNvPicPr>
-          <p:nvPr/>
-        </p:nvPicPr>
-        <p:blipFill>
-          <a:blip r:embed="rId2">
-            <a:extLst>
-              <a:ext uri="{837473B0-CC2E-450A-ABE3-18F120FF3D39}">
-                <a1611:picAttrSrcUrl xmlns:a1611="http://schemas.microsoft.com/office/drawing/2016/11/main" r:id="rId3"/>
-              </a:ext>
-            </a:extLst>
-          </a:blip>
-          <a:stretch>
-            <a:fillRect/>
-          </a:stretch>
-        </p:blipFill>
-        <p:spPr>
-          <a:xfrm>
-            <a:off x="5730875" y="1476462"/>
-            <a:ext cx="2495725" cy="1871794"/>
-          </a:xfrm>
-          <a:prstGeom prst="rect">
-            <a:avLst/>
-          </a:prstGeom>
-        </p:spPr>
-      </p:pic>
-    </p:spTree>
-    <p:extLst>
-      <p:ext uri="{BB962C8B-B14F-4D97-AF65-F5344CB8AC3E}">
-        <p14:creationId xmlns:p14="http://schemas.microsoft.com/office/powerpoint/2010/main" val="2725813447"/>
-      </p:ext>
-    </p:extLst>
-  </p:cSld>
-  <p:clrMapOvr>
-    <a:masterClrMapping/>
-  </p:clrMapOvr>
-</p:sld>
-</file>
-
-<file path=ppt/slides/slide11.xml><?xml version="1.0" encoding="utf-8"?>
 <p:sld xmlns:a="http://schemas.openxmlformats.org/drawingml/2006/main" xmlns:r="http://schemas.openxmlformats.org/officeDocument/2006/relationships" xmlns:p="http://schemas.openxmlformats.org/presentationml/2006/main">
   <p:cSld>
     <p:spTree>
@@ -42885,7 +42886,7 @@
 </p:sld>
 </file>
 
-<file path=ppt/slides/slide12.xml><?xml version="1.0" encoding="utf-8"?>
+<file path=ppt/slides/slide11.xml><?xml version="1.0" encoding="utf-8"?>
 <p:sld xmlns:a="http://schemas.openxmlformats.org/drawingml/2006/main" xmlns:r="http://schemas.openxmlformats.org/officeDocument/2006/relationships" xmlns:p="http://schemas.openxmlformats.org/presentationml/2006/main">
   <p:cSld>
     <p:spTree>
@@ -43066,7 +43067,7 @@
             <a:fld id="{6CACE926-AEF5-4BFE-8BD7-24414108CB7B}" type="slidenum">
               <a:rPr lang="en-US" altLang="en-US" smtClean="0"/>
               <a:pPr/>
-              <a:t>12</a:t>
+              <a:t>11</a:t>
             </a:fld>
             <a:endParaRPr lang="en-US" altLang="en-US"/>
           </a:p>
@@ -43090,7 +43091,7 @@
 </p:sld>
 </file>
 
-<file path=ppt/slides/slide13.xml><?xml version="1.0" encoding="utf-8"?>
+<file path=ppt/slides/slide12.xml><?xml version="1.0" encoding="utf-8"?>
 <p:sld xmlns:a="http://schemas.openxmlformats.org/drawingml/2006/main" xmlns:r="http://schemas.openxmlformats.org/officeDocument/2006/relationships" xmlns:p="http://schemas.openxmlformats.org/presentationml/2006/main">
   <p:cSld>
     <p:spTree>
@@ -43256,7 +43257,7 @@
             <a:fld id="{6CACE926-AEF5-4BFE-8BD7-24414108CB7B}" type="slidenum">
               <a:rPr lang="en-US" altLang="en-US" smtClean="0"/>
               <a:pPr/>
-              <a:t>13</a:t>
+              <a:t>12</a:t>
             </a:fld>
             <a:endParaRPr lang="en-US" altLang="en-US"/>
           </a:p>
@@ -43275,7 +43276,7 @@
 </p:sld>
 </file>
 
-<file path=ppt/slides/slide14.xml><?xml version="1.0" encoding="utf-8"?>
+<file path=ppt/slides/slide13.xml><?xml version="1.0" encoding="utf-8"?>
 <p:sld xmlns:a="http://schemas.openxmlformats.org/drawingml/2006/main" xmlns:r="http://schemas.openxmlformats.org/officeDocument/2006/relationships" xmlns:p="http://schemas.openxmlformats.org/presentationml/2006/main">
   <p:cSld>
     <p:spTree>
@@ -43423,7 +43424,7 @@
             <a:fld id="{6CACE926-AEF5-4BFE-8BD7-24414108CB7B}" type="slidenum">
               <a:rPr lang="en-US" altLang="en-US" smtClean="0"/>
               <a:pPr/>
-              <a:t>14</a:t>
+              <a:t>13</a:t>
             </a:fld>
             <a:endParaRPr lang="en-US" altLang="en-US"/>
           </a:p>
@@ -43442,7 +43443,7 @@
 </p:sld>
 </file>
 
-<file path=ppt/slides/slide15.xml><?xml version="1.0" encoding="utf-8"?>
+<file path=ppt/slides/slide14.xml><?xml version="1.0" encoding="utf-8"?>
 <p:sld xmlns:a="http://schemas.openxmlformats.org/drawingml/2006/main" xmlns:r="http://schemas.openxmlformats.org/officeDocument/2006/relationships" xmlns:p="http://schemas.openxmlformats.org/presentationml/2006/main">
   <p:cSld>
     <p:spTree>
@@ -43617,7 +43618,7 @@
             <a:fld id="{6CACE926-AEF5-4BFE-8BD7-24414108CB7B}" type="slidenum">
               <a:rPr lang="en-US" altLang="en-US" smtClean="0"/>
               <a:pPr/>
-              <a:t>15</a:t>
+              <a:t>14</a:t>
             </a:fld>
             <a:endParaRPr lang="en-US" altLang="en-US"/>
           </a:p>
@@ -43636,7 +43637,7 @@
 </p:sld>
 </file>
 
-<file path=ppt/slides/slide16.xml><?xml version="1.0" encoding="utf-8"?>
+<file path=ppt/slides/slide15.xml><?xml version="1.0" encoding="utf-8"?>
 <p:sld xmlns:a="http://schemas.openxmlformats.org/drawingml/2006/main" xmlns:r="http://schemas.openxmlformats.org/officeDocument/2006/relationships" xmlns:p="http://schemas.openxmlformats.org/presentationml/2006/main">
   <p:cSld>
     <p:spTree>
@@ -43797,7 +43798,7 @@
             <a:fld id="{6CACE926-AEF5-4BFE-8BD7-24414108CB7B}" type="slidenum">
               <a:rPr lang="en-US" altLang="en-US" smtClean="0"/>
               <a:pPr/>
-              <a:t>16</a:t>
+              <a:t>15</a:t>
             </a:fld>
             <a:endParaRPr lang="en-US" altLang="en-US"/>
           </a:p>
@@ -43816,7 +43817,7 @@
 </p:sld>
 </file>
 
-<file path=ppt/slides/slide17.xml><?xml version="1.0" encoding="utf-8"?>
+<file path=ppt/slides/slide16.xml><?xml version="1.0" encoding="utf-8"?>
 <p:sld xmlns:a="http://schemas.openxmlformats.org/drawingml/2006/main" xmlns:r="http://schemas.openxmlformats.org/officeDocument/2006/relationships" xmlns:p="http://schemas.openxmlformats.org/presentationml/2006/main">
   <p:cSld>
     <p:spTree>
@@ -43964,7 +43965,7 @@
             <a:fld id="{6CACE926-AEF5-4BFE-8BD7-24414108CB7B}" type="slidenum">
               <a:rPr lang="en-US" altLang="en-US" smtClean="0"/>
               <a:pPr/>
-              <a:t>17</a:t>
+              <a:t>16</a:t>
             </a:fld>
             <a:endParaRPr lang="en-US" altLang="en-US"/>
           </a:p>
@@ -43983,7 +43984,7 @@
 </p:sld>
 </file>
 
-<file path=ppt/slides/slide18.xml><?xml version="1.0" encoding="utf-8"?>
+<file path=ppt/slides/slide17.xml><?xml version="1.0" encoding="utf-8"?>
 <p:sld xmlns:a="http://schemas.openxmlformats.org/drawingml/2006/main" xmlns:r="http://schemas.openxmlformats.org/officeDocument/2006/relationships" xmlns:p="http://schemas.openxmlformats.org/presentationml/2006/main">
   <p:cSld>
     <p:spTree>
@@ -44929,7 +44930,7 @@
 </p:sld>
 </file>
 
-<file path=ppt/slides/slide19.xml><?xml version="1.0" encoding="utf-8"?>
+<file path=ppt/slides/slide18.xml><?xml version="1.0" encoding="utf-8"?>
 <p:sld xmlns:a="http://schemas.openxmlformats.org/drawingml/2006/main" xmlns:r="http://schemas.openxmlformats.org/officeDocument/2006/relationships" xmlns:p="http://schemas.openxmlformats.org/presentationml/2006/main">
   <p:cSld>
     <p:spTree>
@@ -45028,7 +45029,7 @@
             <a:fld id="{6CACE926-AEF5-4BFE-8BD7-24414108CB7B}" type="slidenum">
               <a:rPr lang="en-US" altLang="en-US" smtClean="0"/>
               <a:pPr/>
-              <a:t>19</a:t>
+              <a:t>18</a:t>
             </a:fld>
             <a:endParaRPr lang="en-US" altLang="en-US"/>
           </a:p>
@@ -45115,471 +45116,7 @@
 </p:sld>
 </file>
 
-<file path=ppt/slides/slide2.xml><?xml version="1.0" encoding="utf-8"?>
-<p:sld xmlns:a="http://schemas.openxmlformats.org/drawingml/2006/main" xmlns:r="http://schemas.openxmlformats.org/officeDocument/2006/relationships" xmlns:p="http://schemas.openxmlformats.org/presentationml/2006/main">
-  <p:cSld>
-    <p:bg>
-      <p:bgPr>
-        <a:blipFill dpi="0" rotWithShape="1">
-          <a:blip r:embed="rId2">
-            <a:lum/>
-          </a:blip>
-          <a:srcRect/>
-          <a:stretch>
-            <a:fillRect/>
-          </a:stretch>
-        </a:blipFill>
-        <a:effectLst/>
-      </p:bgPr>
-    </p:bg>
-    <p:spTree>
-      <p:nvGrpSpPr>
-        <p:cNvPr id="1" name=""/>
-        <p:cNvGrpSpPr/>
-        <p:nvPr/>
-      </p:nvGrpSpPr>
-      <p:grpSpPr>
-        <a:xfrm>
-          <a:off x="0" y="0"/>
-          <a:ext cx="0" cy="0"/>
-          <a:chOff x="0" y="0"/>
-          <a:chExt cx="0" cy="0"/>
-        </a:xfrm>
-      </p:grpSpPr>
-      <p:sp>
-        <p:nvSpPr>
-          <p:cNvPr id="6" name="Text Placeholder 5">
-            <a:extLst>
-              <a:ext uri="{FF2B5EF4-FFF2-40B4-BE49-F238E27FC236}">
-                <a16:creationId xmlns:a16="http://schemas.microsoft.com/office/drawing/2014/main" id="{32A55B74-6F49-9F22-9178-DE37CD82D03E}"/>
-              </a:ext>
-            </a:extLst>
-          </p:cNvPr>
-          <p:cNvSpPr>
-            <a:spLocks noGrp="1"/>
-          </p:cNvSpPr>
-          <p:nvPr>
-            <p:ph type="body" sz="quarter" idx="16"/>
-          </p:nvPr>
-        </p:nvSpPr>
-        <p:spPr>
-          <a:xfrm>
-            <a:off x="534075" y="4603166"/>
-            <a:ext cx="4057650" cy="207749"/>
-          </a:xfrm>
-        </p:spPr>
-        <p:txBody>
-          <a:bodyPr/>
-          <a:lstStyle>
-            <a:defPPr>
-              <a:defRPr lang="en-US"/>
-            </a:defPPr>
-            <a:lvl1pPr marL="0" algn="l" defTabSz="685800" rtl="0" eaLnBrk="1" latinLnBrk="0" hangingPunct="1">
-              <a:defRPr sz="1350" kern="1200">
-                <a:solidFill>
-                  <a:schemeClr val="tx1"/>
-                </a:solidFill>
-                <a:latin typeface="+mn-lt"/>
-                <a:ea typeface="+mn-ea"/>
-                <a:cs typeface="+mn-cs"/>
-              </a:defRPr>
-            </a:lvl1pPr>
-            <a:lvl2pPr marL="342900" algn="l" defTabSz="685800" rtl="0" eaLnBrk="1" latinLnBrk="0" hangingPunct="1">
-              <a:defRPr sz="1350" kern="1200">
-                <a:solidFill>
-                  <a:schemeClr val="tx1"/>
-                </a:solidFill>
-                <a:latin typeface="+mn-lt"/>
-                <a:ea typeface="+mn-ea"/>
-                <a:cs typeface="+mn-cs"/>
-              </a:defRPr>
-            </a:lvl2pPr>
-            <a:lvl3pPr marL="685800" algn="l" defTabSz="685800" rtl="0" eaLnBrk="1" latinLnBrk="0" hangingPunct="1">
-              <a:defRPr sz="1350" kern="1200">
-                <a:solidFill>
-                  <a:schemeClr val="tx1"/>
-                </a:solidFill>
-                <a:latin typeface="+mn-lt"/>
-                <a:ea typeface="+mn-ea"/>
-                <a:cs typeface="+mn-cs"/>
-              </a:defRPr>
-            </a:lvl3pPr>
-            <a:lvl4pPr marL="1028700" algn="l" defTabSz="685800" rtl="0" eaLnBrk="1" latinLnBrk="0" hangingPunct="1">
-              <a:defRPr sz="1350" kern="1200">
-                <a:solidFill>
-                  <a:schemeClr val="tx1"/>
-                </a:solidFill>
-                <a:latin typeface="+mn-lt"/>
-                <a:ea typeface="+mn-ea"/>
-                <a:cs typeface="+mn-cs"/>
-              </a:defRPr>
-            </a:lvl4pPr>
-            <a:lvl5pPr marL="1371600" algn="l" defTabSz="685800" rtl="0" eaLnBrk="1" latinLnBrk="0" hangingPunct="1">
-              <a:defRPr sz="1350" kern="1200">
-                <a:solidFill>
-                  <a:schemeClr val="tx1"/>
-                </a:solidFill>
-                <a:latin typeface="+mn-lt"/>
-                <a:ea typeface="+mn-ea"/>
-                <a:cs typeface="+mn-cs"/>
-              </a:defRPr>
-            </a:lvl5pPr>
-            <a:lvl6pPr marL="1714500" algn="l" defTabSz="685800" rtl="0" eaLnBrk="1" latinLnBrk="0" hangingPunct="1">
-              <a:defRPr sz="1350" kern="1200">
-                <a:solidFill>
-                  <a:schemeClr val="tx1"/>
-                </a:solidFill>
-                <a:latin typeface="+mn-lt"/>
-                <a:ea typeface="+mn-ea"/>
-                <a:cs typeface="+mn-cs"/>
-              </a:defRPr>
-            </a:lvl6pPr>
-            <a:lvl7pPr marL="2057400" algn="l" defTabSz="685800" rtl="0" eaLnBrk="1" latinLnBrk="0" hangingPunct="1">
-              <a:defRPr sz="1350" kern="1200">
-                <a:solidFill>
-                  <a:schemeClr val="tx1"/>
-                </a:solidFill>
-                <a:latin typeface="+mn-lt"/>
-                <a:ea typeface="+mn-ea"/>
-                <a:cs typeface="+mn-cs"/>
-              </a:defRPr>
-            </a:lvl7pPr>
-            <a:lvl8pPr marL="2400300" algn="l" defTabSz="685800" rtl="0" eaLnBrk="1" latinLnBrk="0" hangingPunct="1">
-              <a:defRPr sz="1350" kern="1200">
-                <a:solidFill>
-                  <a:schemeClr val="tx1"/>
-                </a:solidFill>
-                <a:latin typeface="+mn-lt"/>
-                <a:ea typeface="+mn-ea"/>
-                <a:cs typeface="+mn-cs"/>
-              </a:defRPr>
-            </a:lvl8pPr>
-            <a:lvl9pPr marL="2743200" algn="l" defTabSz="685800" rtl="0" eaLnBrk="1" latinLnBrk="0" hangingPunct="1">
-              <a:defRPr sz="1350" kern="1200">
-                <a:solidFill>
-                  <a:schemeClr val="tx1"/>
-                </a:solidFill>
-                <a:latin typeface="+mn-lt"/>
-                <a:ea typeface="+mn-ea"/>
-                <a:cs typeface="+mn-cs"/>
-              </a:defRPr>
-            </a:lvl9pPr>
-          </a:lstStyle>
-          <a:p>
-            <a:r>
-              <a:rPr lang="en-US" dirty="0">
-                <a:cs typeface="Arial"/>
-              </a:rPr>
-              <a:t>Lloyd McKenzie | February 2025</a:t>
-            </a:r>
-            <a:endParaRPr lang="en-US" dirty="0"/>
-          </a:p>
-        </p:txBody>
-      </p:sp>
-      <p:sp>
-        <p:nvSpPr>
-          <p:cNvPr id="2" name="Text Placeholder 1">
-            <a:extLst>
-              <a:ext uri="{FF2B5EF4-FFF2-40B4-BE49-F238E27FC236}">
-                <a16:creationId xmlns:a16="http://schemas.microsoft.com/office/drawing/2014/main" id="{E265F639-6FEA-A56A-8782-FB04C81D81D5}"/>
-              </a:ext>
-            </a:extLst>
-          </p:cNvPr>
-          <p:cNvSpPr>
-            <a:spLocks noGrp="1"/>
-          </p:cNvSpPr>
-          <p:nvPr>
-            <p:ph type="body" sz="quarter" idx="14"/>
-          </p:nvPr>
-        </p:nvSpPr>
-        <p:spPr>
-          <a:xfrm>
-            <a:off x="534075" y="2756496"/>
-            <a:ext cx="4057650" cy="207749"/>
-          </a:xfrm>
-        </p:spPr>
-        <p:txBody>
-          <a:bodyPr/>
-          <a:lstStyle>
-            <a:defPPr>
-              <a:defRPr lang="en-US"/>
-            </a:defPPr>
-            <a:lvl1pPr marL="0" algn="l" defTabSz="685800" rtl="0" eaLnBrk="1" latinLnBrk="0" hangingPunct="1">
-              <a:defRPr sz="1350" kern="1200">
-                <a:solidFill>
-                  <a:schemeClr val="tx1"/>
-                </a:solidFill>
-                <a:latin typeface="+mn-lt"/>
-                <a:ea typeface="+mn-ea"/>
-                <a:cs typeface="+mn-cs"/>
-              </a:defRPr>
-            </a:lvl1pPr>
-            <a:lvl2pPr marL="342900" algn="l" defTabSz="685800" rtl="0" eaLnBrk="1" latinLnBrk="0" hangingPunct="1">
-              <a:defRPr sz="1350" kern="1200">
-                <a:solidFill>
-                  <a:schemeClr val="tx1"/>
-                </a:solidFill>
-                <a:latin typeface="+mn-lt"/>
-                <a:ea typeface="+mn-ea"/>
-                <a:cs typeface="+mn-cs"/>
-              </a:defRPr>
-            </a:lvl2pPr>
-            <a:lvl3pPr marL="685800" algn="l" defTabSz="685800" rtl="0" eaLnBrk="1" latinLnBrk="0" hangingPunct="1">
-              <a:defRPr sz="1350" kern="1200">
-                <a:solidFill>
-                  <a:schemeClr val="tx1"/>
-                </a:solidFill>
-                <a:latin typeface="+mn-lt"/>
-                <a:ea typeface="+mn-ea"/>
-                <a:cs typeface="+mn-cs"/>
-              </a:defRPr>
-            </a:lvl3pPr>
-            <a:lvl4pPr marL="1028700" algn="l" defTabSz="685800" rtl="0" eaLnBrk="1" latinLnBrk="0" hangingPunct="1">
-              <a:defRPr sz="1350" kern="1200">
-                <a:solidFill>
-                  <a:schemeClr val="tx1"/>
-                </a:solidFill>
-                <a:latin typeface="+mn-lt"/>
-                <a:ea typeface="+mn-ea"/>
-                <a:cs typeface="+mn-cs"/>
-              </a:defRPr>
-            </a:lvl4pPr>
-            <a:lvl5pPr marL="1371600" algn="l" defTabSz="685800" rtl="0" eaLnBrk="1" latinLnBrk="0" hangingPunct="1">
-              <a:defRPr sz="1350" kern="1200">
-                <a:solidFill>
-                  <a:schemeClr val="tx1"/>
-                </a:solidFill>
-                <a:latin typeface="+mn-lt"/>
-                <a:ea typeface="+mn-ea"/>
-                <a:cs typeface="+mn-cs"/>
-              </a:defRPr>
-            </a:lvl5pPr>
-            <a:lvl6pPr marL="1714500" algn="l" defTabSz="685800" rtl="0" eaLnBrk="1" latinLnBrk="0" hangingPunct="1">
-              <a:defRPr sz="1350" kern="1200">
-                <a:solidFill>
-                  <a:schemeClr val="tx1"/>
-                </a:solidFill>
-                <a:latin typeface="+mn-lt"/>
-                <a:ea typeface="+mn-ea"/>
-                <a:cs typeface="+mn-cs"/>
-              </a:defRPr>
-            </a:lvl6pPr>
-            <a:lvl7pPr marL="2057400" algn="l" defTabSz="685800" rtl="0" eaLnBrk="1" latinLnBrk="0" hangingPunct="1">
-              <a:defRPr sz="1350" kern="1200">
-                <a:solidFill>
-                  <a:schemeClr val="tx1"/>
-                </a:solidFill>
-                <a:latin typeface="+mn-lt"/>
-                <a:ea typeface="+mn-ea"/>
-                <a:cs typeface="+mn-cs"/>
-              </a:defRPr>
-            </a:lvl7pPr>
-            <a:lvl8pPr marL="2400300" algn="l" defTabSz="685800" rtl="0" eaLnBrk="1" latinLnBrk="0" hangingPunct="1">
-              <a:defRPr sz="1350" kern="1200">
-                <a:solidFill>
-                  <a:schemeClr val="tx1"/>
-                </a:solidFill>
-                <a:latin typeface="+mn-lt"/>
-                <a:ea typeface="+mn-ea"/>
-                <a:cs typeface="+mn-cs"/>
-              </a:defRPr>
-            </a:lvl8pPr>
-            <a:lvl9pPr marL="2743200" algn="l" defTabSz="685800" rtl="0" eaLnBrk="1" latinLnBrk="0" hangingPunct="1">
-              <a:defRPr sz="1350" kern="1200">
-                <a:solidFill>
-                  <a:schemeClr val="tx1"/>
-                </a:solidFill>
-                <a:latin typeface="+mn-lt"/>
-                <a:ea typeface="+mn-ea"/>
-                <a:cs typeface="+mn-cs"/>
-              </a:defRPr>
-            </a:lvl9pPr>
-          </a:lstStyle>
-          <a:p>
-            <a:r>
-              <a:rPr lang="en-US" dirty="0">
-                <a:cs typeface="Arial"/>
-              </a:rPr>
-              <a:t>Extraction</a:t>
-            </a:r>
-            <a:endParaRPr lang="en-US" dirty="0"/>
-          </a:p>
-        </p:txBody>
-      </p:sp>
-      <p:sp>
-        <p:nvSpPr>
-          <p:cNvPr id="7" name="Text Placeholder 6">
-            <a:extLst>
-              <a:ext uri="{FF2B5EF4-FFF2-40B4-BE49-F238E27FC236}">
-                <a16:creationId xmlns:a16="http://schemas.microsoft.com/office/drawing/2014/main" id="{4F7F09CA-AAA3-4BE6-D1C9-77D304F05A8A}"/>
-              </a:ext>
-            </a:extLst>
-          </p:cNvPr>
-          <p:cNvSpPr>
-            <a:spLocks noGrp="1"/>
-          </p:cNvSpPr>
-          <p:nvPr>
-            <p:ph type="body" sz="quarter" idx="17"/>
-          </p:nvPr>
-        </p:nvSpPr>
-        <p:spPr>
-          <a:xfrm>
-            <a:off x="534075" y="2263771"/>
-            <a:ext cx="4383157" cy="182807"/>
-          </a:xfrm>
-        </p:spPr>
-        <p:txBody>
-          <a:bodyPr/>
-          <a:lstStyle>
-            <a:defPPr>
-              <a:defRPr lang="en-US"/>
-            </a:defPPr>
-            <a:lvl1pPr marL="0" algn="l" defTabSz="685800" rtl="0" eaLnBrk="1" latinLnBrk="0" hangingPunct="1">
-              <a:defRPr sz="1350" kern="1200">
-                <a:solidFill>
-                  <a:schemeClr val="tx1"/>
-                </a:solidFill>
-                <a:latin typeface="+mn-lt"/>
-                <a:ea typeface="+mn-ea"/>
-                <a:cs typeface="+mn-cs"/>
-              </a:defRPr>
-            </a:lvl1pPr>
-            <a:lvl2pPr marL="342900" algn="l" defTabSz="685800" rtl="0" eaLnBrk="1" latinLnBrk="0" hangingPunct="1">
-              <a:defRPr sz="1350" kern="1200">
-                <a:solidFill>
-                  <a:schemeClr val="tx1"/>
-                </a:solidFill>
-                <a:latin typeface="+mn-lt"/>
-                <a:ea typeface="+mn-ea"/>
-                <a:cs typeface="+mn-cs"/>
-              </a:defRPr>
-            </a:lvl2pPr>
-            <a:lvl3pPr marL="685800" algn="l" defTabSz="685800" rtl="0" eaLnBrk="1" latinLnBrk="0" hangingPunct="1">
-              <a:defRPr sz="1350" kern="1200">
-                <a:solidFill>
-                  <a:schemeClr val="tx1"/>
-                </a:solidFill>
-                <a:latin typeface="+mn-lt"/>
-                <a:ea typeface="+mn-ea"/>
-                <a:cs typeface="+mn-cs"/>
-              </a:defRPr>
-            </a:lvl3pPr>
-            <a:lvl4pPr marL="1028700" algn="l" defTabSz="685800" rtl="0" eaLnBrk="1" latinLnBrk="0" hangingPunct="1">
-              <a:defRPr sz="1350" kern="1200">
-                <a:solidFill>
-                  <a:schemeClr val="tx1"/>
-                </a:solidFill>
-                <a:latin typeface="+mn-lt"/>
-                <a:ea typeface="+mn-ea"/>
-                <a:cs typeface="+mn-cs"/>
-              </a:defRPr>
-            </a:lvl4pPr>
-            <a:lvl5pPr marL="1371600" algn="l" defTabSz="685800" rtl="0" eaLnBrk="1" latinLnBrk="0" hangingPunct="1">
-              <a:defRPr sz="1350" kern="1200">
-                <a:solidFill>
-                  <a:schemeClr val="tx1"/>
-                </a:solidFill>
-                <a:latin typeface="+mn-lt"/>
-                <a:ea typeface="+mn-ea"/>
-                <a:cs typeface="+mn-cs"/>
-              </a:defRPr>
-            </a:lvl5pPr>
-            <a:lvl6pPr marL="1714500" algn="l" defTabSz="685800" rtl="0" eaLnBrk="1" latinLnBrk="0" hangingPunct="1">
-              <a:defRPr sz="1350" kern="1200">
-                <a:solidFill>
-                  <a:schemeClr val="tx1"/>
-                </a:solidFill>
-                <a:latin typeface="+mn-lt"/>
-                <a:ea typeface="+mn-ea"/>
-                <a:cs typeface="+mn-cs"/>
-              </a:defRPr>
-            </a:lvl6pPr>
-            <a:lvl7pPr marL="2057400" algn="l" defTabSz="685800" rtl="0" eaLnBrk="1" latinLnBrk="0" hangingPunct="1">
-              <a:defRPr sz="1350" kern="1200">
-                <a:solidFill>
-                  <a:schemeClr val="tx1"/>
-                </a:solidFill>
-                <a:latin typeface="+mn-lt"/>
-                <a:ea typeface="+mn-ea"/>
-                <a:cs typeface="+mn-cs"/>
-              </a:defRPr>
-            </a:lvl7pPr>
-            <a:lvl8pPr marL="2400300" algn="l" defTabSz="685800" rtl="0" eaLnBrk="1" latinLnBrk="0" hangingPunct="1">
-              <a:defRPr sz="1350" kern="1200">
-                <a:solidFill>
-                  <a:schemeClr val="tx1"/>
-                </a:solidFill>
-                <a:latin typeface="+mn-lt"/>
-                <a:ea typeface="+mn-ea"/>
-                <a:cs typeface="+mn-cs"/>
-              </a:defRPr>
-            </a:lvl8pPr>
-            <a:lvl9pPr marL="2743200" algn="l" defTabSz="685800" rtl="0" eaLnBrk="1" latinLnBrk="0" hangingPunct="1">
-              <a:defRPr sz="1350" kern="1200">
-                <a:solidFill>
-                  <a:schemeClr val="tx1"/>
-                </a:solidFill>
-                <a:latin typeface="+mn-lt"/>
-                <a:ea typeface="+mn-ea"/>
-                <a:cs typeface="+mn-cs"/>
-              </a:defRPr>
-            </a:lvl9pPr>
-          </a:lstStyle>
-          <a:p>
-            <a:r>
-              <a:rPr lang="en-US" dirty="0">
-                <a:cs typeface="Arial"/>
-              </a:rPr>
-              <a:t>Structured Data Capture (SDC)</a:t>
-            </a:r>
-            <a:endParaRPr lang="en-US" dirty="0"/>
-          </a:p>
-        </p:txBody>
-      </p:sp>
-      <p:pic>
-        <p:nvPicPr>
-          <p:cNvPr id="3" name="Picture 2">
-            <a:extLst>
-              <a:ext uri="{FF2B5EF4-FFF2-40B4-BE49-F238E27FC236}">
-                <a16:creationId xmlns:a16="http://schemas.microsoft.com/office/drawing/2014/main" id="{D757EB45-C247-3B54-4921-3BF1D56F9D38}"/>
-              </a:ext>
-            </a:extLst>
-          </p:cNvPr>
-          <p:cNvPicPr>
-            <a:picLocks noChangeAspect="1"/>
-          </p:cNvPicPr>
-          <p:nvPr/>
-        </p:nvPicPr>
-        <p:blipFill>
-          <a:blip r:embed="rId3"/>
-          <a:stretch>
-            <a:fillRect/>
-          </a:stretch>
-        </p:blipFill>
-        <p:spPr>
-          <a:xfrm>
-            <a:off x="3375580" y="4601608"/>
-            <a:ext cx="1304925" cy="457200"/>
-          </a:xfrm>
-          <a:prstGeom prst="rect">
-            <a:avLst/>
-          </a:prstGeom>
-        </p:spPr>
-      </p:pic>
-    </p:spTree>
-    <p:extLst>
-      <p:ext uri="{BB962C8B-B14F-4D97-AF65-F5344CB8AC3E}">
-        <p14:creationId xmlns:p14="http://schemas.microsoft.com/office/powerpoint/2010/main" val="2030768388"/>
-      </p:ext>
-    </p:extLst>
-  </p:cSld>
-  <p:clrMapOvr>
-    <a:masterClrMapping/>
-  </p:clrMapOvr>
-</p:sld>
-</file>
-
-<file path=ppt/slides/slide20.xml><?xml version="1.0" encoding="utf-8"?>
+<file path=ppt/slides/slide19.xml><?xml version="1.0" encoding="utf-8"?>
 <p:sld xmlns:a="http://schemas.openxmlformats.org/drawingml/2006/main" xmlns:r="http://schemas.openxmlformats.org/officeDocument/2006/relationships" xmlns:p="http://schemas.openxmlformats.org/presentationml/2006/main">
   <p:cSld>
     <p:spTree>
@@ -45655,7 +45192,7 @@
             <a:fld id="{6CACE926-AEF5-4BFE-8BD7-24414108CB7B}" type="slidenum">
               <a:rPr lang="en-US" altLang="en-US" smtClean="0"/>
               <a:pPr/>
-              <a:t>20</a:t>
+              <a:t>19</a:t>
             </a:fld>
             <a:endParaRPr lang="en-US" altLang="en-US"/>
           </a:p>
@@ -45674,7 +45211,7 @@
           <p:nvPr>
             <p:extLst>
               <p:ext uri="{D42A27DB-BD31-4B8C-83A1-F6EECF244321}">
-                <p14:modId xmlns:p14="http://schemas.microsoft.com/office/powerpoint/2010/main" val="654550489"/>
+                <p14:modId xmlns:p14="http://schemas.microsoft.com/office/powerpoint/2010/main" val="2953154087"/>
               </p:ext>
             </p:extLst>
           </p:nvPr>
@@ -45702,7 +45239,240 @@
 </p:sld>
 </file>
 
-<file path=ppt/slides/slide21.xml><?xml version="1.0" encoding="utf-8"?>
+<file path=ppt/slides/slide2.xml><?xml version="1.0" encoding="utf-8"?>
+<p:sld xmlns:a="http://schemas.openxmlformats.org/drawingml/2006/main" xmlns:r="http://schemas.openxmlformats.org/officeDocument/2006/relationships" xmlns:p="http://schemas.openxmlformats.org/presentationml/2006/main">
+  <p:cSld>
+    <p:spTree>
+      <p:nvGrpSpPr>
+        <p:cNvPr id="1" name=""/>
+        <p:cNvGrpSpPr/>
+        <p:nvPr/>
+      </p:nvGrpSpPr>
+      <p:grpSpPr>
+        <a:xfrm>
+          <a:off x="0" y="0"/>
+          <a:ext cx="0" cy="0"/>
+          <a:chOff x="0" y="0"/>
+          <a:chExt cx="0" cy="0"/>
+        </a:xfrm>
+      </p:grpSpPr>
+      <p:sp>
+        <p:nvSpPr>
+          <p:cNvPr id="2" name="Title 1">
+            <a:extLst>
+              <a:ext uri="{FF2B5EF4-FFF2-40B4-BE49-F238E27FC236}">
+                <a16:creationId xmlns:a16="http://schemas.microsoft.com/office/drawing/2014/main" id="{982B60BE-5EFD-4D48-9D4F-7BA611A40098}"/>
+              </a:ext>
+            </a:extLst>
+          </p:cNvPr>
+          <p:cNvSpPr>
+            <a:spLocks noGrp="1"/>
+          </p:cNvSpPr>
+          <p:nvPr>
+            <p:ph type="title"/>
+          </p:nvPr>
+        </p:nvSpPr>
+        <p:spPr/>
+        <p:txBody>
+          <a:bodyPr/>
+          <a:lstStyle/>
+          <a:p>
+            <a:r>
+              <a:rPr lang="en-CA"/>
+              <a:t>Who am I?</a:t>
+            </a:r>
+          </a:p>
+        </p:txBody>
+      </p:sp>
+      <p:sp>
+        <p:nvSpPr>
+          <p:cNvPr id="3" name="Text Placeholder 2">
+            <a:extLst>
+              <a:ext uri="{FF2B5EF4-FFF2-40B4-BE49-F238E27FC236}">
+                <a16:creationId xmlns:a16="http://schemas.microsoft.com/office/drawing/2014/main" id="{F4F28625-56DE-4E6D-944A-39B2939B56B4}"/>
+              </a:ext>
+            </a:extLst>
+          </p:cNvPr>
+          <p:cNvSpPr>
+            <a:spLocks noGrp="1"/>
+          </p:cNvSpPr>
+          <p:nvPr>
+            <p:ph type="body" sz="quarter" idx="13"/>
+          </p:nvPr>
+        </p:nvSpPr>
+        <p:spPr/>
+        <p:txBody>
+          <a:bodyPr/>
+          <a:lstStyle/>
+          <a:p>
+            <a:r>
+              <a:rPr lang="en-US"/>
+              <a:t>Name: Lloyd McKenzie</a:t>
+            </a:r>
+          </a:p>
+          <a:p>
+            <a:r>
+              <a:rPr lang="en-US"/>
+              <a:t>Company: Dogwood Health</a:t>
+            </a:r>
+          </a:p>
+          <a:p>
+            <a:r>
+              <a:rPr lang="en-US"/>
+              <a:t>Background:</a:t>
+            </a:r>
+          </a:p>
+          <a:p>
+            <a:pPr lvl="1"/>
+            <a:r>
+              <a:rPr lang="en-US"/>
+              <a:t>One of FHIR’s 3 initial editors</a:t>
+            </a:r>
+          </a:p>
+          <a:p>
+            <a:pPr lvl="1"/>
+            <a:r>
+              <a:rPr lang="en-US"/>
+              <a:t>Co-chair FHIR-Infrastructure, past chair FHIR Management Group</a:t>
+            </a:r>
+          </a:p>
+          <a:p>
+            <a:pPr lvl="1"/>
+            <a:r>
+              <a:rPr lang="en-US"/>
+              <a:t>HL7 Fellow</a:t>
+            </a:r>
+          </a:p>
+          <a:p>
+            <a:pPr lvl="1"/>
+            <a:r>
+              <a:rPr lang="en-US"/>
+              <a:t>Lead for both the ONC and international FHIR SDC projects</a:t>
+            </a:r>
+          </a:p>
+          <a:p>
+            <a:pPr lvl="1"/>
+            <a:r>
+              <a:rPr lang="en-US">
+                <a:hlinkClick r:id="rId2"/>
+              </a:rPr>
+              <a:t>lloyd@dogwoodhealthconsulting.com</a:t>
+            </a:r>
+            <a:endParaRPr lang="en-CA"/>
+          </a:p>
+        </p:txBody>
+      </p:sp>
+      <p:sp>
+        <p:nvSpPr>
+          <p:cNvPr id="6" name="Footer Placeholder 5">
+            <a:extLst>
+              <a:ext uri="{FF2B5EF4-FFF2-40B4-BE49-F238E27FC236}">
+                <a16:creationId xmlns:a16="http://schemas.microsoft.com/office/drawing/2014/main" id="{6800A3FA-C98F-470C-B249-AC7AFCD5482D}"/>
+              </a:ext>
+            </a:extLst>
+          </p:cNvPr>
+          <p:cNvSpPr>
+            <a:spLocks noGrp="1"/>
+          </p:cNvSpPr>
+          <p:nvPr>
+            <p:ph type="ftr" sz="quarter" idx="10"/>
+          </p:nvPr>
+        </p:nvSpPr>
+        <p:spPr/>
+        <p:txBody>
+          <a:bodyPr/>
+          <a:lstStyle/>
+          <a:p>
+            <a:r>
+              <a:rPr lang="en-CA"/>
+              <a:t>© 2025 Health Level Seven ® International. All Rights Reserved. Published under the Creative Commons 3.0 Attribution </a:t>
+            </a:r>
+            <a:r>
+              <a:rPr lang="en-CA" err="1"/>
+              <a:t>Unported</a:t>
+            </a:r>
+            <a:r>
+              <a:rPr lang="en-CA"/>
+              <a:t> license</a:t>
+            </a:r>
+            <a:endParaRPr lang="en-US"/>
+          </a:p>
+        </p:txBody>
+      </p:sp>
+      <p:sp>
+        <p:nvSpPr>
+          <p:cNvPr id="5" name="Slide Number Placeholder 4">
+            <a:extLst>
+              <a:ext uri="{FF2B5EF4-FFF2-40B4-BE49-F238E27FC236}">
+                <a16:creationId xmlns:a16="http://schemas.microsoft.com/office/drawing/2014/main" id="{37233324-D520-44D6-BABD-140673A5B927}"/>
+              </a:ext>
+            </a:extLst>
+          </p:cNvPr>
+          <p:cNvSpPr>
+            <a:spLocks noGrp="1"/>
+          </p:cNvSpPr>
+          <p:nvPr>
+            <p:ph type="sldNum" sz="quarter" idx="11"/>
+          </p:nvPr>
+        </p:nvSpPr>
+        <p:spPr/>
+        <p:txBody>
+          <a:bodyPr/>
+          <a:lstStyle/>
+          <a:p>
+            <a:fld id="{6CACE926-AEF5-4BFE-8BD7-24414108CB7B}" type="slidenum">
+              <a:rPr lang="en-US" altLang="en-US" smtClean="0"/>
+              <a:pPr/>
+              <a:t>2</a:t>
+            </a:fld>
+            <a:endParaRPr lang="en-US" altLang="en-US"/>
+          </a:p>
+        </p:txBody>
+      </p:sp>
+      <p:pic>
+        <p:nvPicPr>
+          <p:cNvPr id="8" name="Picture 7" descr="A person wearing a suit and tie smiling at the camera&#10;&#10;Description automatically generated">
+            <a:extLst>
+              <a:ext uri="{FF2B5EF4-FFF2-40B4-BE49-F238E27FC236}">
+                <a16:creationId xmlns:a16="http://schemas.microsoft.com/office/drawing/2014/main" id="{549034C7-C9A0-4642-B53B-ACAA4B9277D9}"/>
+              </a:ext>
+            </a:extLst>
+          </p:cNvPr>
+          <p:cNvPicPr>
+            <a:picLocks noChangeAspect="1"/>
+          </p:cNvPicPr>
+          <p:nvPr/>
+        </p:nvPicPr>
+        <p:blipFill>
+          <a:blip r:embed="rId3"/>
+          <a:stretch>
+            <a:fillRect/>
+          </a:stretch>
+        </p:blipFill>
+        <p:spPr>
+          <a:xfrm>
+            <a:off x="6175300" y="597142"/>
+            <a:ext cx="2042891" cy="2042891"/>
+          </a:xfrm>
+          <a:prstGeom prst="rect">
+            <a:avLst/>
+          </a:prstGeom>
+        </p:spPr>
+      </p:pic>
+    </p:spTree>
+    <p:extLst>
+      <p:ext uri="{BB962C8B-B14F-4D97-AF65-F5344CB8AC3E}">
+        <p14:creationId xmlns:p14="http://schemas.microsoft.com/office/powerpoint/2010/main" val="1547336493"/>
+      </p:ext>
+    </p:extLst>
+  </p:cSld>
+  <p:clrMapOvr>
+    <a:masterClrMapping/>
+  </p:clrMapOvr>
+</p:sld>
+</file>
+
+<file path=ppt/slides/slide20.xml><?xml version="1.0" encoding="utf-8"?>
 <p:sld xmlns:a="http://schemas.openxmlformats.org/drawingml/2006/main" xmlns:r="http://schemas.openxmlformats.org/officeDocument/2006/relationships" xmlns:p="http://schemas.openxmlformats.org/presentationml/2006/main">
   <p:cSld>
     <p:spTree>
@@ -46034,7 +45804,7 @@
 </p:sld>
 </file>
 
-<file path=ppt/slides/slide22.xml><?xml version="1.0" encoding="utf-8"?>
+<file path=ppt/slides/slide21.xml><?xml version="1.0" encoding="utf-8"?>
 <p:sld xmlns:a="http://schemas.openxmlformats.org/drawingml/2006/main" xmlns:r="http://schemas.openxmlformats.org/officeDocument/2006/relationships" xmlns:p="http://schemas.openxmlformats.org/presentationml/2006/main">
   <p:cSld>
     <p:spTree>
@@ -46485,7 +46255,7 @@
 </p:sld>
 </file>
 
-<file path=ppt/slides/slide23.xml><?xml version="1.0" encoding="utf-8"?>
+<file path=ppt/slides/slide22.xml><?xml version="1.0" encoding="utf-8"?>
 <p:sld xmlns:a="http://schemas.openxmlformats.org/drawingml/2006/main" xmlns:r="http://schemas.openxmlformats.org/officeDocument/2006/relationships" xmlns:p="http://schemas.openxmlformats.org/presentationml/2006/main">
   <p:cSld>
     <p:spTree>
@@ -46631,7 +46401,7 @@
 </p:sld>
 </file>
 
-<file path=ppt/slides/slide24.xml><?xml version="1.0" encoding="utf-8"?>
+<file path=ppt/slides/slide23.xml><?xml version="1.0" encoding="utf-8"?>
 <p:sld xmlns:a="http://schemas.openxmlformats.org/drawingml/2006/main" xmlns:r="http://schemas.openxmlformats.org/officeDocument/2006/relationships" xmlns:p="http://schemas.openxmlformats.org/presentationml/2006/main">
   <p:cSld>
     <p:spTree>
@@ -46767,7 +46537,7 @@
             <a:fld id="{6CACE926-AEF5-4BFE-8BD7-24414108CB7B}" type="slidenum">
               <a:rPr lang="en-US" altLang="en-US" smtClean="0"/>
               <a:pPr/>
-              <a:t>24</a:t>
+              <a:t>23</a:t>
             </a:fld>
             <a:endParaRPr lang="en-US" altLang="en-US"/>
           </a:p>
@@ -46786,7 +46556,7 @@
 </p:sld>
 </file>
 
-<file path=ppt/slides/slide25.xml><?xml version="1.0" encoding="utf-8"?>
+<file path=ppt/slides/slide24.xml><?xml version="1.0" encoding="utf-8"?>
 <p:sld xmlns:a="http://schemas.openxmlformats.org/drawingml/2006/main" xmlns:r="http://schemas.openxmlformats.org/officeDocument/2006/relationships" xmlns:p="http://schemas.openxmlformats.org/presentationml/2006/main">
   <p:cSld>
     <p:spTree>
@@ -46862,7 +46632,7 @@
             <a:fld id="{6CACE926-AEF5-4BFE-8BD7-24414108CB7B}" type="slidenum">
               <a:rPr lang="en-US" altLang="en-US" smtClean="0"/>
               <a:pPr/>
-              <a:t>25</a:t>
+              <a:t>24</a:t>
             </a:fld>
             <a:endParaRPr lang="en-US" altLang="en-US"/>
           </a:p>
@@ -46881,7 +46651,7 @@
           <p:nvPr>
             <p:extLst>
               <p:ext uri="{D42A27DB-BD31-4B8C-83A1-F6EECF244321}">
-                <p14:modId xmlns:p14="http://schemas.microsoft.com/office/powerpoint/2010/main" val="2690467227"/>
+                <p14:modId xmlns:p14="http://schemas.microsoft.com/office/powerpoint/2010/main" val="2839004653"/>
               </p:ext>
             </p:extLst>
           </p:nvPr>
@@ -46909,7 +46679,7 @@
 </p:sld>
 </file>
 
-<file path=ppt/slides/slide26.xml><?xml version="1.0" encoding="utf-8"?>
+<file path=ppt/slides/slide25.xml><?xml version="1.0" encoding="utf-8"?>
 <p:sld xmlns:a="http://schemas.openxmlformats.org/drawingml/2006/main" xmlns:r="http://schemas.openxmlformats.org/officeDocument/2006/relationships" xmlns:p="http://schemas.openxmlformats.org/presentationml/2006/main">
   <p:cSld>
     <p:spTree>
@@ -47309,7 +47079,7 @@
 </p:sld>
 </file>
 
-<file path=ppt/slides/slide27.xml><?xml version="1.0" encoding="utf-8"?>
+<file path=ppt/slides/slide26.xml><?xml version="1.0" encoding="utf-8"?>
 <p:sld xmlns:a="http://schemas.openxmlformats.org/drawingml/2006/main" xmlns:r="http://schemas.openxmlformats.org/officeDocument/2006/relationships" xmlns:p="http://schemas.openxmlformats.org/presentationml/2006/main">
   <p:cSld>
     <p:spTree>
@@ -47487,7 +47257,7 @@
             <a:fld id="{6CACE926-AEF5-4BFE-8BD7-24414108CB7B}" type="slidenum">
               <a:rPr lang="en-US" altLang="en-US" smtClean="0"/>
               <a:pPr/>
-              <a:t>27</a:t>
+              <a:t>26</a:t>
             </a:fld>
             <a:endParaRPr lang="en-US" altLang="en-US"/>
           </a:p>
@@ -47506,7 +47276,7 @@
 </p:sld>
 </file>
 
-<file path=ppt/slides/slide28.xml><?xml version="1.0" encoding="utf-8"?>
+<file path=ppt/slides/slide27.xml><?xml version="1.0" encoding="utf-8"?>
 <p:sld xmlns:a="http://schemas.openxmlformats.org/drawingml/2006/main" xmlns:r="http://schemas.openxmlformats.org/officeDocument/2006/relationships" xmlns:p="http://schemas.openxmlformats.org/presentationml/2006/main">
   <p:cSld>
     <p:spTree>
@@ -47613,7 +47383,7 @@
             <a:fld id="{6CACE926-AEF5-4BFE-8BD7-24414108CB7B}" type="slidenum">
               <a:rPr lang="en-US" altLang="en-US" smtClean="0"/>
               <a:pPr/>
-              <a:t>28</a:t>
+              <a:t>27</a:t>
             </a:fld>
             <a:endParaRPr lang="en-US" altLang="en-US"/>
           </a:p>
@@ -47943,7 +47713,7 @@
 </p:sld>
 </file>
 
-<file path=ppt/slides/slide29.xml><?xml version="1.0" encoding="utf-8"?>
+<file path=ppt/slides/slide28.xml><?xml version="1.0" encoding="utf-8"?>
 <p:sld xmlns:a="http://schemas.openxmlformats.org/drawingml/2006/main" xmlns:r="http://schemas.openxmlformats.org/officeDocument/2006/relationships" xmlns:p="http://schemas.openxmlformats.org/presentationml/2006/main">
   <p:cSld>
     <p:spTree>
@@ -48113,7 +47883,7 @@
             <a:fld id="{6CACE926-AEF5-4BFE-8BD7-24414108CB7B}" type="slidenum">
               <a:rPr lang="en-US" altLang="en-US" smtClean="0"/>
               <a:pPr/>
-              <a:t>29</a:t>
+              <a:t>28</a:t>
             </a:fld>
             <a:endParaRPr lang="en-US" altLang="en-US"/>
           </a:p>
@@ -48242,240 +48012,7 @@
 </p:sld>
 </file>
 
-<file path=ppt/slides/slide3.xml><?xml version="1.0" encoding="utf-8"?>
-<p:sld xmlns:a="http://schemas.openxmlformats.org/drawingml/2006/main" xmlns:r="http://schemas.openxmlformats.org/officeDocument/2006/relationships" xmlns:p="http://schemas.openxmlformats.org/presentationml/2006/main">
-  <p:cSld>
-    <p:spTree>
-      <p:nvGrpSpPr>
-        <p:cNvPr id="1" name=""/>
-        <p:cNvGrpSpPr/>
-        <p:nvPr/>
-      </p:nvGrpSpPr>
-      <p:grpSpPr>
-        <a:xfrm>
-          <a:off x="0" y="0"/>
-          <a:ext cx="0" cy="0"/>
-          <a:chOff x="0" y="0"/>
-          <a:chExt cx="0" cy="0"/>
-        </a:xfrm>
-      </p:grpSpPr>
-      <p:sp>
-        <p:nvSpPr>
-          <p:cNvPr id="2" name="Title 1">
-            <a:extLst>
-              <a:ext uri="{FF2B5EF4-FFF2-40B4-BE49-F238E27FC236}">
-                <a16:creationId xmlns:a16="http://schemas.microsoft.com/office/drawing/2014/main" id="{982B60BE-5EFD-4D48-9D4F-7BA611A40098}"/>
-              </a:ext>
-            </a:extLst>
-          </p:cNvPr>
-          <p:cNvSpPr>
-            <a:spLocks noGrp="1"/>
-          </p:cNvSpPr>
-          <p:nvPr>
-            <p:ph type="title"/>
-          </p:nvPr>
-        </p:nvSpPr>
-        <p:spPr/>
-        <p:txBody>
-          <a:bodyPr/>
-          <a:lstStyle/>
-          <a:p>
-            <a:r>
-              <a:rPr lang="en-CA"/>
-              <a:t>Who am I?</a:t>
-            </a:r>
-          </a:p>
-        </p:txBody>
-      </p:sp>
-      <p:sp>
-        <p:nvSpPr>
-          <p:cNvPr id="3" name="Text Placeholder 2">
-            <a:extLst>
-              <a:ext uri="{FF2B5EF4-FFF2-40B4-BE49-F238E27FC236}">
-                <a16:creationId xmlns:a16="http://schemas.microsoft.com/office/drawing/2014/main" id="{F4F28625-56DE-4E6D-944A-39B2939B56B4}"/>
-              </a:ext>
-            </a:extLst>
-          </p:cNvPr>
-          <p:cNvSpPr>
-            <a:spLocks noGrp="1"/>
-          </p:cNvSpPr>
-          <p:nvPr>
-            <p:ph type="body" sz="quarter" idx="13"/>
-          </p:nvPr>
-        </p:nvSpPr>
-        <p:spPr/>
-        <p:txBody>
-          <a:bodyPr/>
-          <a:lstStyle/>
-          <a:p>
-            <a:r>
-              <a:rPr lang="en-US"/>
-              <a:t>Name: Lloyd McKenzie</a:t>
-            </a:r>
-          </a:p>
-          <a:p>
-            <a:r>
-              <a:rPr lang="en-US"/>
-              <a:t>Company: Dogwood Health</a:t>
-            </a:r>
-          </a:p>
-          <a:p>
-            <a:r>
-              <a:rPr lang="en-US"/>
-              <a:t>Background:</a:t>
-            </a:r>
-          </a:p>
-          <a:p>
-            <a:pPr lvl="1"/>
-            <a:r>
-              <a:rPr lang="en-US"/>
-              <a:t>One of FHIR’s 3 initial editors</a:t>
-            </a:r>
-          </a:p>
-          <a:p>
-            <a:pPr lvl="1"/>
-            <a:r>
-              <a:rPr lang="en-US"/>
-              <a:t>Co-chair FHIR-Infrastructure, past chair FHIR Management Group</a:t>
-            </a:r>
-          </a:p>
-          <a:p>
-            <a:pPr lvl="1"/>
-            <a:r>
-              <a:rPr lang="en-US"/>
-              <a:t>HL7 Fellow</a:t>
-            </a:r>
-          </a:p>
-          <a:p>
-            <a:pPr lvl="1"/>
-            <a:r>
-              <a:rPr lang="en-US"/>
-              <a:t>Lead for both the ONC and international FHIR SDC projects</a:t>
-            </a:r>
-          </a:p>
-          <a:p>
-            <a:pPr lvl="1"/>
-            <a:r>
-              <a:rPr lang="en-US">
-                <a:hlinkClick r:id="rId2"/>
-              </a:rPr>
-              <a:t>lloyd@dogwoodhealthconsulting.com</a:t>
-            </a:r>
-            <a:endParaRPr lang="en-CA"/>
-          </a:p>
-        </p:txBody>
-      </p:sp>
-      <p:sp>
-        <p:nvSpPr>
-          <p:cNvPr id="6" name="Footer Placeholder 5">
-            <a:extLst>
-              <a:ext uri="{FF2B5EF4-FFF2-40B4-BE49-F238E27FC236}">
-                <a16:creationId xmlns:a16="http://schemas.microsoft.com/office/drawing/2014/main" id="{6800A3FA-C98F-470C-B249-AC7AFCD5482D}"/>
-              </a:ext>
-            </a:extLst>
-          </p:cNvPr>
-          <p:cNvSpPr>
-            <a:spLocks noGrp="1"/>
-          </p:cNvSpPr>
-          <p:nvPr>
-            <p:ph type="ftr" sz="quarter" idx="10"/>
-          </p:nvPr>
-        </p:nvSpPr>
-        <p:spPr/>
-        <p:txBody>
-          <a:bodyPr/>
-          <a:lstStyle/>
-          <a:p>
-            <a:r>
-              <a:rPr lang="en-CA"/>
-              <a:t>© 2025 Health Level Seven ® International. All Rights Reserved. Published under the Creative Commons 3.0 Attribution </a:t>
-            </a:r>
-            <a:r>
-              <a:rPr lang="en-CA" err="1"/>
-              <a:t>Unported</a:t>
-            </a:r>
-            <a:r>
-              <a:rPr lang="en-CA"/>
-              <a:t> license</a:t>
-            </a:r>
-            <a:endParaRPr lang="en-US"/>
-          </a:p>
-        </p:txBody>
-      </p:sp>
-      <p:sp>
-        <p:nvSpPr>
-          <p:cNvPr id="5" name="Slide Number Placeholder 4">
-            <a:extLst>
-              <a:ext uri="{FF2B5EF4-FFF2-40B4-BE49-F238E27FC236}">
-                <a16:creationId xmlns:a16="http://schemas.microsoft.com/office/drawing/2014/main" id="{37233324-D520-44D6-BABD-140673A5B927}"/>
-              </a:ext>
-            </a:extLst>
-          </p:cNvPr>
-          <p:cNvSpPr>
-            <a:spLocks noGrp="1"/>
-          </p:cNvSpPr>
-          <p:nvPr>
-            <p:ph type="sldNum" sz="quarter" idx="11"/>
-          </p:nvPr>
-        </p:nvSpPr>
-        <p:spPr/>
-        <p:txBody>
-          <a:bodyPr/>
-          <a:lstStyle/>
-          <a:p>
-            <a:fld id="{6CACE926-AEF5-4BFE-8BD7-24414108CB7B}" type="slidenum">
-              <a:rPr lang="en-US" altLang="en-US" smtClean="0"/>
-              <a:pPr/>
-              <a:t>3</a:t>
-            </a:fld>
-            <a:endParaRPr lang="en-US" altLang="en-US"/>
-          </a:p>
-        </p:txBody>
-      </p:sp>
-      <p:pic>
-        <p:nvPicPr>
-          <p:cNvPr id="8" name="Picture 7" descr="A person wearing a suit and tie smiling at the camera&#10;&#10;Description automatically generated">
-            <a:extLst>
-              <a:ext uri="{FF2B5EF4-FFF2-40B4-BE49-F238E27FC236}">
-                <a16:creationId xmlns:a16="http://schemas.microsoft.com/office/drawing/2014/main" id="{549034C7-C9A0-4642-B53B-ACAA4B9277D9}"/>
-              </a:ext>
-            </a:extLst>
-          </p:cNvPr>
-          <p:cNvPicPr>
-            <a:picLocks noChangeAspect="1"/>
-          </p:cNvPicPr>
-          <p:nvPr/>
-        </p:nvPicPr>
-        <p:blipFill>
-          <a:blip r:embed="rId3"/>
-          <a:stretch>
-            <a:fillRect/>
-          </a:stretch>
-        </p:blipFill>
-        <p:spPr>
-          <a:xfrm>
-            <a:off x="6175300" y="597142"/>
-            <a:ext cx="2042891" cy="2042891"/>
-          </a:xfrm>
-          <a:prstGeom prst="rect">
-            <a:avLst/>
-          </a:prstGeom>
-        </p:spPr>
-      </p:pic>
-    </p:spTree>
-    <p:extLst>
-      <p:ext uri="{BB962C8B-B14F-4D97-AF65-F5344CB8AC3E}">
-        <p14:creationId xmlns:p14="http://schemas.microsoft.com/office/powerpoint/2010/main" val="1547336493"/>
-      </p:ext>
-    </p:extLst>
-  </p:cSld>
-  <p:clrMapOvr>
-    <a:masterClrMapping/>
-  </p:clrMapOvr>
-</p:sld>
-</file>
-
-<file path=ppt/slides/slide30.xml><?xml version="1.0" encoding="utf-8"?>
+<file path=ppt/slides/slide29.xml><?xml version="1.0" encoding="utf-8"?>
 <p:sld xmlns:a="http://schemas.openxmlformats.org/drawingml/2006/main" xmlns:r="http://schemas.openxmlformats.org/officeDocument/2006/relationships" xmlns:p="http://schemas.openxmlformats.org/presentationml/2006/main">
   <p:cSld>
     <p:spTree>
@@ -48695,7 +48232,7 @@
             <a:fld id="{6CACE926-AEF5-4BFE-8BD7-24414108CB7B}" type="slidenum">
               <a:rPr lang="en-US" altLang="en-US" smtClean="0"/>
               <a:pPr/>
-              <a:t>30</a:t>
+              <a:t>29</a:t>
             </a:fld>
             <a:endParaRPr lang="en-US" altLang="en-US"/>
           </a:p>
@@ -48984,7 +48521,249 @@
 </p:sld>
 </file>
 
-<file path=ppt/slides/slide31.xml><?xml version="1.0" encoding="utf-8"?>
+<file path=ppt/slides/slide3.xml><?xml version="1.0" encoding="utf-8"?>
+<p:sld xmlns:a="http://schemas.openxmlformats.org/drawingml/2006/main" xmlns:r="http://schemas.openxmlformats.org/officeDocument/2006/relationships" xmlns:p="http://schemas.openxmlformats.org/presentationml/2006/main">
+  <p:cSld>
+    <p:spTree>
+      <p:nvGrpSpPr>
+        <p:cNvPr id="1" name=""/>
+        <p:cNvGrpSpPr/>
+        <p:nvPr/>
+      </p:nvGrpSpPr>
+      <p:grpSpPr>
+        <a:xfrm>
+          <a:off x="0" y="0"/>
+          <a:ext cx="0" cy="0"/>
+          <a:chOff x="0" y="0"/>
+          <a:chExt cx="0" cy="0"/>
+        </a:xfrm>
+      </p:grpSpPr>
+      <p:sp>
+        <p:nvSpPr>
+          <p:cNvPr id="2" name="Title 1"/>
+          <p:cNvSpPr>
+            <a:spLocks noGrp="1"/>
+          </p:cNvSpPr>
+          <p:nvPr>
+            <p:ph type="title"/>
+          </p:nvPr>
+        </p:nvSpPr>
+        <p:spPr/>
+        <p:txBody>
+          <a:bodyPr/>
+          <a:lstStyle/>
+          <a:p>
+            <a:r>
+              <a:rPr lang="en-US"/>
+              <a:t>This presentation</a:t>
+            </a:r>
+            <a:endParaRPr lang="en-CA"/>
+          </a:p>
+        </p:txBody>
+      </p:sp>
+      <p:sp>
+        <p:nvSpPr>
+          <p:cNvPr id="4" name="Content Placeholder 3"/>
+          <p:cNvSpPr>
+            <a:spLocks noGrp="1"/>
+          </p:cNvSpPr>
+          <p:nvPr>
+            <p:ph type="body" sz="quarter" idx="13"/>
+          </p:nvPr>
+        </p:nvSpPr>
+        <p:spPr/>
+        <p:txBody>
+          <a:bodyPr/>
+          <a:lstStyle/>
+          <a:p>
+            <a:r>
+              <a:rPr lang="en-US" dirty="0">
+                <a:ea typeface="ヒラギノ角ゴ Pro W3"/>
+              </a:rPr>
+              <a:t>Can be downloaded from the Ontario Health e-Learning site:</a:t>
+            </a:r>
+          </a:p>
+          <a:p>
+            <a:pPr lvl="1"/>
+            <a:r>
+              <a:rPr lang="en-CA" dirty="0">
+                <a:ea typeface="ヒラギノ角ゴ Pro W3"/>
+                <a:hlinkClick r:id="rId2"/>
+              </a:rPr>
+              <a:t>https://elearning.ontariohealth.ca/login/index.php</a:t>
+            </a:r>
+            <a:endParaRPr lang="en-CA" dirty="0">
+              <a:ea typeface="ヒラギノ角ゴ Pro W3"/>
+            </a:endParaRPr>
+          </a:p>
+          <a:p>
+            <a:r>
+              <a:rPr lang="en-US" dirty="0">
+                <a:ea typeface="ヒラギノ角ゴ Pro W3"/>
+              </a:rPr>
+              <a:t>Is licensed for use under the Creative Commons, specifically:</a:t>
+            </a:r>
+          </a:p>
+          <a:p>
+            <a:pPr lvl="1"/>
+            <a:r>
+              <a:rPr lang="en-CA" dirty="0">
+                <a:ea typeface="ヒラギノ角ゴ Pro W3"/>
+                <a:hlinkClick r:id="rId3"/>
+              </a:rPr>
+              <a:t>Creative Commons Attribution 3.0 </a:t>
+            </a:r>
+            <a:r>
+              <a:rPr lang="en-CA" dirty="0" err="1">
+                <a:ea typeface="ヒラギノ角ゴ Pro W3"/>
+                <a:hlinkClick r:id="rId3"/>
+              </a:rPr>
+              <a:t>Unported</a:t>
+            </a:r>
+            <a:r>
+              <a:rPr lang="en-CA" dirty="0">
+                <a:ea typeface="ヒラギノ角ゴ Pro W3"/>
+                <a:hlinkClick r:id="rId3"/>
+              </a:rPr>
+              <a:t> License</a:t>
+            </a:r>
+            <a:endParaRPr lang="en-CA" dirty="0">
+              <a:ea typeface="ヒラギノ角ゴ Pro W3"/>
+            </a:endParaRPr>
+          </a:p>
+          <a:p>
+            <a:pPr lvl="1"/>
+            <a:r>
+              <a:rPr lang="en-US" dirty="0">
+                <a:ea typeface="ヒラギノ角ゴ Pro W3"/>
+              </a:rPr>
+              <a:t>Do with it as you wish, so long as you give credit</a:t>
+            </a:r>
+          </a:p>
+        </p:txBody>
+      </p:sp>
+      <p:sp>
+        <p:nvSpPr>
+          <p:cNvPr id="11" name="Footer Placeholder 10">
+            <a:extLst>
+              <a:ext uri="{FF2B5EF4-FFF2-40B4-BE49-F238E27FC236}">
+                <a16:creationId xmlns:a16="http://schemas.microsoft.com/office/drawing/2014/main" id="{E5D67FA5-D1E9-4E1E-B63E-097C12003FCF}"/>
+              </a:ext>
+            </a:extLst>
+          </p:cNvPr>
+          <p:cNvSpPr>
+            <a:spLocks noGrp="1"/>
+          </p:cNvSpPr>
+          <p:nvPr>
+            <p:ph type="ftr" sz="quarter" idx="10"/>
+          </p:nvPr>
+        </p:nvSpPr>
+        <p:spPr/>
+        <p:txBody>
+          <a:bodyPr/>
+          <a:lstStyle/>
+          <a:p>
+            <a:r>
+              <a:rPr lang="en-CA"/>
+              <a:t>© 2025 Health Level Seven ® International. All Rights Reserved. Published under the Creative Commons 3.0 Attribution </a:t>
+            </a:r>
+            <a:r>
+              <a:rPr lang="en-CA" err="1"/>
+              <a:t>Unported</a:t>
+            </a:r>
+            <a:r>
+              <a:rPr lang="en-CA"/>
+              <a:t> license</a:t>
+            </a:r>
+            <a:endParaRPr lang="en-US"/>
+          </a:p>
+        </p:txBody>
+      </p:sp>
+      <p:sp>
+        <p:nvSpPr>
+          <p:cNvPr id="8" name="Slide Number Placeholder 7">
+            <a:extLst>
+              <a:ext uri="{FF2B5EF4-FFF2-40B4-BE49-F238E27FC236}">
+                <a16:creationId xmlns:a16="http://schemas.microsoft.com/office/drawing/2014/main" id="{0D655E1C-9171-4990-BC7C-0027C9FAE154}"/>
+              </a:ext>
+            </a:extLst>
+          </p:cNvPr>
+          <p:cNvSpPr>
+            <a:spLocks noGrp="1"/>
+          </p:cNvSpPr>
+          <p:nvPr>
+            <p:ph type="sldNum" sz="quarter" idx="11"/>
+          </p:nvPr>
+        </p:nvSpPr>
+        <p:spPr/>
+        <p:txBody>
+          <a:bodyPr/>
+          <a:lstStyle/>
+          <a:p>
+            <a:fld id="{DD8FDF0E-2772-4D89-9F72-F3CB15D8B8AB}" type="slidenum">
+              <a:rPr lang="en-US" smtClean="0"/>
+              <a:pPr/>
+              <a:t>3</a:t>
+            </a:fld>
+            <a:endParaRPr lang="en-US"/>
+          </a:p>
+        </p:txBody>
+      </p:sp>
+      <p:pic>
+        <p:nvPicPr>
+          <p:cNvPr id="5" name="Picture 4" descr="Creative Commons Licence"/>
+          <p:cNvPicPr>
+            <a:picLocks noChangeAspect="1" noChangeArrowheads="1"/>
+          </p:cNvPicPr>
+          <p:nvPr/>
+        </p:nvPicPr>
+        <p:blipFill>
+          <a:blip r:embed="rId4" cstate="print">
+            <a:extLst>
+              <a:ext uri="{28A0092B-C50C-407E-A947-70E740481C1C}">
+                <a14:useLocalDpi xmlns:a14="http://schemas.microsoft.com/office/drawing/2010/main" val="0"/>
+              </a:ext>
+            </a:extLst>
+          </a:blip>
+          <a:srcRect/>
+          <a:stretch>
+            <a:fillRect/>
+          </a:stretch>
+        </p:blipFill>
+        <p:spPr bwMode="auto">
+          <a:xfrm>
+            <a:off x="7672387" y="3226897"/>
+            <a:ext cx="1135626" cy="400050"/>
+          </a:xfrm>
+          <a:prstGeom prst="rect">
+            <a:avLst/>
+          </a:prstGeom>
+          <a:noFill/>
+          <a:extLst>
+            <a:ext uri="{909E8E84-426E-40DD-AFC4-6F175D3DCCD1}">
+              <a14:hiddenFill xmlns:a14="http://schemas.microsoft.com/office/drawing/2010/main">
+                <a:solidFill>
+                  <a:srgbClr val="FFFFFF"/>
+                </a:solidFill>
+              </a14:hiddenFill>
+            </a:ext>
+          </a:extLst>
+        </p:spPr>
+      </p:pic>
+    </p:spTree>
+    <p:extLst>
+      <p:ext uri="{BB962C8B-B14F-4D97-AF65-F5344CB8AC3E}">
+        <p14:creationId xmlns:p14="http://schemas.microsoft.com/office/powerpoint/2010/main" val="3895607693"/>
+      </p:ext>
+    </p:extLst>
+  </p:cSld>
+  <p:clrMapOvr>
+    <a:masterClrMapping/>
+  </p:clrMapOvr>
+</p:sld>
+</file>
+
+<file path=ppt/slides/slide30.xml><?xml version="1.0" encoding="utf-8"?>
 <p:sld xmlns:a="http://schemas.openxmlformats.org/drawingml/2006/main" xmlns:r="http://schemas.openxmlformats.org/officeDocument/2006/relationships" xmlns:p="http://schemas.openxmlformats.org/presentationml/2006/main">
   <p:cSld>
     <p:spTree>
@@ -49154,7 +48933,7 @@
             <a:fld id="{6CACE926-AEF5-4BFE-8BD7-24414108CB7B}" type="slidenum">
               <a:rPr lang="en-US" altLang="en-US" smtClean="0"/>
               <a:pPr/>
-              <a:t>31</a:t>
+              <a:t>30</a:t>
             </a:fld>
             <a:endParaRPr lang="en-US" altLang="en-US"/>
           </a:p>
@@ -49363,7 +49142,7 @@
 </p:sld>
 </file>
 
-<file path=ppt/slides/slide32.xml><?xml version="1.0" encoding="utf-8"?>
+<file path=ppt/slides/slide31.xml><?xml version="1.0" encoding="utf-8"?>
 <p:sld xmlns:a="http://schemas.openxmlformats.org/drawingml/2006/main" xmlns:r="http://schemas.openxmlformats.org/officeDocument/2006/relationships" xmlns:p="http://schemas.openxmlformats.org/presentationml/2006/main">
   <p:cSld>
     <p:spTree>
@@ -49532,7 +49311,7 @@
             <a:fld id="{6CACE926-AEF5-4BFE-8BD7-24414108CB7B}" type="slidenum">
               <a:rPr lang="en-US" altLang="en-US" smtClean="0"/>
               <a:pPr/>
-              <a:t>32</a:t>
+              <a:t>31</a:t>
             </a:fld>
             <a:endParaRPr lang="en-US" altLang="en-US"/>
           </a:p>
@@ -49551,7 +49330,7 @@
 </p:sld>
 </file>
 
-<file path=ppt/slides/slide33.xml><?xml version="1.0" encoding="utf-8"?>
+<file path=ppt/slides/slide32.xml><?xml version="1.0" encoding="utf-8"?>
 <p:sld xmlns:a="http://schemas.openxmlformats.org/drawingml/2006/main" xmlns:r="http://schemas.openxmlformats.org/officeDocument/2006/relationships" xmlns:p="http://schemas.openxmlformats.org/presentationml/2006/main">
   <p:cSld>
     <p:spTree>
@@ -49746,7 +49525,7 @@
             <a:fld id="{6CACE926-AEF5-4BFE-8BD7-24414108CB7B}" type="slidenum">
               <a:rPr lang="en-US" altLang="en-US" smtClean="0"/>
               <a:pPr/>
-              <a:t>33</a:t>
+              <a:t>32</a:t>
             </a:fld>
             <a:endParaRPr lang="en-US" altLang="en-US"/>
           </a:p>
@@ -49765,7 +49544,7 @@
 </p:sld>
 </file>
 
-<file path=ppt/slides/slide34.xml><?xml version="1.0" encoding="utf-8"?>
+<file path=ppt/slides/slide33.xml><?xml version="1.0" encoding="utf-8"?>
 <p:sld xmlns:a="http://schemas.openxmlformats.org/drawingml/2006/main" xmlns:r="http://schemas.openxmlformats.org/officeDocument/2006/relationships" xmlns:p="http://schemas.openxmlformats.org/presentationml/2006/main">
   <p:cSld>
     <p:spTree>
@@ -49925,7 +49704,7 @@
             <a:fld id="{6CACE926-AEF5-4BFE-8BD7-24414108CB7B}" type="slidenum">
               <a:rPr lang="en-US" altLang="en-US" smtClean="0"/>
               <a:pPr/>
-              <a:t>34</a:t>
+              <a:t>33</a:t>
             </a:fld>
             <a:endParaRPr lang="en-US" altLang="en-US"/>
           </a:p>
@@ -49944,7 +49723,7 @@
 </p:sld>
 </file>
 
-<file path=ppt/slides/slide35.xml><?xml version="1.0" encoding="utf-8"?>
+<file path=ppt/slides/slide34.xml><?xml version="1.0" encoding="utf-8"?>
 <p:sld xmlns:a="http://schemas.openxmlformats.org/drawingml/2006/main" xmlns:r="http://schemas.openxmlformats.org/officeDocument/2006/relationships" xmlns:p="http://schemas.openxmlformats.org/presentationml/2006/main">
   <p:cSld>
     <p:spTree>
@@ -50020,7 +49799,7 @@
             <a:fld id="{6CACE926-AEF5-4BFE-8BD7-24414108CB7B}" type="slidenum">
               <a:rPr lang="en-US" altLang="en-US" smtClean="0"/>
               <a:pPr/>
-              <a:t>35</a:t>
+              <a:t>34</a:t>
             </a:fld>
             <a:endParaRPr lang="en-US" altLang="en-US"/>
           </a:p>
@@ -50039,7 +49818,7 @@
           <p:nvPr>
             <p:extLst>
               <p:ext uri="{D42A27DB-BD31-4B8C-83A1-F6EECF244321}">
-                <p14:modId xmlns:p14="http://schemas.microsoft.com/office/powerpoint/2010/main" val="2616638839"/>
+                <p14:modId xmlns:p14="http://schemas.microsoft.com/office/powerpoint/2010/main" val="1256980551"/>
               </p:ext>
             </p:extLst>
           </p:nvPr>
@@ -50067,7 +49846,7 @@
 </p:sld>
 </file>
 
-<file path=ppt/slides/slide36.xml><?xml version="1.0" encoding="utf-8"?>
+<file path=ppt/slides/slide35.xml><?xml version="1.0" encoding="utf-8"?>
 <p:sld xmlns:a="http://schemas.openxmlformats.org/drawingml/2006/main" xmlns:r="http://schemas.openxmlformats.org/officeDocument/2006/relationships" xmlns:p="http://schemas.openxmlformats.org/presentationml/2006/main">
   <p:cSld>
     <p:spTree>
@@ -50503,7 +50282,7 @@
 </p:sld>
 </file>
 
-<file path=ppt/slides/slide37.xml><?xml version="1.0" encoding="utf-8"?>
+<file path=ppt/slides/slide36.xml><?xml version="1.0" encoding="utf-8"?>
 <p:sld xmlns:a="http://schemas.openxmlformats.org/drawingml/2006/main" xmlns:r="http://schemas.openxmlformats.org/officeDocument/2006/relationships" xmlns:p="http://schemas.openxmlformats.org/presentationml/2006/main">
   <p:cSld>
     <p:spTree>
@@ -50746,7 +50525,7 @@
             <a:fld id="{6CACE926-AEF5-4BFE-8BD7-24414108CB7B}" type="slidenum">
               <a:rPr lang="en-US" altLang="en-US" smtClean="0"/>
               <a:pPr/>
-              <a:t>37</a:t>
+              <a:t>36</a:t>
             </a:fld>
             <a:endParaRPr lang="en-US" altLang="en-US"/>
           </a:p>
@@ -50765,7 +50544,7 @@
 </p:sld>
 </file>
 
-<file path=ppt/slides/slide38.xml><?xml version="1.0" encoding="utf-8"?>
+<file path=ppt/slides/slide37.xml><?xml version="1.0" encoding="utf-8"?>
 <p:sld xmlns:a="http://schemas.openxmlformats.org/drawingml/2006/main" xmlns:r="http://schemas.openxmlformats.org/officeDocument/2006/relationships" xmlns:p="http://schemas.openxmlformats.org/presentationml/2006/main">
   <p:cSld>
     <p:spTree>
@@ -50965,7 +50744,7 @@
             <a:fld id="{6CACE926-AEF5-4BFE-8BD7-24414108CB7B}" type="slidenum">
               <a:rPr lang="en-US" altLang="en-US" smtClean="0"/>
               <a:pPr/>
-              <a:t>38</a:t>
+              <a:t>37</a:t>
             </a:fld>
             <a:endParaRPr lang="en-US" altLang="en-US"/>
           </a:p>
@@ -50984,7 +50763,7 @@
 </p:sld>
 </file>
 
-<file path=ppt/slides/slide39.xml><?xml version="1.0" encoding="utf-8"?>
+<file path=ppt/slides/slide38.xml><?xml version="1.0" encoding="utf-8"?>
 <p:sld xmlns:a="http://schemas.openxmlformats.org/drawingml/2006/main" xmlns:r="http://schemas.openxmlformats.org/officeDocument/2006/relationships" xmlns:p="http://schemas.openxmlformats.org/presentationml/2006/main">
   <p:cSld>
     <p:spTree>
@@ -51176,7 +50955,7 @@
             <a:fld id="{6CACE926-AEF5-4BFE-8BD7-24414108CB7B}" type="slidenum">
               <a:rPr lang="en-US" altLang="en-US" smtClean="0"/>
               <a:pPr/>
-              <a:t>39</a:t>
+              <a:t>38</a:t>
             </a:fld>
             <a:endParaRPr lang="en-US" altLang="en-US"/>
           </a:p>
@@ -51195,249 +50974,7 @@
 </p:sld>
 </file>
 
-<file path=ppt/slides/slide4.xml><?xml version="1.0" encoding="utf-8"?>
-<p:sld xmlns:a="http://schemas.openxmlformats.org/drawingml/2006/main" xmlns:r="http://schemas.openxmlformats.org/officeDocument/2006/relationships" xmlns:p="http://schemas.openxmlformats.org/presentationml/2006/main">
-  <p:cSld>
-    <p:spTree>
-      <p:nvGrpSpPr>
-        <p:cNvPr id="1" name=""/>
-        <p:cNvGrpSpPr/>
-        <p:nvPr/>
-      </p:nvGrpSpPr>
-      <p:grpSpPr>
-        <a:xfrm>
-          <a:off x="0" y="0"/>
-          <a:ext cx="0" cy="0"/>
-          <a:chOff x="0" y="0"/>
-          <a:chExt cx="0" cy="0"/>
-        </a:xfrm>
-      </p:grpSpPr>
-      <p:sp>
-        <p:nvSpPr>
-          <p:cNvPr id="2" name="Title 1"/>
-          <p:cNvSpPr>
-            <a:spLocks noGrp="1"/>
-          </p:cNvSpPr>
-          <p:nvPr>
-            <p:ph type="title"/>
-          </p:nvPr>
-        </p:nvSpPr>
-        <p:spPr/>
-        <p:txBody>
-          <a:bodyPr/>
-          <a:lstStyle/>
-          <a:p>
-            <a:r>
-              <a:rPr lang="en-US"/>
-              <a:t>This presentation</a:t>
-            </a:r>
-            <a:endParaRPr lang="en-CA"/>
-          </a:p>
-        </p:txBody>
-      </p:sp>
-      <p:sp>
-        <p:nvSpPr>
-          <p:cNvPr id="4" name="Content Placeholder 3"/>
-          <p:cNvSpPr>
-            <a:spLocks noGrp="1"/>
-          </p:cNvSpPr>
-          <p:nvPr>
-            <p:ph type="body" sz="quarter" idx="13"/>
-          </p:nvPr>
-        </p:nvSpPr>
-        <p:spPr/>
-        <p:txBody>
-          <a:bodyPr/>
-          <a:lstStyle/>
-          <a:p>
-            <a:r>
-              <a:rPr lang="en-US" dirty="0">
-                <a:ea typeface="ヒラギノ角ゴ Pro W3"/>
-              </a:rPr>
-              <a:t>Can be downloaded from the Ontario Health e-Learning site:</a:t>
-            </a:r>
-          </a:p>
-          <a:p>
-            <a:pPr lvl="1"/>
-            <a:r>
-              <a:rPr lang="en-CA" dirty="0">
-                <a:ea typeface="ヒラギノ角ゴ Pro W3"/>
-                <a:hlinkClick r:id="rId2"/>
-              </a:rPr>
-              <a:t>https://elearning.ontariohealth.ca/login/index.php</a:t>
-            </a:r>
-            <a:endParaRPr lang="en-CA" dirty="0">
-              <a:ea typeface="ヒラギノ角ゴ Pro W3"/>
-            </a:endParaRPr>
-          </a:p>
-          <a:p>
-            <a:r>
-              <a:rPr lang="en-US" dirty="0">
-                <a:ea typeface="ヒラギノ角ゴ Pro W3"/>
-              </a:rPr>
-              <a:t>Is licensed for use under the Creative Commons, specifically:</a:t>
-            </a:r>
-          </a:p>
-          <a:p>
-            <a:pPr lvl="1"/>
-            <a:r>
-              <a:rPr lang="en-CA" dirty="0">
-                <a:ea typeface="ヒラギノ角ゴ Pro W3"/>
-                <a:hlinkClick r:id="rId3"/>
-              </a:rPr>
-              <a:t>Creative Commons Attribution 3.0 </a:t>
-            </a:r>
-            <a:r>
-              <a:rPr lang="en-CA" dirty="0" err="1">
-                <a:ea typeface="ヒラギノ角ゴ Pro W3"/>
-                <a:hlinkClick r:id="rId3"/>
-              </a:rPr>
-              <a:t>Unported</a:t>
-            </a:r>
-            <a:r>
-              <a:rPr lang="en-CA" dirty="0">
-                <a:ea typeface="ヒラギノ角ゴ Pro W3"/>
-                <a:hlinkClick r:id="rId3"/>
-              </a:rPr>
-              <a:t> License</a:t>
-            </a:r>
-            <a:endParaRPr lang="en-CA" dirty="0">
-              <a:ea typeface="ヒラギノ角ゴ Pro W3"/>
-            </a:endParaRPr>
-          </a:p>
-          <a:p>
-            <a:pPr lvl="1"/>
-            <a:r>
-              <a:rPr lang="en-US" dirty="0">
-                <a:ea typeface="ヒラギノ角ゴ Pro W3"/>
-              </a:rPr>
-              <a:t>(Do with it as you wish, so long as you give credit</a:t>
-            </a:r>
-          </a:p>
-        </p:txBody>
-      </p:sp>
-      <p:sp>
-        <p:nvSpPr>
-          <p:cNvPr id="11" name="Footer Placeholder 10">
-            <a:extLst>
-              <a:ext uri="{FF2B5EF4-FFF2-40B4-BE49-F238E27FC236}">
-                <a16:creationId xmlns:a16="http://schemas.microsoft.com/office/drawing/2014/main" id="{E5D67FA5-D1E9-4E1E-B63E-097C12003FCF}"/>
-              </a:ext>
-            </a:extLst>
-          </p:cNvPr>
-          <p:cNvSpPr>
-            <a:spLocks noGrp="1"/>
-          </p:cNvSpPr>
-          <p:nvPr>
-            <p:ph type="ftr" sz="quarter" idx="10"/>
-          </p:nvPr>
-        </p:nvSpPr>
-        <p:spPr/>
-        <p:txBody>
-          <a:bodyPr/>
-          <a:lstStyle/>
-          <a:p>
-            <a:r>
-              <a:rPr lang="en-CA"/>
-              <a:t>© 2025 Health Level Seven ® International. All Rights Reserved. Published under the Creative Commons 3.0 Attribution </a:t>
-            </a:r>
-            <a:r>
-              <a:rPr lang="en-CA" err="1"/>
-              <a:t>Unported</a:t>
-            </a:r>
-            <a:r>
-              <a:rPr lang="en-CA"/>
-              <a:t> license</a:t>
-            </a:r>
-            <a:endParaRPr lang="en-US"/>
-          </a:p>
-        </p:txBody>
-      </p:sp>
-      <p:sp>
-        <p:nvSpPr>
-          <p:cNvPr id="8" name="Slide Number Placeholder 7">
-            <a:extLst>
-              <a:ext uri="{FF2B5EF4-FFF2-40B4-BE49-F238E27FC236}">
-                <a16:creationId xmlns:a16="http://schemas.microsoft.com/office/drawing/2014/main" id="{0D655E1C-9171-4990-BC7C-0027C9FAE154}"/>
-              </a:ext>
-            </a:extLst>
-          </p:cNvPr>
-          <p:cNvSpPr>
-            <a:spLocks noGrp="1"/>
-          </p:cNvSpPr>
-          <p:nvPr>
-            <p:ph type="sldNum" sz="quarter" idx="11"/>
-          </p:nvPr>
-        </p:nvSpPr>
-        <p:spPr/>
-        <p:txBody>
-          <a:bodyPr/>
-          <a:lstStyle/>
-          <a:p>
-            <a:fld id="{DD8FDF0E-2772-4D89-9F72-F3CB15D8B8AB}" type="slidenum">
-              <a:rPr lang="en-US" smtClean="0"/>
-              <a:pPr/>
-              <a:t>4</a:t>
-            </a:fld>
-            <a:endParaRPr lang="en-US"/>
-          </a:p>
-        </p:txBody>
-      </p:sp>
-      <p:pic>
-        <p:nvPicPr>
-          <p:cNvPr id="5" name="Picture 4" descr="Creative Commons Licence"/>
-          <p:cNvPicPr>
-            <a:picLocks noChangeAspect="1" noChangeArrowheads="1"/>
-          </p:cNvPicPr>
-          <p:nvPr/>
-        </p:nvPicPr>
-        <p:blipFill>
-          <a:blip r:embed="rId4" cstate="print">
-            <a:extLst>
-              <a:ext uri="{28A0092B-C50C-407E-A947-70E740481C1C}">
-                <a14:useLocalDpi xmlns:a14="http://schemas.microsoft.com/office/drawing/2010/main" val="0"/>
-              </a:ext>
-            </a:extLst>
-          </a:blip>
-          <a:srcRect/>
-          <a:stretch>
-            <a:fillRect/>
-          </a:stretch>
-        </p:blipFill>
-        <p:spPr bwMode="auto">
-          <a:xfrm>
-            <a:off x="7672387" y="3226897"/>
-            <a:ext cx="1135626" cy="400050"/>
-          </a:xfrm>
-          <a:prstGeom prst="rect">
-            <a:avLst/>
-          </a:prstGeom>
-          <a:noFill/>
-          <a:extLst>
-            <a:ext uri="{909E8E84-426E-40DD-AFC4-6F175D3DCCD1}">
-              <a14:hiddenFill xmlns:a14="http://schemas.microsoft.com/office/drawing/2010/main">
-                <a:solidFill>
-                  <a:srgbClr val="FFFFFF"/>
-                </a:solidFill>
-              </a14:hiddenFill>
-            </a:ext>
-          </a:extLst>
-        </p:spPr>
-      </p:pic>
-    </p:spTree>
-    <p:extLst>
-      <p:ext uri="{BB962C8B-B14F-4D97-AF65-F5344CB8AC3E}">
-        <p14:creationId xmlns:p14="http://schemas.microsoft.com/office/powerpoint/2010/main" val="3895607693"/>
-      </p:ext>
-    </p:extLst>
-  </p:cSld>
-  <p:clrMapOvr>
-    <a:masterClrMapping/>
-  </p:clrMapOvr>
-</p:sld>
-</file>
-
-<file path=ppt/slides/slide40.xml><?xml version="1.0" encoding="utf-8"?>
+<file path=ppt/slides/slide39.xml><?xml version="1.0" encoding="utf-8"?>
 <p:sld xmlns:a="http://schemas.openxmlformats.org/drawingml/2006/main" xmlns:r="http://schemas.openxmlformats.org/officeDocument/2006/relationships" xmlns:p="http://schemas.openxmlformats.org/presentationml/2006/main">
   <p:cSld>
     <p:spTree>
@@ -51603,7 +51140,7 @@
             <a:fld id="{6CACE926-AEF5-4BFE-8BD7-24414108CB7B}" type="slidenum">
               <a:rPr lang="en-US" altLang="en-US" smtClean="0"/>
               <a:pPr/>
-              <a:t>40</a:t>
+              <a:t>39</a:t>
             </a:fld>
             <a:endParaRPr lang="en-US" altLang="en-US"/>
           </a:p>
@@ -51622,7 +51159,205 @@
 </p:sld>
 </file>
 
-<file path=ppt/slides/slide41.xml><?xml version="1.0" encoding="utf-8"?>
+<file path=ppt/slides/slide4.xml><?xml version="1.0" encoding="utf-8"?>
+<p:sld xmlns:a="http://schemas.openxmlformats.org/drawingml/2006/main" xmlns:r="http://schemas.openxmlformats.org/officeDocument/2006/relationships" xmlns:p="http://schemas.openxmlformats.org/presentationml/2006/main">
+  <p:cSld>
+    <p:spTree>
+      <p:nvGrpSpPr>
+        <p:cNvPr id="1" name=""/>
+        <p:cNvGrpSpPr/>
+        <p:nvPr/>
+      </p:nvGrpSpPr>
+      <p:grpSpPr>
+        <a:xfrm>
+          <a:off x="0" y="0"/>
+          <a:ext cx="0" cy="0"/>
+          <a:chOff x="0" y="0"/>
+          <a:chExt cx="0" cy="0"/>
+        </a:xfrm>
+      </p:grpSpPr>
+      <p:sp>
+        <p:nvSpPr>
+          <p:cNvPr id="7" name="Title 6">
+            <a:extLst>
+              <a:ext uri="{FF2B5EF4-FFF2-40B4-BE49-F238E27FC236}">
+                <a16:creationId xmlns:a16="http://schemas.microsoft.com/office/drawing/2014/main" id="{AF7B4583-F935-4894-BCDA-C4370AC07C5F}"/>
+              </a:ext>
+            </a:extLst>
+          </p:cNvPr>
+          <p:cNvSpPr>
+            <a:spLocks noGrp="1"/>
+          </p:cNvSpPr>
+          <p:nvPr>
+            <p:ph type="title"/>
+          </p:nvPr>
+        </p:nvSpPr>
+        <p:spPr/>
+        <p:txBody>
+          <a:bodyPr/>
+          <a:lstStyle/>
+          <a:p>
+            <a:r>
+              <a:rPr lang="en-US"/>
+              <a:t>Credit</a:t>
+            </a:r>
+          </a:p>
+        </p:txBody>
+      </p:sp>
+      <p:sp>
+        <p:nvSpPr>
+          <p:cNvPr id="8" name="Content Placeholder 7">
+            <a:extLst>
+              <a:ext uri="{FF2B5EF4-FFF2-40B4-BE49-F238E27FC236}">
+                <a16:creationId xmlns:a16="http://schemas.microsoft.com/office/drawing/2014/main" id="{12969102-4DC6-4A57-9E3A-CBA4366DFA70}"/>
+              </a:ext>
+            </a:extLst>
+          </p:cNvPr>
+          <p:cNvSpPr>
+            <a:spLocks noGrp="1"/>
+          </p:cNvSpPr>
+          <p:nvPr>
+            <p:ph type="body" sz="quarter" idx="13"/>
+          </p:nvPr>
+        </p:nvSpPr>
+        <p:spPr/>
+        <p:txBody>
+          <a:bodyPr/>
+          <a:lstStyle/>
+          <a:p>
+            <a:r>
+              <a:rPr lang="en-CA"/>
+              <a:t>These slides include content from Brian Postlethwaite</a:t>
+            </a:r>
+          </a:p>
+          <a:p>
+            <a:r>
+              <a:rPr lang="en-CA"/>
+              <a:t>With updates by Lloyd McKenzie</a:t>
+            </a:r>
+          </a:p>
+          <a:p>
+            <a:endParaRPr lang="en-US"/>
+          </a:p>
+        </p:txBody>
+      </p:sp>
+      <p:sp>
+        <p:nvSpPr>
+          <p:cNvPr id="2" name="Footer Placeholder 1">
+            <a:extLst>
+              <a:ext uri="{FF2B5EF4-FFF2-40B4-BE49-F238E27FC236}">
+                <a16:creationId xmlns:a16="http://schemas.microsoft.com/office/drawing/2014/main" id="{12A36B17-60AD-40D9-B33D-C4B147E58C6F}"/>
+              </a:ext>
+            </a:extLst>
+          </p:cNvPr>
+          <p:cNvSpPr>
+            <a:spLocks noGrp="1"/>
+          </p:cNvSpPr>
+          <p:nvPr>
+            <p:ph type="ftr" sz="quarter" idx="10"/>
+          </p:nvPr>
+        </p:nvSpPr>
+        <p:spPr/>
+        <p:txBody>
+          <a:bodyPr/>
+          <a:lstStyle/>
+          <a:p>
+            <a:r>
+              <a:rPr lang="en-CA"/>
+              <a:t>© 2025 Health Level Seven ® International. All Rights Reserved. Published under the Creative Commons 3.0 Attribution </a:t>
+            </a:r>
+            <a:r>
+              <a:rPr lang="en-CA" err="1"/>
+              <a:t>Unported</a:t>
+            </a:r>
+            <a:r>
+              <a:rPr lang="en-CA"/>
+              <a:t> license</a:t>
+            </a:r>
+            <a:endParaRPr lang="en-US"/>
+          </a:p>
+        </p:txBody>
+      </p:sp>
+      <p:sp>
+        <p:nvSpPr>
+          <p:cNvPr id="6" name="Slide Number Placeholder 5">
+            <a:extLst>
+              <a:ext uri="{FF2B5EF4-FFF2-40B4-BE49-F238E27FC236}">
+                <a16:creationId xmlns:a16="http://schemas.microsoft.com/office/drawing/2014/main" id="{07B16E94-221A-418E-A0E5-BE63452C9BCB}"/>
+              </a:ext>
+            </a:extLst>
+          </p:cNvPr>
+          <p:cNvSpPr>
+            <a:spLocks noGrp="1"/>
+          </p:cNvSpPr>
+          <p:nvPr>
+            <p:ph type="sldNum" sz="quarter" idx="11"/>
+          </p:nvPr>
+        </p:nvSpPr>
+        <p:spPr/>
+        <p:txBody>
+          <a:bodyPr/>
+          <a:lstStyle/>
+          <a:p>
+            <a:fld id="{CEB45A3F-552B-4961-AC9A-06435CED62A6}" type="slidenum">
+              <a:rPr lang="en-US" smtClean="0"/>
+              <a:pPr/>
+              <a:t>4</a:t>
+            </a:fld>
+            <a:endParaRPr lang="en-US"/>
+          </a:p>
+        </p:txBody>
+      </p:sp>
+      <p:pic>
+        <p:nvPicPr>
+          <p:cNvPr id="3" name="Picture 2" descr="A close-up of colorful text&#10;&#10;Description automatically generated">
+            <a:extLst>
+              <a:ext uri="{FF2B5EF4-FFF2-40B4-BE49-F238E27FC236}">
+                <a16:creationId xmlns:a16="http://schemas.microsoft.com/office/drawing/2014/main" id="{EB2C76BC-55E1-5249-ECB2-3F41F4CC721C}"/>
+              </a:ext>
+            </a:extLst>
+          </p:cNvPr>
+          <p:cNvPicPr>
+            <a:picLocks noChangeAspect="1"/>
+          </p:cNvPicPr>
+          <p:nvPr/>
+        </p:nvPicPr>
+        <p:blipFill>
+          <a:blip r:embed="rId2">
+            <a:extLst>
+              <a:ext uri="{837473B0-CC2E-450A-ABE3-18F120FF3D39}">
+                <a1611:picAttrSrcUrl xmlns:a1611="http://schemas.microsoft.com/office/drawing/2016/11/main" r:id="rId3"/>
+              </a:ext>
+            </a:extLst>
+          </a:blip>
+          <a:stretch>
+            <a:fillRect/>
+          </a:stretch>
+        </p:blipFill>
+        <p:spPr>
+          <a:xfrm>
+            <a:off x="6342077" y="2753510"/>
+            <a:ext cx="2087548" cy="1391699"/>
+          </a:xfrm>
+          <a:prstGeom prst="rect">
+            <a:avLst/>
+          </a:prstGeom>
+        </p:spPr>
+      </p:pic>
+    </p:spTree>
+    <p:extLst>
+      <p:ext uri="{BB962C8B-B14F-4D97-AF65-F5344CB8AC3E}">
+        <p14:creationId xmlns:p14="http://schemas.microsoft.com/office/powerpoint/2010/main" val="1920275464"/>
+      </p:ext>
+    </p:extLst>
+  </p:cSld>
+  <p:clrMapOvr>
+    <a:masterClrMapping/>
+  </p:clrMapOvr>
+</p:sld>
+</file>
+
+<file path=ppt/slides/slide40.xml><?xml version="1.0" encoding="utf-8"?>
 <p:sld xmlns:a="http://schemas.openxmlformats.org/drawingml/2006/main" xmlns:r="http://schemas.openxmlformats.org/officeDocument/2006/relationships" xmlns:p="http://schemas.openxmlformats.org/presentationml/2006/main">
   <p:cSld>
     <p:spTree>
@@ -51698,7 +51433,7 @@
             <a:fld id="{6CACE926-AEF5-4BFE-8BD7-24414108CB7B}" type="slidenum">
               <a:rPr lang="en-US" altLang="en-US" smtClean="0"/>
               <a:pPr/>
-              <a:t>41</a:t>
+              <a:t>40</a:t>
             </a:fld>
             <a:endParaRPr lang="en-US" altLang="en-US"/>
           </a:p>
@@ -51717,7 +51452,7 @@
           <p:nvPr>
             <p:extLst>
               <p:ext uri="{D42A27DB-BD31-4B8C-83A1-F6EECF244321}">
-                <p14:modId xmlns:p14="http://schemas.microsoft.com/office/powerpoint/2010/main" val="715368727"/>
+                <p14:modId xmlns:p14="http://schemas.microsoft.com/office/powerpoint/2010/main" val="2922735118"/>
               </p:ext>
             </p:extLst>
           </p:nvPr>
@@ -51745,7 +51480,7 @@
 </p:sld>
 </file>
 
-<file path=ppt/slides/slide42.xml><?xml version="1.0" encoding="utf-8"?>
+<file path=ppt/slides/slide41.xml><?xml version="1.0" encoding="utf-8"?>
 <p:sld xmlns:a="http://schemas.openxmlformats.org/drawingml/2006/main" xmlns:r="http://schemas.openxmlformats.org/officeDocument/2006/relationships" xmlns:p="http://schemas.openxmlformats.org/presentationml/2006/main">
   <p:cSld>
     <p:spTree>
@@ -52065,7 +51800,7 @@
 </p:sld>
 </file>
 
-<file path=ppt/slides/slide43.xml><?xml version="1.0" encoding="utf-8"?>
+<file path=ppt/slides/slide42.xml><?xml version="1.0" encoding="utf-8"?>
 <p:sld xmlns:a="http://schemas.openxmlformats.org/drawingml/2006/main" xmlns:r="http://schemas.openxmlformats.org/officeDocument/2006/relationships" xmlns:p="http://schemas.openxmlformats.org/presentationml/2006/main">
   <p:cSld>
     <p:spTree>
@@ -52250,7 +51985,7 @@
             <a:fld id="{6CACE926-AEF5-4BFE-8BD7-24414108CB7B}" type="slidenum">
               <a:rPr lang="en-US" altLang="en-US" smtClean="0"/>
               <a:pPr/>
-              <a:t>43</a:t>
+              <a:t>42</a:t>
             </a:fld>
             <a:endParaRPr lang="en-US" altLang="en-US"/>
           </a:p>
@@ -52269,7 +52004,7 @@
 </p:sld>
 </file>
 
-<file path=ppt/slides/slide44.xml><?xml version="1.0" encoding="utf-8"?>
+<file path=ppt/slides/slide43.xml><?xml version="1.0" encoding="utf-8"?>
 <p:sld xmlns:a="http://schemas.openxmlformats.org/drawingml/2006/main" xmlns:r="http://schemas.openxmlformats.org/officeDocument/2006/relationships" xmlns:p="http://schemas.openxmlformats.org/presentationml/2006/main">
   <p:cSld>
     <p:spTree>
@@ -52438,7 +52173,7 @@
             <a:fld id="{6CACE926-AEF5-4BFE-8BD7-24414108CB7B}" type="slidenum">
               <a:rPr lang="en-US" altLang="en-US" smtClean="0"/>
               <a:pPr/>
-              <a:t>44</a:t>
+              <a:t>43</a:t>
             </a:fld>
             <a:endParaRPr lang="en-US" altLang="en-US"/>
           </a:p>
@@ -52457,7 +52192,7 @@
 </p:sld>
 </file>
 
-<file path=ppt/slides/slide45.xml><?xml version="1.0" encoding="utf-8"?>
+<file path=ppt/slides/slide44.xml><?xml version="1.0" encoding="utf-8"?>
 <p:sld xmlns:a="http://schemas.openxmlformats.org/drawingml/2006/main" xmlns:r="http://schemas.openxmlformats.org/officeDocument/2006/relationships" xmlns:p="http://schemas.openxmlformats.org/presentationml/2006/main">
   <p:cSld>
     <p:spTree>
@@ -52533,7 +52268,7 @@
             <a:fld id="{6CACE926-AEF5-4BFE-8BD7-24414108CB7B}" type="slidenum">
               <a:rPr lang="en-US" altLang="en-US" smtClean="0"/>
               <a:pPr/>
-              <a:t>45</a:t>
+              <a:t>44</a:t>
             </a:fld>
             <a:endParaRPr lang="en-US" altLang="en-US"/>
           </a:p>
@@ -52552,7 +52287,7 @@
           <p:nvPr>
             <p:extLst>
               <p:ext uri="{D42A27DB-BD31-4B8C-83A1-F6EECF244321}">
-                <p14:modId xmlns:p14="http://schemas.microsoft.com/office/powerpoint/2010/main" val="2387127752"/>
+                <p14:modId xmlns:p14="http://schemas.microsoft.com/office/powerpoint/2010/main" val="2033338748"/>
               </p:ext>
             </p:extLst>
           </p:nvPr>
@@ -52580,7 +52315,7 @@
 </p:sld>
 </file>
 
-<file path=ppt/slides/slide46.xml><?xml version="1.0" encoding="utf-8"?>
+<file path=ppt/slides/slide45.xml><?xml version="1.0" encoding="utf-8"?>
 <p:sld xmlns:a="http://schemas.openxmlformats.org/drawingml/2006/main" xmlns:r="http://schemas.openxmlformats.org/officeDocument/2006/relationships" xmlns:p="http://schemas.openxmlformats.org/presentationml/2006/main">
   <p:cSld>
     <p:spTree>
@@ -52869,7 +52604,7 @@
 </p:sld>
 </file>
 
-<file path=ppt/slides/slide47.xml><?xml version="1.0" encoding="utf-8"?>
+<file path=ppt/slides/slide46.xml><?xml version="1.0" encoding="utf-8"?>
 <p:sld xmlns:a="http://schemas.openxmlformats.org/drawingml/2006/main" xmlns:r="http://schemas.openxmlformats.org/officeDocument/2006/relationships" xmlns:p="http://schemas.openxmlformats.org/presentationml/2006/main">
   <p:cSld>
     <p:spTree>
@@ -53122,7 +52857,7 @@
             <a:fld id="{6CACE926-AEF5-4BFE-8BD7-24414108CB7B}" type="slidenum">
               <a:rPr lang="en-US" altLang="en-US" smtClean="0"/>
               <a:pPr/>
-              <a:t>47</a:t>
+              <a:t>46</a:t>
             </a:fld>
             <a:endParaRPr lang="en-US" altLang="en-US"/>
           </a:p>
@@ -53141,7 +52876,7 @@
 </p:sld>
 </file>
 
-<file path=ppt/slides/slide48.xml><?xml version="1.0" encoding="utf-8"?>
+<file path=ppt/slides/slide47.xml><?xml version="1.0" encoding="utf-8"?>
 <p:sld xmlns:a="http://schemas.openxmlformats.org/drawingml/2006/main" xmlns:r="http://schemas.openxmlformats.org/officeDocument/2006/relationships" xmlns:p="http://schemas.openxmlformats.org/presentationml/2006/main">
   <p:cSld>
     <p:spTree>
@@ -53464,7 +53199,7 @@
             <a:fld id="{6CACE926-AEF5-4BFE-8BD7-24414108CB7B}" type="slidenum">
               <a:rPr lang="en-US" altLang="en-US" smtClean="0"/>
               <a:pPr/>
-              <a:t>48</a:t>
+              <a:t>47</a:t>
             </a:fld>
             <a:endParaRPr lang="en-US" altLang="en-US"/>
           </a:p>
@@ -53483,7 +53218,7 @@
 </p:sld>
 </file>
 
-<file path=ppt/slides/slide49.xml><?xml version="1.0" encoding="utf-8"?>
+<file path=ppt/slides/slide48.xml><?xml version="1.0" encoding="utf-8"?>
 <p:sld xmlns:a="http://schemas.openxmlformats.org/drawingml/2006/main" xmlns:r="http://schemas.openxmlformats.org/officeDocument/2006/relationships" xmlns:p="http://schemas.openxmlformats.org/presentationml/2006/main">
   <p:cSld>
     <p:spTree>
@@ -53559,7 +53294,7 @@
             <a:fld id="{6CACE926-AEF5-4BFE-8BD7-24414108CB7B}" type="slidenum">
               <a:rPr lang="en-US" altLang="en-US" smtClean="0"/>
               <a:pPr/>
-              <a:t>49</a:t>
+              <a:t>48</a:t>
             </a:fld>
             <a:endParaRPr lang="en-US" altLang="en-US"/>
           </a:p>
@@ -53578,7 +53313,7 @@
           <p:nvPr>
             <p:extLst>
               <p:ext uri="{D42A27DB-BD31-4B8C-83A1-F6EECF244321}">
-                <p14:modId xmlns:p14="http://schemas.microsoft.com/office/powerpoint/2010/main" val="663935532"/>
+                <p14:modId xmlns:p14="http://schemas.microsoft.com/office/powerpoint/2010/main" val="3430212392"/>
               </p:ext>
             </p:extLst>
           </p:nvPr>
@@ -53606,205 +53341,7 @@
 </p:sld>
 </file>
 
-<file path=ppt/slides/slide5.xml><?xml version="1.0" encoding="utf-8"?>
-<p:sld xmlns:a="http://schemas.openxmlformats.org/drawingml/2006/main" xmlns:r="http://schemas.openxmlformats.org/officeDocument/2006/relationships" xmlns:p="http://schemas.openxmlformats.org/presentationml/2006/main">
-  <p:cSld>
-    <p:spTree>
-      <p:nvGrpSpPr>
-        <p:cNvPr id="1" name=""/>
-        <p:cNvGrpSpPr/>
-        <p:nvPr/>
-      </p:nvGrpSpPr>
-      <p:grpSpPr>
-        <a:xfrm>
-          <a:off x="0" y="0"/>
-          <a:ext cx="0" cy="0"/>
-          <a:chOff x="0" y="0"/>
-          <a:chExt cx="0" cy="0"/>
-        </a:xfrm>
-      </p:grpSpPr>
-      <p:sp>
-        <p:nvSpPr>
-          <p:cNvPr id="7" name="Title 6">
-            <a:extLst>
-              <a:ext uri="{FF2B5EF4-FFF2-40B4-BE49-F238E27FC236}">
-                <a16:creationId xmlns:a16="http://schemas.microsoft.com/office/drawing/2014/main" id="{AF7B4583-F935-4894-BCDA-C4370AC07C5F}"/>
-              </a:ext>
-            </a:extLst>
-          </p:cNvPr>
-          <p:cNvSpPr>
-            <a:spLocks noGrp="1"/>
-          </p:cNvSpPr>
-          <p:nvPr>
-            <p:ph type="title"/>
-          </p:nvPr>
-        </p:nvSpPr>
-        <p:spPr/>
-        <p:txBody>
-          <a:bodyPr/>
-          <a:lstStyle/>
-          <a:p>
-            <a:r>
-              <a:rPr lang="en-US"/>
-              <a:t>Credit</a:t>
-            </a:r>
-          </a:p>
-        </p:txBody>
-      </p:sp>
-      <p:sp>
-        <p:nvSpPr>
-          <p:cNvPr id="8" name="Content Placeholder 7">
-            <a:extLst>
-              <a:ext uri="{FF2B5EF4-FFF2-40B4-BE49-F238E27FC236}">
-                <a16:creationId xmlns:a16="http://schemas.microsoft.com/office/drawing/2014/main" id="{12969102-4DC6-4A57-9E3A-CBA4366DFA70}"/>
-              </a:ext>
-            </a:extLst>
-          </p:cNvPr>
-          <p:cNvSpPr>
-            <a:spLocks noGrp="1"/>
-          </p:cNvSpPr>
-          <p:nvPr>
-            <p:ph type="body" sz="quarter" idx="13"/>
-          </p:nvPr>
-        </p:nvSpPr>
-        <p:spPr/>
-        <p:txBody>
-          <a:bodyPr/>
-          <a:lstStyle/>
-          <a:p>
-            <a:r>
-              <a:rPr lang="en-CA"/>
-              <a:t>These slides include content from Brian Postlethwaite</a:t>
-            </a:r>
-          </a:p>
-          <a:p>
-            <a:r>
-              <a:rPr lang="en-CA"/>
-              <a:t>With updates by Lloyd McKenzie</a:t>
-            </a:r>
-          </a:p>
-          <a:p>
-            <a:endParaRPr lang="en-US"/>
-          </a:p>
-        </p:txBody>
-      </p:sp>
-      <p:sp>
-        <p:nvSpPr>
-          <p:cNvPr id="2" name="Footer Placeholder 1">
-            <a:extLst>
-              <a:ext uri="{FF2B5EF4-FFF2-40B4-BE49-F238E27FC236}">
-                <a16:creationId xmlns:a16="http://schemas.microsoft.com/office/drawing/2014/main" id="{12A36B17-60AD-40D9-B33D-C4B147E58C6F}"/>
-              </a:ext>
-            </a:extLst>
-          </p:cNvPr>
-          <p:cNvSpPr>
-            <a:spLocks noGrp="1"/>
-          </p:cNvSpPr>
-          <p:nvPr>
-            <p:ph type="ftr" sz="quarter" idx="10"/>
-          </p:nvPr>
-        </p:nvSpPr>
-        <p:spPr/>
-        <p:txBody>
-          <a:bodyPr/>
-          <a:lstStyle/>
-          <a:p>
-            <a:r>
-              <a:rPr lang="en-CA"/>
-              <a:t>© 2025 Health Level Seven ® International. All Rights Reserved. Published under the Creative Commons 3.0 Attribution </a:t>
-            </a:r>
-            <a:r>
-              <a:rPr lang="en-CA" err="1"/>
-              <a:t>Unported</a:t>
-            </a:r>
-            <a:r>
-              <a:rPr lang="en-CA"/>
-              <a:t> license</a:t>
-            </a:r>
-            <a:endParaRPr lang="en-US"/>
-          </a:p>
-        </p:txBody>
-      </p:sp>
-      <p:sp>
-        <p:nvSpPr>
-          <p:cNvPr id="6" name="Slide Number Placeholder 5">
-            <a:extLst>
-              <a:ext uri="{FF2B5EF4-FFF2-40B4-BE49-F238E27FC236}">
-                <a16:creationId xmlns:a16="http://schemas.microsoft.com/office/drawing/2014/main" id="{07B16E94-221A-418E-A0E5-BE63452C9BCB}"/>
-              </a:ext>
-            </a:extLst>
-          </p:cNvPr>
-          <p:cNvSpPr>
-            <a:spLocks noGrp="1"/>
-          </p:cNvSpPr>
-          <p:nvPr>
-            <p:ph type="sldNum" sz="quarter" idx="11"/>
-          </p:nvPr>
-        </p:nvSpPr>
-        <p:spPr/>
-        <p:txBody>
-          <a:bodyPr/>
-          <a:lstStyle/>
-          <a:p>
-            <a:fld id="{CEB45A3F-552B-4961-AC9A-06435CED62A6}" type="slidenum">
-              <a:rPr lang="en-US" smtClean="0"/>
-              <a:pPr/>
-              <a:t>5</a:t>
-            </a:fld>
-            <a:endParaRPr lang="en-US"/>
-          </a:p>
-        </p:txBody>
-      </p:sp>
-      <p:pic>
-        <p:nvPicPr>
-          <p:cNvPr id="3" name="Picture 2" descr="A close-up of colorful text&#10;&#10;Description automatically generated">
-            <a:extLst>
-              <a:ext uri="{FF2B5EF4-FFF2-40B4-BE49-F238E27FC236}">
-                <a16:creationId xmlns:a16="http://schemas.microsoft.com/office/drawing/2014/main" id="{EB2C76BC-55E1-5249-ECB2-3F41F4CC721C}"/>
-              </a:ext>
-            </a:extLst>
-          </p:cNvPr>
-          <p:cNvPicPr>
-            <a:picLocks noChangeAspect="1"/>
-          </p:cNvPicPr>
-          <p:nvPr/>
-        </p:nvPicPr>
-        <p:blipFill>
-          <a:blip r:embed="rId2">
-            <a:extLst>
-              <a:ext uri="{837473B0-CC2E-450A-ABE3-18F120FF3D39}">
-                <a1611:picAttrSrcUrl xmlns:a1611="http://schemas.microsoft.com/office/drawing/2016/11/main" r:id="rId3"/>
-              </a:ext>
-            </a:extLst>
-          </a:blip>
-          <a:stretch>
-            <a:fillRect/>
-          </a:stretch>
-        </p:blipFill>
-        <p:spPr>
-          <a:xfrm>
-            <a:off x="6342077" y="2753510"/>
-            <a:ext cx="2087548" cy="1391699"/>
-          </a:xfrm>
-          <a:prstGeom prst="rect">
-            <a:avLst/>
-          </a:prstGeom>
-        </p:spPr>
-      </p:pic>
-    </p:spTree>
-    <p:extLst>
-      <p:ext uri="{BB962C8B-B14F-4D97-AF65-F5344CB8AC3E}">
-        <p14:creationId xmlns:p14="http://schemas.microsoft.com/office/powerpoint/2010/main" val="1920275464"/>
-      </p:ext>
-    </p:extLst>
-  </p:cSld>
-  <p:clrMapOvr>
-    <a:masterClrMapping/>
-  </p:clrMapOvr>
-</p:sld>
-</file>
-
-<file path=ppt/slides/slide50.xml><?xml version="1.0" encoding="utf-8"?>
+<file path=ppt/slides/slide49.xml><?xml version="1.0" encoding="utf-8"?>
 <p:sld xmlns:a="http://schemas.openxmlformats.org/drawingml/2006/main" xmlns:r="http://schemas.openxmlformats.org/officeDocument/2006/relationships" xmlns:p="http://schemas.openxmlformats.org/presentationml/2006/main">
   <p:cSld>
     <p:spTree>
@@ -53875,8 +53412,8 @@
               <a:buNone/>
             </a:pPr>
             <a:r>
-              <a:rPr lang="en-US"/>
-              <a:t>Create a Questionnaire that uses a combination of observation-based and Definition-based extraction that includes questions for the following:</a:t>
+              <a:rPr lang="en-US" dirty="0"/>
+              <a:t>Create a Questionnaire that uses a combination of observation-based, definition-based, and template-based extraction that includes questions for the following:</a:t>
             </a:r>
           </a:p>
           <a:p>
@@ -53885,7 +53422,7 @@
               <a:buAutoNum type="arabicPeriod"/>
             </a:pPr>
             <a:r>
-              <a:rPr lang="en-US"/>
+              <a:rPr lang="en-US" dirty="0"/>
               <a:t>Patient’s birth date</a:t>
             </a:r>
           </a:p>
@@ -53895,7 +53432,7 @@
               <a:buAutoNum type="arabicPeriod"/>
             </a:pPr>
             <a:r>
-              <a:rPr lang="en-US"/>
+              <a:rPr lang="en-US" dirty="0"/>
               <a:t>Patient’s parent names</a:t>
             </a:r>
           </a:p>
@@ -53905,8 +53442,8 @@
               <a:buAutoNum type="arabicPeriod"/>
             </a:pPr>
             <a:r>
-              <a:rPr lang="en-CA"/>
-              <a:t>Patient’s most recent blood glucose</a:t>
+              <a:rPr lang="en-CA" dirty="0"/>
+              <a:t>Patient’s most recent weight</a:t>
             </a:r>
           </a:p>
         </p:txBody>
@@ -53964,7 +53501,7 @@
             <a:fld id="{6CACE926-AEF5-4BFE-8BD7-24414108CB7B}" type="slidenum">
               <a:rPr lang="en-US" altLang="en-US" smtClean="0"/>
               <a:pPr/>
-              <a:t>50</a:t>
+              <a:t>49</a:t>
             </a:fld>
             <a:endParaRPr lang="en-US" altLang="en-US"/>
           </a:p>
@@ -53974,6 +53511,488 @@
     <p:extLst>
       <p:ext uri="{BB962C8B-B14F-4D97-AF65-F5344CB8AC3E}">
         <p14:creationId xmlns:p14="http://schemas.microsoft.com/office/powerpoint/2010/main" val="2805408624"/>
+      </p:ext>
+    </p:extLst>
+  </p:cSld>
+  <p:clrMapOvr>
+    <a:masterClrMapping/>
+  </p:clrMapOvr>
+</p:sld>
+</file>
+
+<file path=ppt/slides/slide5.xml><?xml version="1.0" encoding="utf-8"?>
+<p:sld xmlns:a="http://schemas.openxmlformats.org/drawingml/2006/main" xmlns:r="http://schemas.openxmlformats.org/officeDocument/2006/relationships" xmlns:p="http://schemas.openxmlformats.org/presentationml/2006/main">
+  <p:cSld>
+    <p:spTree>
+      <p:nvGrpSpPr>
+        <p:cNvPr id="1" name=""/>
+        <p:cNvGrpSpPr/>
+        <p:nvPr/>
+      </p:nvGrpSpPr>
+      <p:grpSpPr>
+        <a:xfrm>
+          <a:off x="0" y="0"/>
+          <a:ext cx="0" cy="0"/>
+          <a:chOff x="0" y="0"/>
+          <a:chExt cx="0" cy="0"/>
+        </a:xfrm>
+      </p:grpSpPr>
+      <p:sp>
+        <p:nvSpPr>
+          <p:cNvPr id="2" name="Title 1">
+            <a:extLst>
+              <a:ext uri="{FF2B5EF4-FFF2-40B4-BE49-F238E27FC236}">
+                <a16:creationId xmlns:a16="http://schemas.microsoft.com/office/drawing/2014/main" id="{419FEAC5-7588-FFA5-7808-DD6CACB97120}"/>
+              </a:ext>
+            </a:extLst>
+          </p:cNvPr>
+          <p:cNvSpPr>
+            <a:spLocks noGrp="1"/>
+          </p:cNvSpPr>
+          <p:nvPr>
+            <p:ph type="title"/>
+          </p:nvPr>
+        </p:nvSpPr>
+        <p:spPr/>
+        <p:txBody>
+          <a:bodyPr/>
+          <a:lstStyle/>
+          <a:p>
+            <a:r>
+              <a:rPr lang="en-US"/>
+              <a:t>The SDC Collection</a:t>
+            </a:r>
+            <a:endParaRPr lang="en-CA"/>
+          </a:p>
+        </p:txBody>
+      </p:sp>
+      <p:sp>
+        <p:nvSpPr>
+          <p:cNvPr id="3" name="Text Placeholder 2">
+            <a:extLst>
+              <a:ext uri="{FF2B5EF4-FFF2-40B4-BE49-F238E27FC236}">
+                <a16:creationId xmlns:a16="http://schemas.microsoft.com/office/drawing/2014/main" id="{265F06E4-AA8E-0233-8B95-FA7FA4341F19}"/>
+              </a:ext>
+            </a:extLst>
+          </p:cNvPr>
+          <p:cNvSpPr>
+            <a:spLocks noGrp="1"/>
+          </p:cNvSpPr>
+          <p:nvPr>
+            <p:ph type="body" sz="quarter" idx="13"/>
+          </p:nvPr>
+        </p:nvSpPr>
+        <p:spPr/>
+        <p:txBody>
+          <a:bodyPr/>
+          <a:lstStyle/>
+          <a:p>
+            <a:r>
+              <a:rPr lang="en-US" sz="1800"/>
+              <a:t>SDC Overview</a:t>
+            </a:r>
+          </a:p>
+          <a:p>
+            <a:r>
+              <a:rPr lang="en-US" sz="1800"/>
+              <a:t>SDC Workflow</a:t>
+            </a:r>
+          </a:p>
+          <a:p>
+            <a:r>
+              <a:rPr lang="en-US" sz="1800"/>
+              <a:t>SDC Expressions</a:t>
+            </a:r>
+            <a:r>
+              <a:rPr lang="en-US" sz="1800" b="1"/>
+              <a:t> (essential prerequisite)</a:t>
+            </a:r>
+          </a:p>
+          <a:p>
+            <a:r>
+              <a:rPr lang="en-US" sz="1800"/>
+              <a:t>SDC Rendering &amp; Behavior</a:t>
+            </a:r>
+          </a:p>
+          <a:p>
+            <a:r>
+              <a:rPr lang="en-US" sz="1800"/>
+              <a:t>SDC Population</a:t>
+            </a:r>
+            <a:r>
+              <a:rPr lang="en-US" sz="1800" b="1"/>
+              <a:t> (recommended prerequisite)</a:t>
+            </a:r>
+            <a:endParaRPr lang="en-US" sz="1800"/>
+          </a:p>
+          <a:p>
+            <a:r>
+              <a:rPr lang="en-US" sz="1800" b="1"/>
+              <a:t>SDC Extraction </a:t>
+            </a:r>
+            <a:r>
+              <a:rPr lang="en-US" sz="1800"/>
+              <a:t>(you are here)</a:t>
+            </a:r>
+            <a:endParaRPr lang="en-US" sz="1800" b="1"/>
+          </a:p>
+          <a:p>
+            <a:r>
+              <a:rPr lang="en-US" sz="1800"/>
+              <a:t>SDC Adaptive Forms</a:t>
+            </a:r>
+          </a:p>
+          <a:p>
+            <a:r>
+              <a:rPr lang="en-US" sz="1800"/>
+              <a:t>SDC Modular &amp; Derived Forms</a:t>
+            </a:r>
+          </a:p>
+        </p:txBody>
+      </p:sp>
+      <p:sp>
+        <p:nvSpPr>
+          <p:cNvPr id="4" name="Footer Placeholder 3">
+            <a:extLst>
+              <a:ext uri="{FF2B5EF4-FFF2-40B4-BE49-F238E27FC236}">
+                <a16:creationId xmlns:a16="http://schemas.microsoft.com/office/drawing/2014/main" id="{E203CAF6-E711-E44D-32E7-0E369101B9FF}"/>
+              </a:ext>
+            </a:extLst>
+          </p:cNvPr>
+          <p:cNvSpPr>
+            <a:spLocks noGrp="1"/>
+          </p:cNvSpPr>
+          <p:nvPr>
+            <p:ph type="ftr" sz="quarter" idx="10"/>
+          </p:nvPr>
+        </p:nvSpPr>
+        <p:spPr/>
+        <p:txBody>
+          <a:bodyPr/>
+          <a:lstStyle/>
+          <a:p>
+            <a:r>
+              <a:rPr lang="en-CA" b="1"/>
+              <a:t>© 2025 Health Level Seven ® International. All Rights Reserved. Published under the Creative Commons 3.0 Attribution Unported license</a:t>
+            </a:r>
+            <a:endParaRPr lang="en-US" b="1"/>
+          </a:p>
+        </p:txBody>
+      </p:sp>
+      <p:sp>
+        <p:nvSpPr>
+          <p:cNvPr id="5" name="Slide Number Placeholder 4">
+            <a:extLst>
+              <a:ext uri="{FF2B5EF4-FFF2-40B4-BE49-F238E27FC236}">
+                <a16:creationId xmlns:a16="http://schemas.microsoft.com/office/drawing/2014/main" id="{CB15D9DB-A44F-677D-5488-97739A333A59}"/>
+              </a:ext>
+            </a:extLst>
+          </p:cNvPr>
+          <p:cNvSpPr>
+            <a:spLocks noGrp="1"/>
+          </p:cNvSpPr>
+          <p:nvPr>
+            <p:ph type="sldNum" sz="quarter" idx="11"/>
+          </p:nvPr>
+        </p:nvSpPr>
+        <p:spPr/>
+        <p:txBody>
+          <a:bodyPr/>
+          <a:lstStyle/>
+          <a:p>
+            <a:fld id="{6CACE926-AEF5-4BFE-8BD7-24414108CB7B}" type="slidenum">
+              <a:rPr lang="en-US" altLang="en-US" smtClean="0"/>
+              <a:pPr/>
+              <a:t>5</a:t>
+            </a:fld>
+            <a:endParaRPr lang="en-US" altLang="en-US"/>
+          </a:p>
+        </p:txBody>
+      </p:sp>
+      <p:pic>
+        <p:nvPicPr>
+          <p:cNvPr id="9" name="Picture 8" descr="A clipboard with a pen on it&#10;&#10;Description automatically generated">
+            <a:extLst>
+              <a:ext uri="{FF2B5EF4-FFF2-40B4-BE49-F238E27FC236}">
+                <a16:creationId xmlns:a16="http://schemas.microsoft.com/office/drawing/2014/main" id="{CFF6F728-96A8-7235-4C40-599BDBE71EB0}"/>
+              </a:ext>
+            </a:extLst>
+          </p:cNvPr>
+          <p:cNvPicPr>
+            <a:picLocks noChangeAspect="1"/>
+          </p:cNvPicPr>
+          <p:nvPr/>
+        </p:nvPicPr>
+        <p:blipFill>
+          <a:blip r:embed="rId2">
+            <a:extLst>
+              <a:ext uri="{837473B0-CC2E-450A-ABE3-18F120FF3D39}">
+                <a1611:picAttrSrcUrl xmlns:a1611="http://schemas.microsoft.com/office/drawing/2016/11/main" r:id="rId3"/>
+              </a:ext>
+            </a:extLst>
+          </a:blip>
+          <a:stretch>
+            <a:fillRect/>
+          </a:stretch>
+        </p:blipFill>
+        <p:spPr>
+          <a:xfrm>
+            <a:off x="6365671" y="1454442"/>
+            <a:ext cx="1714500" cy="1714500"/>
+          </a:xfrm>
+          <a:prstGeom prst="rect">
+            <a:avLst/>
+          </a:prstGeom>
+        </p:spPr>
+      </p:pic>
+    </p:spTree>
+    <p:extLst>
+      <p:ext uri="{BB962C8B-B14F-4D97-AF65-F5344CB8AC3E}">
+        <p14:creationId xmlns:p14="http://schemas.microsoft.com/office/powerpoint/2010/main" val="1068210073"/>
+      </p:ext>
+    </p:extLst>
+  </p:cSld>
+  <p:clrMapOvr>
+    <a:masterClrMapping/>
+  </p:clrMapOvr>
+</p:sld>
+</file>
+
+<file path=ppt/slides/slide50.xml><?xml version="1.0" encoding="utf-8"?>
+<p:sld xmlns:a="http://schemas.openxmlformats.org/drawingml/2006/main" xmlns:r="http://schemas.openxmlformats.org/officeDocument/2006/relationships" xmlns:p="http://schemas.openxmlformats.org/presentationml/2006/main">
+  <p:cSld>
+    <p:spTree>
+      <p:nvGrpSpPr>
+        <p:cNvPr id="1" name="">
+          <a:extLst>
+            <a:ext uri="{FF2B5EF4-FFF2-40B4-BE49-F238E27FC236}">
+              <a16:creationId xmlns:a16="http://schemas.microsoft.com/office/drawing/2014/main" id="{6ACB46A5-80B2-DED8-F000-483AE6D50449}"/>
+            </a:ext>
+          </a:extLst>
+        </p:cNvPr>
+        <p:cNvGrpSpPr/>
+        <p:nvPr/>
+      </p:nvGrpSpPr>
+      <p:grpSpPr>
+        <a:xfrm>
+          <a:off x="0" y="0"/>
+          <a:ext cx="0" cy="0"/>
+          <a:chOff x="0" y="0"/>
+          <a:chExt cx="0" cy="0"/>
+        </a:xfrm>
+      </p:grpSpPr>
+      <p:sp>
+        <p:nvSpPr>
+          <p:cNvPr id="2" name="Title 1">
+            <a:extLst>
+              <a:ext uri="{FF2B5EF4-FFF2-40B4-BE49-F238E27FC236}">
+                <a16:creationId xmlns:a16="http://schemas.microsoft.com/office/drawing/2014/main" id="{CCC79510-ED4A-6171-D6D8-4AFED9EADB14}"/>
+              </a:ext>
+            </a:extLst>
+          </p:cNvPr>
+          <p:cNvSpPr>
+            <a:spLocks noGrp="1"/>
+          </p:cNvSpPr>
+          <p:nvPr>
+            <p:ph type="title"/>
+          </p:nvPr>
+        </p:nvSpPr>
+        <p:spPr/>
+        <p:txBody>
+          <a:bodyPr/>
+          <a:lstStyle/>
+          <a:p>
+            <a:r>
+              <a:rPr lang="en-US"/>
+              <a:t>The SDC Collection</a:t>
+            </a:r>
+            <a:endParaRPr lang="en-CA"/>
+          </a:p>
+        </p:txBody>
+      </p:sp>
+      <p:sp>
+        <p:nvSpPr>
+          <p:cNvPr id="3" name="Text Placeholder 2">
+            <a:extLst>
+              <a:ext uri="{FF2B5EF4-FFF2-40B4-BE49-F238E27FC236}">
+                <a16:creationId xmlns:a16="http://schemas.microsoft.com/office/drawing/2014/main" id="{64107097-A662-7500-C098-B6CCF3BBC6FA}"/>
+              </a:ext>
+            </a:extLst>
+          </p:cNvPr>
+          <p:cNvSpPr>
+            <a:spLocks noGrp="1"/>
+          </p:cNvSpPr>
+          <p:nvPr>
+            <p:ph type="body" sz="quarter" idx="13"/>
+          </p:nvPr>
+        </p:nvSpPr>
+        <p:spPr/>
+        <p:txBody>
+          <a:bodyPr/>
+          <a:lstStyle/>
+          <a:p>
+            <a:r>
+              <a:rPr lang="en-US" sz="1800"/>
+              <a:t>SDC Overview</a:t>
+            </a:r>
+          </a:p>
+          <a:p>
+            <a:r>
+              <a:rPr lang="en-US" sz="1800"/>
+              <a:t>SDC Workflow</a:t>
+            </a:r>
+          </a:p>
+          <a:p>
+            <a:r>
+              <a:rPr lang="en-US" sz="1800"/>
+              <a:t>SDC Expressions</a:t>
+            </a:r>
+            <a:r>
+              <a:rPr lang="en-US" sz="1800" b="1"/>
+              <a:t> (essential prerequisite)</a:t>
+            </a:r>
+          </a:p>
+          <a:p>
+            <a:r>
+              <a:rPr lang="en-US" sz="1800"/>
+              <a:t>SDC Rendering &amp; Behavior</a:t>
+            </a:r>
+          </a:p>
+          <a:p>
+            <a:r>
+              <a:rPr lang="en-US" sz="1800"/>
+              <a:t>SDC Population</a:t>
+            </a:r>
+            <a:r>
+              <a:rPr lang="en-US" sz="1800" b="1"/>
+              <a:t> (recommended prerequisite)</a:t>
+            </a:r>
+            <a:endParaRPr lang="en-US" sz="1800"/>
+          </a:p>
+          <a:p>
+            <a:r>
+              <a:rPr lang="en-US" sz="1800" b="1"/>
+              <a:t>SDC Extraction </a:t>
+            </a:r>
+            <a:r>
+              <a:rPr lang="en-US" sz="1800"/>
+              <a:t>(you are here)</a:t>
+            </a:r>
+            <a:endParaRPr lang="en-US" sz="1800" b="1"/>
+          </a:p>
+          <a:p>
+            <a:r>
+              <a:rPr lang="en-US" sz="1800"/>
+              <a:t>SDC Adaptive Forms</a:t>
+            </a:r>
+          </a:p>
+          <a:p>
+            <a:r>
+              <a:rPr lang="en-US" sz="1800"/>
+              <a:t>SDC Modular &amp; Derived Forms</a:t>
+            </a:r>
+          </a:p>
+        </p:txBody>
+      </p:sp>
+      <p:sp>
+        <p:nvSpPr>
+          <p:cNvPr id="4" name="Footer Placeholder 3">
+            <a:extLst>
+              <a:ext uri="{FF2B5EF4-FFF2-40B4-BE49-F238E27FC236}">
+                <a16:creationId xmlns:a16="http://schemas.microsoft.com/office/drawing/2014/main" id="{A564B4E5-3C62-3326-26CF-2D7D29932579}"/>
+              </a:ext>
+            </a:extLst>
+          </p:cNvPr>
+          <p:cNvSpPr>
+            <a:spLocks noGrp="1"/>
+          </p:cNvSpPr>
+          <p:nvPr>
+            <p:ph type="ftr" sz="quarter" idx="10"/>
+          </p:nvPr>
+        </p:nvSpPr>
+        <p:spPr/>
+        <p:txBody>
+          <a:bodyPr/>
+          <a:lstStyle/>
+          <a:p>
+            <a:r>
+              <a:rPr lang="en-CA" b="1"/>
+              <a:t>© 2025 Health Level Seven ® International. All Rights Reserved. Published under the Creative Commons 3.0 Attribution Unported license</a:t>
+            </a:r>
+            <a:endParaRPr lang="en-US" b="1"/>
+          </a:p>
+        </p:txBody>
+      </p:sp>
+      <p:sp>
+        <p:nvSpPr>
+          <p:cNvPr id="5" name="Slide Number Placeholder 4">
+            <a:extLst>
+              <a:ext uri="{FF2B5EF4-FFF2-40B4-BE49-F238E27FC236}">
+                <a16:creationId xmlns:a16="http://schemas.microsoft.com/office/drawing/2014/main" id="{2B795224-C101-5266-B856-6D88CF7B003F}"/>
+              </a:ext>
+            </a:extLst>
+          </p:cNvPr>
+          <p:cNvSpPr>
+            <a:spLocks noGrp="1"/>
+          </p:cNvSpPr>
+          <p:nvPr>
+            <p:ph type="sldNum" sz="quarter" idx="11"/>
+          </p:nvPr>
+        </p:nvSpPr>
+        <p:spPr/>
+        <p:txBody>
+          <a:bodyPr/>
+          <a:lstStyle/>
+          <a:p>
+            <a:fld id="{6CACE926-AEF5-4BFE-8BD7-24414108CB7B}" type="slidenum">
+              <a:rPr lang="en-US" altLang="en-US" smtClean="0"/>
+              <a:pPr/>
+              <a:t>50</a:t>
+            </a:fld>
+            <a:endParaRPr lang="en-US" altLang="en-US"/>
+          </a:p>
+        </p:txBody>
+      </p:sp>
+      <p:pic>
+        <p:nvPicPr>
+          <p:cNvPr id="9" name="Picture 8" descr="A clipboard with a pen on it&#10;&#10;Description automatically generated">
+            <a:extLst>
+              <a:ext uri="{FF2B5EF4-FFF2-40B4-BE49-F238E27FC236}">
+                <a16:creationId xmlns:a16="http://schemas.microsoft.com/office/drawing/2014/main" id="{D638D938-E875-0573-5B6A-6B34C3D60652}"/>
+              </a:ext>
+            </a:extLst>
+          </p:cNvPr>
+          <p:cNvPicPr>
+            <a:picLocks noChangeAspect="1"/>
+          </p:cNvPicPr>
+          <p:nvPr/>
+        </p:nvPicPr>
+        <p:blipFill>
+          <a:blip r:embed="rId2">
+            <a:extLst>
+              <a:ext uri="{837473B0-CC2E-450A-ABE3-18F120FF3D39}">
+                <a1611:picAttrSrcUrl xmlns:a1611="http://schemas.microsoft.com/office/drawing/2016/11/main" r:id="rId3"/>
+              </a:ext>
+            </a:extLst>
+          </a:blip>
+          <a:stretch>
+            <a:fillRect/>
+          </a:stretch>
+        </p:blipFill>
+        <p:spPr>
+          <a:xfrm>
+            <a:off x="6365671" y="1454442"/>
+            <a:ext cx="1714500" cy="1714500"/>
+          </a:xfrm>
+          <a:prstGeom prst="rect">
+            <a:avLst/>
+          </a:prstGeom>
+        </p:spPr>
+      </p:pic>
+    </p:spTree>
+    <p:extLst>
+      <p:ext uri="{BB962C8B-B14F-4D97-AF65-F5344CB8AC3E}">
+        <p14:creationId xmlns:p14="http://schemas.microsoft.com/office/powerpoint/2010/main" val="1142538828"/>
       </p:ext>
     </p:extLst>
   </p:cSld>
@@ -54292,244 +54311,6 @@
           <p:cNvPr id="2" name="Title 1">
             <a:extLst>
               <a:ext uri="{FF2B5EF4-FFF2-40B4-BE49-F238E27FC236}">
-                <a16:creationId xmlns:a16="http://schemas.microsoft.com/office/drawing/2014/main" id="{419FEAC5-7588-FFA5-7808-DD6CACB97120}"/>
-              </a:ext>
-            </a:extLst>
-          </p:cNvPr>
-          <p:cNvSpPr>
-            <a:spLocks noGrp="1"/>
-          </p:cNvSpPr>
-          <p:nvPr>
-            <p:ph type="title"/>
-          </p:nvPr>
-        </p:nvSpPr>
-        <p:spPr/>
-        <p:txBody>
-          <a:bodyPr/>
-          <a:lstStyle/>
-          <a:p>
-            <a:r>
-              <a:rPr lang="en-US"/>
-              <a:t>The SDC Collection</a:t>
-            </a:r>
-            <a:endParaRPr lang="en-CA"/>
-          </a:p>
-        </p:txBody>
-      </p:sp>
-      <p:sp>
-        <p:nvSpPr>
-          <p:cNvPr id="3" name="Text Placeholder 2">
-            <a:extLst>
-              <a:ext uri="{FF2B5EF4-FFF2-40B4-BE49-F238E27FC236}">
-                <a16:creationId xmlns:a16="http://schemas.microsoft.com/office/drawing/2014/main" id="{265F06E4-AA8E-0233-8B95-FA7FA4341F19}"/>
-              </a:ext>
-            </a:extLst>
-          </p:cNvPr>
-          <p:cNvSpPr>
-            <a:spLocks noGrp="1"/>
-          </p:cNvSpPr>
-          <p:nvPr>
-            <p:ph type="body" sz="quarter" idx="13"/>
-          </p:nvPr>
-        </p:nvSpPr>
-        <p:spPr/>
-        <p:txBody>
-          <a:bodyPr/>
-          <a:lstStyle/>
-          <a:p>
-            <a:r>
-              <a:rPr lang="en-US" sz="1800"/>
-              <a:t>SDC Overview</a:t>
-            </a:r>
-          </a:p>
-          <a:p>
-            <a:r>
-              <a:rPr lang="en-US" sz="1800"/>
-              <a:t>SDC Workflow</a:t>
-            </a:r>
-          </a:p>
-          <a:p>
-            <a:r>
-              <a:rPr lang="en-US" sz="1800"/>
-              <a:t>SDC Expressions</a:t>
-            </a:r>
-            <a:r>
-              <a:rPr lang="en-US" sz="1800" b="1"/>
-              <a:t> (essential prerequisite)</a:t>
-            </a:r>
-          </a:p>
-          <a:p>
-            <a:r>
-              <a:rPr lang="en-US" sz="1800"/>
-              <a:t>SDC Rendering &amp; Behavior</a:t>
-            </a:r>
-          </a:p>
-          <a:p>
-            <a:r>
-              <a:rPr lang="en-US" sz="1800"/>
-              <a:t>SDC Population</a:t>
-            </a:r>
-            <a:r>
-              <a:rPr lang="en-US" sz="1800" b="1"/>
-              <a:t> (recommended prerequisite)</a:t>
-            </a:r>
-            <a:endParaRPr lang="en-US" sz="1800"/>
-          </a:p>
-          <a:p>
-            <a:r>
-              <a:rPr lang="en-US" sz="1800" b="1"/>
-              <a:t>SDC Extraction </a:t>
-            </a:r>
-            <a:r>
-              <a:rPr lang="en-US" sz="1800"/>
-              <a:t>(you are here)</a:t>
-            </a:r>
-            <a:endParaRPr lang="en-US" sz="1800" b="1"/>
-          </a:p>
-          <a:p>
-            <a:r>
-              <a:rPr lang="en-US" sz="1800"/>
-              <a:t>SDC Adaptive Forms</a:t>
-            </a:r>
-          </a:p>
-          <a:p>
-            <a:r>
-              <a:rPr lang="en-US" sz="1800"/>
-              <a:t>SDC Modular &amp; Derived Forms</a:t>
-            </a:r>
-          </a:p>
-        </p:txBody>
-      </p:sp>
-      <p:sp>
-        <p:nvSpPr>
-          <p:cNvPr id="4" name="Footer Placeholder 3">
-            <a:extLst>
-              <a:ext uri="{FF2B5EF4-FFF2-40B4-BE49-F238E27FC236}">
-                <a16:creationId xmlns:a16="http://schemas.microsoft.com/office/drawing/2014/main" id="{E203CAF6-E711-E44D-32E7-0E369101B9FF}"/>
-              </a:ext>
-            </a:extLst>
-          </p:cNvPr>
-          <p:cNvSpPr>
-            <a:spLocks noGrp="1"/>
-          </p:cNvSpPr>
-          <p:nvPr>
-            <p:ph type="ftr" sz="quarter" idx="10"/>
-          </p:nvPr>
-        </p:nvSpPr>
-        <p:spPr/>
-        <p:txBody>
-          <a:bodyPr/>
-          <a:lstStyle/>
-          <a:p>
-            <a:r>
-              <a:rPr lang="en-CA" b="1"/>
-              <a:t>© 2025 Health Level Seven ® International. All Rights Reserved. Published under the Creative Commons 3.0 Attribution Unported license</a:t>
-            </a:r>
-            <a:endParaRPr lang="en-US" b="1"/>
-          </a:p>
-        </p:txBody>
-      </p:sp>
-      <p:sp>
-        <p:nvSpPr>
-          <p:cNvPr id="5" name="Slide Number Placeholder 4">
-            <a:extLst>
-              <a:ext uri="{FF2B5EF4-FFF2-40B4-BE49-F238E27FC236}">
-                <a16:creationId xmlns:a16="http://schemas.microsoft.com/office/drawing/2014/main" id="{CB15D9DB-A44F-677D-5488-97739A333A59}"/>
-              </a:ext>
-            </a:extLst>
-          </p:cNvPr>
-          <p:cNvSpPr>
-            <a:spLocks noGrp="1"/>
-          </p:cNvSpPr>
-          <p:nvPr>
-            <p:ph type="sldNum" sz="quarter" idx="11"/>
-          </p:nvPr>
-        </p:nvSpPr>
-        <p:spPr/>
-        <p:txBody>
-          <a:bodyPr/>
-          <a:lstStyle/>
-          <a:p>
-            <a:fld id="{6CACE926-AEF5-4BFE-8BD7-24414108CB7B}" type="slidenum">
-              <a:rPr lang="en-US" altLang="en-US" smtClean="0"/>
-              <a:pPr/>
-              <a:t>6</a:t>
-            </a:fld>
-            <a:endParaRPr lang="en-US" altLang="en-US"/>
-          </a:p>
-        </p:txBody>
-      </p:sp>
-      <p:pic>
-        <p:nvPicPr>
-          <p:cNvPr id="9" name="Picture 8" descr="A clipboard with a pen on it&#10;&#10;Description automatically generated">
-            <a:extLst>
-              <a:ext uri="{FF2B5EF4-FFF2-40B4-BE49-F238E27FC236}">
-                <a16:creationId xmlns:a16="http://schemas.microsoft.com/office/drawing/2014/main" id="{CFF6F728-96A8-7235-4C40-599BDBE71EB0}"/>
-              </a:ext>
-            </a:extLst>
-          </p:cNvPr>
-          <p:cNvPicPr>
-            <a:picLocks noChangeAspect="1"/>
-          </p:cNvPicPr>
-          <p:nvPr/>
-        </p:nvPicPr>
-        <p:blipFill>
-          <a:blip r:embed="rId2">
-            <a:extLst>
-              <a:ext uri="{837473B0-CC2E-450A-ABE3-18F120FF3D39}">
-                <a1611:picAttrSrcUrl xmlns:a1611="http://schemas.microsoft.com/office/drawing/2016/11/main" r:id="rId3"/>
-              </a:ext>
-            </a:extLst>
-          </a:blip>
-          <a:stretch>
-            <a:fillRect/>
-          </a:stretch>
-        </p:blipFill>
-        <p:spPr>
-          <a:xfrm>
-            <a:off x="6365671" y="1454442"/>
-            <a:ext cx="1714500" cy="1714500"/>
-          </a:xfrm>
-          <a:prstGeom prst="rect">
-            <a:avLst/>
-          </a:prstGeom>
-        </p:spPr>
-      </p:pic>
-    </p:spTree>
-    <p:extLst>
-      <p:ext uri="{BB962C8B-B14F-4D97-AF65-F5344CB8AC3E}">
-        <p14:creationId xmlns:p14="http://schemas.microsoft.com/office/powerpoint/2010/main" val="1068210073"/>
-      </p:ext>
-    </p:extLst>
-  </p:cSld>
-  <p:clrMapOvr>
-    <a:masterClrMapping/>
-  </p:clrMapOvr>
-</p:sld>
-</file>
-
-<file path=ppt/slides/slide7.xml><?xml version="1.0" encoding="utf-8"?>
-<p:sld xmlns:a="http://schemas.openxmlformats.org/drawingml/2006/main" xmlns:r="http://schemas.openxmlformats.org/officeDocument/2006/relationships" xmlns:p="http://schemas.openxmlformats.org/presentationml/2006/main">
-  <p:cSld>
-    <p:spTree>
-      <p:nvGrpSpPr>
-        <p:cNvPr id="1" name=""/>
-        <p:cNvGrpSpPr/>
-        <p:nvPr/>
-      </p:nvGrpSpPr>
-      <p:grpSpPr>
-        <a:xfrm>
-          <a:off x="0" y="0"/>
-          <a:ext cx="0" cy="0"/>
-          <a:chOff x="0" y="0"/>
-          <a:chExt cx="0" cy="0"/>
-        </a:xfrm>
-      </p:grpSpPr>
-      <p:sp>
-        <p:nvSpPr>
-          <p:cNvPr id="2" name="Title 1">
-            <a:extLst>
-              <a:ext uri="{FF2B5EF4-FFF2-40B4-BE49-F238E27FC236}">
                 <a16:creationId xmlns:a16="http://schemas.microsoft.com/office/drawing/2014/main" id="{C9E5796A-703C-4177-BA46-441C4ECE8CE3}"/>
               </a:ext>
             </a:extLst>
@@ -54651,7 +54432,7 @@
 </p:sld>
 </file>
 
-<file path=ppt/slides/slide8.xml><?xml version="1.0" encoding="utf-8"?>
+<file path=ppt/slides/slide7.xml><?xml version="1.0" encoding="utf-8"?>
 <p:sld xmlns:a="http://schemas.openxmlformats.org/drawingml/2006/main" xmlns:r="http://schemas.openxmlformats.org/officeDocument/2006/relationships" xmlns:p="http://schemas.openxmlformats.org/presentationml/2006/main">
   <p:cSld>
     <p:spTree>
@@ -54727,7 +54508,7 @@
             <a:fld id="{6CACE926-AEF5-4BFE-8BD7-24414108CB7B}" type="slidenum">
               <a:rPr lang="en-US" altLang="en-US" smtClean="0"/>
               <a:pPr/>
-              <a:t>8</a:t>
+              <a:t>7</a:t>
             </a:fld>
             <a:endParaRPr lang="en-US" altLang="en-US"/>
           </a:p>
@@ -54774,7 +54555,7 @@
 </p:sld>
 </file>
 
-<file path=ppt/slides/slide9.xml><?xml version="1.0" encoding="utf-8"?>
+<file path=ppt/slides/slide8.xml><?xml version="1.0" encoding="utf-8"?>
 <p:sld xmlns:a="http://schemas.openxmlformats.org/drawingml/2006/main" xmlns:r="http://schemas.openxmlformats.org/officeDocument/2006/relationships" xmlns:p="http://schemas.openxmlformats.org/presentationml/2006/main">
   <p:cSld>
     <p:spTree>
@@ -54850,7 +54631,7 @@
             <a:fld id="{6CACE926-AEF5-4BFE-8BD7-24414108CB7B}" type="slidenum">
               <a:rPr lang="en-US" altLang="en-US" smtClean="0"/>
               <a:pPr/>
-              <a:t>9</a:t>
+              <a:t>8</a:t>
             </a:fld>
             <a:endParaRPr lang="en-US" altLang="en-US"/>
           </a:p>
@@ -54869,7 +54650,7 @@
           <p:nvPr>
             <p:extLst>
               <p:ext uri="{D42A27DB-BD31-4B8C-83A1-F6EECF244321}">
-                <p14:modId xmlns:p14="http://schemas.microsoft.com/office/powerpoint/2010/main" val="3341553123"/>
+                <p14:modId xmlns:p14="http://schemas.microsoft.com/office/powerpoint/2010/main" val="3880250037"/>
               </p:ext>
             </p:extLst>
           </p:nvPr>
@@ -54888,6 +54669,206 @@
     <p:extLst>
       <p:ext uri="{BB962C8B-B14F-4D97-AF65-F5344CB8AC3E}">
         <p14:creationId xmlns:p14="http://schemas.microsoft.com/office/powerpoint/2010/main" val="2614495905"/>
+      </p:ext>
+    </p:extLst>
+  </p:cSld>
+  <p:clrMapOvr>
+    <a:masterClrMapping/>
+  </p:clrMapOvr>
+</p:sld>
+</file>
+
+<file path=ppt/slides/slide9.xml><?xml version="1.0" encoding="utf-8"?>
+<p:sld xmlns:a="http://schemas.openxmlformats.org/drawingml/2006/main" xmlns:r="http://schemas.openxmlformats.org/officeDocument/2006/relationships" xmlns:p="http://schemas.openxmlformats.org/presentationml/2006/main">
+  <p:cSld>
+    <p:spTree>
+      <p:nvGrpSpPr>
+        <p:cNvPr id="1" name=""/>
+        <p:cNvGrpSpPr/>
+        <p:nvPr/>
+      </p:nvGrpSpPr>
+      <p:grpSpPr>
+        <a:xfrm>
+          <a:off x="0" y="0"/>
+          <a:ext cx="0" cy="0"/>
+          <a:chOff x="0" y="0"/>
+          <a:chExt cx="0" cy="0"/>
+        </a:xfrm>
+      </p:grpSpPr>
+      <p:sp>
+        <p:nvSpPr>
+          <p:cNvPr id="5" name="Title 4">
+            <a:extLst>
+              <a:ext uri="{FF2B5EF4-FFF2-40B4-BE49-F238E27FC236}">
+                <a16:creationId xmlns:a16="http://schemas.microsoft.com/office/drawing/2014/main" id="{7445A3EF-F95F-1ADA-66F9-800ADE9B40C6}"/>
+              </a:ext>
+            </a:extLst>
+          </p:cNvPr>
+          <p:cNvSpPr>
+            <a:spLocks noGrp="1"/>
+          </p:cNvSpPr>
+          <p:nvPr>
+            <p:ph type="title"/>
+          </p:nvPr>
+        </p:nvSpPr>
+        <p:spPr/>
+        <p:txBody>
+          <a:bodyPr/>
+          <a:lstStyle/>
+          <a:p>
+            <a:r>
+              <a:rPr lang="en-US"/>
+              <a:t>Rationale for extraction</a:t>
+            </a:r>
+            <a:endParaRPr lang="en-CA"/>
+          </a:p>
+        </p:txBody>
+      </p:sp>
+      <p:sp>
+        <p:nvSpPr>
+          <p:cNvPr id="6" name="Text Placeholder 5">
+            <a:extLst>
+              <a:ext uri="{FF2B5EF4-FFF2-40B4-BE49-F238E27FC236}">
+                <a16:creationId xmlns:a16="http://schemas.microsoft.com/office/drawing/2014/main" id="{D845FD7C-AA28-D0B4-33C4-A9DDAD29160A}"/>
+              </a:ext>
+            </a:extLst>
+          </p:cNvPr>
+          <p:cNvSpPr>
+            <a:spLocks noGrp="1"/>
+          </p:cNvSpPr>
+          <p:nvPr>
+            <p:ph type="body" sz="quarter" idx="13"/>
+          </p:nvPr>
+        </p:nvSpPr>
+        <p:spPr>
+          <a:xfrm>
+            <a:off x="614362" y="1357310"/>
+            <a:ext cx="4779759" cy="3098780"/>
+          </a:xfrm>
+        </p:spPr>
+        <p:txBody>
+          <a:bodyPr/>
+          <a:lstStyle/>
+          <a:p>
+            <a:r>
+              <a:rPr lang="en-US"/>
+              <a:t>Questionnaires aren’t ‘standard’ / interoperable</a:t>
+            </a:r>
+          </a:p>
+          <a:p>
+            <a:r>
+              <a:rPr lang="en-US"/>
+              <a:t>QuestionnaireResponses aren’t very searchable</a:t>
+            </a:r>
+          </a:p>
+          <a:p>
+            <a:r>
+              <a:rPr lang="en-US"/>
+              <a:t>Relevant data should appear in ‘one’ place</a:t>
+            </a:r>
+            <a:endParaRPr lang="en-CA"/>
+          </a:p>
+        </p:txBody>
+      </p:sp>
+      <p:sp>
+        <p:nvSpPr>
+          <p:cNvPr id="3" name="Footer Placeholder 2">
+            <a:extLst>
+              <a:ext uri="{FF2B5EF4-FFF2-40B4-BE49-F238E27FC236}">
+                <a16:creationId xmlns:a16="http://schemas.microsoft.com/office/drawing/2014/main" id="{D8136FED-0229-CDD8-8100-DABD768C7D44}"/>
+              </a:ext>
+            </a:extLst>
+          </p:cNvPr>
+          <p:cNvSpPr>
+            <a:spLocks noGrp="1"/>
+          </p:cNvSpPr>
+          <p:nvPr>
+            <p:ph type="ftr" sz="quarter" idx="10"/>
+          </p:nvPr>
+        </p:nvSpPr>
+        <p:spPr/>
+        <p:txBody>
+          <a:bodyPr/>
+          <a:lstStyle/>
+          <a:p>
+            <a:r>
+              <a:rPr lang="en-CA" b="1"/>
+              <a:t>© 2025 Health Level Seven ® International. All Rights Reserved. Published under the Creative Commons 3.0 Attribution Unported license</a:t>
+            </a:r>
+            <a:endParaRPr lang="en-US" b="1"/>
+          </a:p>
+        </p:txBody>
+      </p:sp>
+      <p:sp>
+        <p:nvSpPr>
+          <p:cNvPr id="4" name="Slide Number Placeholder 3">
+            <a:extLst>
+              <a:ext uri="{FF2B5EF4-FFF2-40B4-BE49-F238E27FC236}">
+                <a16:creationId xmlns:a16="http://schemas.microsoft.com/office/drawing/2014/main" id="{9C24CF50-A2AB-9E57-631F-D717DB7B4C6C}"/>
+              </a:ext>
+            </a:extLst>
+          </p:cNvPr>
+          <p:cNvSpPr>
+            <a:spLocks noGrp="1"/>
+          </p:cNvSpPr>
+          <p:nvPr>
+            <p:ph type="sldNum" sz="quarter" idx="11"/>
+          </p:nvPr>
+        </p:nvSpPr>
+        <p:spPr/>
+        <p:txBody>
+          <a:bodyPr/>
+          <a:lstStyle/>
+          <a:p>
+            <a:fld id="{6CACE926-AEF5-4BFE-8BD7-24414108CB7B}" type="slidenum">
+              <a:rPr lang="en-US" altLang="en-US" smtClean="0"/>
+              <a:pPr/>
+              <a:t>9</a:t>
+            </a:fld>
+            <a:endParaRPr lang="en-US" altLang="en-US"/>
+          </a:p>
+        </p:txBody>
+      </p:sp>
+      <p:pic>
+        <p:nvPicPr>
+          <p:cNvPr id="8" name="Picture 7" descr="A hand holding a yellow paper with black text&#10;&#10;Description automatically generated">
+            <a:extLst>
+              <a:ext uri="{FF2B5EF4-FFF2-40B4-BE49-F238E27FC236}">
+                <a16:creationId xmlns:a16="http://schemas.microsoft.com/office/drawing/2014/main" id="{609A5118-F888-EB8B-E4FB-A7DC35D2673C}"/>
+              </a:ext>
+            </a:extLst>
+          </p:cNvPr>
+          <p:cNvPicPr>
+            <a:picLocks noChangeAspect="1"/>
+          </p:cNvPicPr>
+          <p:nvPr/>
+        </p:nvPicPr>
+        <p:blipFill>
+          <a:blip r:embed="rId2">
+            <a:extLst>
+              <a:ext uri="{837473B0-CC2E-450A-ABE3-18F120FF3D39}">
+                <a1611:picAttrSrcUrl xmlns:a1611="http://schemas.microsoft.com/office/drawing/2016/11/main" r:id="rId3"/>
+              </a:ext>
+            </a:extLst>
+          </a:blip>
+          <a:stretch>
+            <a:fillRect/>
+          </a:stretch>
+        </p:blipFill>
+        <p:spPr>
+          <a:xfrm>
+            <a:off x="5730875" y="1476462"/>
+            <a:ext cx="2495725" cy="1871794"/>
+          </a:xfrm>
+          <a:prstGeom prst="rect">
+            <a:avLst/>
+          </a:prstGeom>
+        </p:spPr>
+      </p:pic>
+    </p:spTree>
+    <p:extLst>
+      <p:ext uri="{BB962C8B-B14F-4D97-AF65-F5344CB8AC3E}">
+        <p14:creationId xmlns:p14="http://schemas.microsoft.com/office/powerpoint/2010/main" val="2725813447"/>
       </p:ext>
     </p:extLst>
   </p:cSld>
